--- a/slides/DLMR Open Lab #1.pptx
+++ b/slides/DLMR Open Lab #1.pptx
@@ -15,9 +15,10 @@
     <p:sldId id="261" r:id="rId10"/>
     <p:sldId id="262" r:id="rId11"/>
     <p:sldId id="263" r:id="rId12"/>
+    <p:sldId id="264" r:id="rId13"/>
   </p:sldIdLst>
   <p:sldSz cx="9144000" cy="5143500"/>
-  <p:notesSz cx="6858000" cy="9144000"/>
+  <p:notesSz cx="7559675" cy="10691813"/>
 </p:presentation>
 </file>
 
@@ -52,7 +53,7 @@
         <p:txBody>
           <a:bodyPr/>
           <a:p>
-            <a:fld id="{B70EFA9E-93AC-4BA8-9EE5-15FE6E2F6C41}" type="slidenum">
+            <a:fld id="{CF207657-4909-41E2-9686-B1968E9BD1FE}" type="slidenum">
               <a:t>&lt;#&gt;</a:t>
             </a:fld>
           </a:p>
@@ -92,8 +93,8 @@
         </p:nvSpPr>
         <p:spPr>
           <a:xfrm>
-            <a:off x="311760" y="1057680"/>
-            <a:ext cx="8520120" cy="2011680"/>
+            <a:off x="457200" y="205200"/>
+            <a:ext cx="8229240" cy="858600"/>
           </a:xfrm>
           <a:prstGeom prst="rect">
             <a:avLst/>
@@ -108,10 +109,10 @@
             <a:noAutofit/>
           </a:bodyPr>
           <a:p>
-            <a:endParaRPr b="0" lang="en-US" sz="1400" spc="-1" strike="noStrike">
-              <a:solidFill>
-                <a:srgbClr val="000000"/>
-              </a:solidFill>
+            <a:pPr algn="ctr">
+              <a:buNone/>
+            </a:pPr>
+            <a:endParaRPr b="0" lang="en-US" sz="4400" spc="-1" strike="noStrike">
               <a:latin typeface="Arial"/>
             </a:endParaRPr>
           </a:p>
@@ -129,8 +130,8 @@
         </p:nvSpPr>
         <p:spPr>
           <a:xfrm>
-            <a:off x="311760" y="3152160"/>
-            <a:ext cx="8520120" cy="1510200"/>
+            <a:off x="457200" y="1203480"/>
+            <a:ext cx="8229240" cy="1422720"/>
           </a:xfrm>
           <a:prstGeom prst="rect">
             <a:avLst/>
@@ -145,10 +146,7 @@
             <a:normAutofit/>
           </a:bodyPr>
           <a:p>
-            <a:endParaRPr b="0" lang="en-US" sz="1400" spc="-1" strike="noStrike">
-              <a:solidFill>
-                <a:srgbClr val="000000"/>
-              </a:solidFill>
+            <a:endParaRPr b="0" lang="en-US" sz="3200" spc="-1" strike="noStrike">
               <a:latin typeface="Arial"/>
             </a:endParaRPr>
           </a:p>
@@ -166,8 +164,8 @@
         </p:nvSpPr>
         <p:spPr>
           <a:xfrm>
-            <a:off x="311760" y="4806360"/>
-            <a:ext cx="8520120" cy="1510200"/>
+            <a:off x="457200" y="2761920"/>
+            <a:ext cx="8229240" cy="1422720"/>
           </a:xfrm>
           <a:prstGeom prst="rect">
             <a:avLst/>
@@ -182,10 +180,7 @@
             <a:normAutofit/>
           </a:bodyPr>
           <a:p>
-            <a:endParaRPr b="0" lang="en-US" sz="1400" spc="-1" strike="noStrike">
-              <a:solidFill>
-                <a:srgbClr val="000000"/>
-              </a:solidFill>
+            <a:endParaRPr b="0" lang="en-US" sz="3200" spc="-1" strike="noStrike">
               <a:latin typeface="Arial"/>
             </a:endParaRPr>
           </a:p>
@@ -205,7 +200,7 @@
         <p:txBody>
           <a:bodyPr/>
           <a:p>
-            <a:fld id="{D78AA5A0-C851-4279-89F9-0CDF5E287D02}" type="slidenum">
+            <a:fld id="{F7E76118-3624-46D8-A1AB-1394060CFFEE}" type="slidenum">
               <a:t>&lt;#&gt;</a:t>
             </a:fld>
           </a:p>
@@ -245,8 +240,8 @@
         </p:nvSpPr>
         <p:spPr>
           <a:xfrm>
-            <a:off x="311760" y="1057680"/>
-            <a:ext cx="8520120" cy="2011680"/>
+            <a:off x="457200" y="205200"/>
+            <a:ext cx="8229240" cy="858600"/>
           </a:xfrm>
           <a:prstGeom prst="rect">
             <a:avLst/>
@@ -261,10 +256,10 @@
             <a:noAutofit/>
           </a:bodyPr>
           <a:p>
-            <a:endParaRPr b="0" lang="en-US" sz="1400" spc="-1" strike="noStrike">
-              <a:solidFill>
-                <a:srgbClr val="000000"/>
-              </a:solidFill>
+            <a:pPr algn="ctr">
+              <a:buNone/>
+            </a:pPr>
+            <a:endParaRPr b="0" lang="en-US" sz="4400" spc="-1" strike="noStrike">
               <a:latin typeface="Arial"/>
             </a:endParaRPr>
           </a:p>
@@ -282,8 +277,8 @@
         </p:nvSpPr>
         <p:spPr>
           <a:xfrm>
-            <a:off x="311760" y="3152160"/>
-            <a:ext cx="4157640" cy="1510200"/>
+            <a:off x="457200" y="1203480"/>
+            <a:ext cx="4015800" cy="1422720"/>
           </a:xfrm>
           <a:prstGeom prst="rect">
             <a:avLst/>
@@ -298,10 +293,7 @@
             <a:normAutofit/>
           </a:bodyPr>
           <a:p>
-            <a:endParaRPr b="0" lang="en-US" sz="1400" spc="-1" strike="noStrike">
-              <a:solidFill>
-                <a:srgbClr val="000000"/>
-              </a:solidFill>
+            <a:endParaRPr b="0" lang="en-US" sz="3200" spc="-1" strike="noStrike">
               <a:latin typeface="Arial"/>
             </a:endParaRPr>
           </a:p>
@@ -319,8 +311,8 @@
         </p:nvSpPr>
         <p:spPr>
           <a:xfrm>
-            <a:off x="4677840" y="3152160"/>
-            <a:ext cx="4157640" cy="1510200"/>
+            <a:off x="4674240" y="1203480"/>
+            <a:ext cx="4015800" cy="1422720"/>
           </a:xfrm>
           <a:prstGeom prst="rect">
             <a:avLst/>
@@ -335,10 +327,7 @@
             <a:normAutofit/>
           </a:bodyPr>
           <a:p>
-            <a:endParaRPr b="0" lang="en-US" sz="1400" spc="-1" strike="noStrike">
-              <a:solidFill>
-                <a:srgbClr val="000000"/>
-              </a:solidFill>
+            <a:endParaRPr b="0" lang="en-US" sz="3200" spc="-1" strike="noStrike">
               <a:latin typeface="Arial"/>
             </a:endParaRPr>
           </a:p>
@@ -356,8 +345,8 @@
         </p:nvSpPr>
         <p:spPr>
           <a:xfrm>
-            <a:off x="311760" y="4806360"/>
-            <a:ext cx="4157640" cy="1510200"/>
+            <a:off x="457200" y="2761920"/>
+            <a:ext cx="4015800" cy="1422720"/>
           </a:xfrm>
           <a:prstGeom prst="rect">
             <a:avLst/>
@@ -372,10 +361,7 @@
             <a:normAutofit/>
           </a:bodyPr>
           <a:p>
-            <a:endParaRPr b="0" lang="en-US" sz="1400" spc="-1" strike="noStrike">
-              <a:solidFill>
-                <a:srgbClr val="000000"/>
-              </a:solidFill>
+            <a:endParaRPr b="0" lang="en-US" sz="3200" spc="-1" strike="noStrike">
               <a:latin typeface="Arial"/>
             </a:endParaRPr>
           </a:p>
@@ -393,8 +379,8 @@
         </p:nvSpPr>
         <p:spPr>
           <a:xfrm>
-            <a:off x="4677840" y="4806360"/>
-            <a:ext cx="4157640" cy="1510200"/>
+            <a:off x="4674240" y="2761920"/>
+            <a:ext cx="4015800" cy="1422720"/>
           </a:xfrm>
           <a:prstGeom prst="rect">
             <a:avLst/>
@@ -409,10 +395,7 @@
             <a:normAutofit/>
           </a:bodyPr>
           <a:p>
-            <a:endParaRPr b="0" lang="en-US" sz="1400" spc="-1" strike="noStrike">
-              <a:solidFill>
-                <a:srgbClr val="000000"/>
-              </a:solidFill>
+            <a:endParaRPr b="0" lang="en-US" sz="3200" spc="-1" strike="noStrike">
               <a:latin typeface="Arial"/>
             </a:endParaRPr>
           </a:p>
@@ -432,7 +415,7 @@
         <p:txBody>
           <a:bodyPr/>
           <a:p>
-            <a:fld id="{E5C1F67B-21FA-4456-B08E-41B5A9C8075E}" type="slidenum">
+            <a:fld id="{5CED558C-4CA1-4890-99E5-B1F2252F24F6}" type="slidenum">
               <a:t>&lt;#&gt;</a:t>
             </a:fld>
           </a:p>
@@ -472,8 +455,8 @@
         </p:nvSpPr>
         <p:spPr>
           <a:xfrm>
-            <a:off x="311760" y="1057680"/>
-            <a:ext cx="8520120" cy="2011680"/>
+            <a:off x="457200" y="205200"/>
+            <a:ext cx="8229240" cy="858600"/>
           </a:xfrm>
           <a:prstGeom prst="rect">
             <a:avLst/>
@@ -488,10 +471,10 @@
             <a:noAutofit/>
           </a:bodyPr>
           <a:p>
-            <a:endParaRPr b="0" lang="en-US" sz="1400" spc="-1" strike="noStrike">
-              <a:solidFill>
-                <a:srgbClr val="000000"/>
-              </a:solidFill>
+            <a:pPr algn="ctr">
+              <a:buNone/>
+            </a:pPr>
+            <a:endParaRPr b="0" lang="en-US" sz="4400" spc="-1" strike="noStrike">
               <a:latin typeface="Arial"/>
             </a:endParaRPr>
           </a:p>
@@ -509,8 +492,8 @@
         </p:nvSpPr>
         <p:spPr>
           <a:xfrm>
-            <a:off x="311760" y="3152160"/>
-            <a:ext cx="2743200" cy="1510200"/>
+            <a:off x="457200" y="1203480"/>
+            <a:ext cx="2649600" cy="1422720"/>
           </a:xfrm>
           <a:prstGeom prst="rect">
             <a:avLst/>
@@ -525,10 +508,7 @@
             <a:normAutofit/>
           </a:bodyPr>
           <a:p>
-            <a:endParaRPr b="0" lang="en-US" sz="1400" spc="-1" strike="noStrike">
-              <a:solidFill>
-                <a:srgbClr val="000000"/>
-              </a:solidFill>
+            <a:endParaRPr b="0" lang="en-US" sz="3200" spc="-1" strike="noStrike">
               <a:latin typeface="Arial"/>
             </a:endParaRPr>
           </a:p>
@@ -546,8 +526,8 @@
         </p:nvSpPr>
         <p:spPr>
           <a:xfrm>
-            <a:off x="3192480" y="3152160"/>
-            <a:ext cx="2743200" cy="1510200"/>
+            <a:off x="3239640" y="1203480"/>
+            <a:ext cx="2649600" cy="1422720"/>
           </a:xfrm>
           <a:prstGeom prst="rect">
             <a:avLst/>
@@ -562,10 +542,7 @@
             <a:normAutofit/>
           </a:bodyPr>
           <a:p>
-            <a:endParaRPr b="0" lang="en-US" sz="1400" spc="-1" strike="noStrike">
-              <a:solidFill>
-                <a:srgbClr val="000000"/>
-              </a:solidFill>
+            <a:endParaRPr b="0" lang="en-US" sz="3200" spc="-1" strike="noStrike">
               <a:latin typeface="Arial"/>
             </a:endParaRPr>
           </a:p>
@@ -583,8 +560,8 @@
         </p:nvSpPr>
         <p:spPr>
           <a:xfrm>
-            <a:off x="6073200" y="3152160"/>
-            <a:ext cx="2743200" cy="1510200"/>
+            <a:off x="6022080" y="1203480"/>
+            <a:ext cx="2649600" cy="1422720"/>
           </a:xfrm>
           <a:prstGeom prst="rect">
             <a:avLst/>
@@ -599,10 +576,7 @@
             <a:normAutofit/>
           </a:bodyPr>
           <a:p>
-            <a:endParaRPr b="0" lang="en-US" sz="1400" spc="-1" strike="noStrike">
-              <a:solidFill>
-                <a:srgbClr val="000000"/>
-              </a:solidFill>
+            <a:endParaRPr b="0" lang="en-US" sz="3200" spc="-1" strike="noStrike">
               <a:latin typeface="Arial"/>
             </a:endParaRPr>
           </a:p>
@@ -620,8 +594,8 @@
         </p:nvSpPr>
         <p:spPr>
           <a:xfrm>
-            <a:off x="311760" y="4806360"/>
-            <a:ext cx="2743200" cy="1510200"/>
+            <a:off x="457200" y="2761920"/>
+            <a:ext cx="2649600" cy="1422720"/>
           </a:xfrm>
           <a:prstGeom prst="rect">
             <a:avLst/>
@@ -636,10 +610,7 @@
             <a:normAutofit/>
           </a:bodyPr>
           <a:p>
-            <a:endParaRPr b="0" lang="en-US" sz="1400" spc="-1" strike="noStrike">
-              <a:solidFill>
-                <a:srgbClr val="000000"/>
-              </a:solidFill>
+            <a:endParaRPr b="0" lang="en-US" sz="3200" spc="-1" strike="noStrike">
               <a:latin typeface="Arial"/>
             </a:endParaRPr>
           </a:p>
@@ -657,8 +628,8 @@
         </p:nvSpPr>
         <p:spPr>
           <a:xfrm>
-            <a:off x="3192480" y="4806360"/>
-            <a:ext cx="2743200" cy="1510200"/>
+            <a:off x="3239640" y="2761920"/>
+            <a:ext cx="2649600" cy="1422720"/>
           </a:xfrm>
           <a:prstGeom prst="rect">
             <a:avLst/>
@@ -673,10 +644,7 @@
             <a:normAutofit/>
           </a:bodyPr>
           <a:p>
-            <a:endParaRPr b="0" lang="en-US" sz="1400" spc="-1" strike="noStrike">
-              <a:solidFill>
-                <a:srgbClr val="000000"/>
-              </a:solidFill>
+            <a:endParaRPr b="0" lang="en-US" sz="3200" spc="-1" strike="noStrike">
               <a:latin typeface="Arial"/>
             </a:endParaRPr>
           </a:p>
@@ -694,8 +662,8 @@
         </p:nvSpPr>
         <p:spPr>
           <a:xfrm>
-            <a:off x="6073200" y="4806360"/>
-            <a:ext cx="2743200" cy="1510200"/>
+            <a:off x="6022080" y="2761920"/>
+            <a:ext cx="2649600" cy="1422720"/>
           </a:xfrm>
           <a:prstGeom prst="rect">
             <a:avLst/>
@@ -710,10 +678,7 @@
             <a:normAutofit/>
           </a:bodyPr>
           <a:p>
-            <a:endParaRPr b="0" lang="en-US" sz="1400" spc="-1" strike="noStrike">
-              <a:solidFill>
-                <a:srgbClr val="000000"/>
-              </a:solidFill>
+            <a:endParaRPr b="0" lang="en-US" sz="3200" spc="-1" strike="noStrike">
               <a:latin typeface="Arial"/>
             </a:endParaRPr>
           </a:p>
@@ -733,7 +698,7 @@
         <p:txBody>
           <a:bodyPr/>
           <a:p>
-            <a:fld id="{FADDC5CF-9C57-457C-B490-4120FB1F6BC4}" type="slidenum">
+            <a:fld id="{152FDEA7-DEB6-456C-9F58-6065CFAC6A6D}" type="slidenum">
               <a:t>&lt;#&gt;</a:t>
             </a:fld>
           </a:p>
@@ -775,7 +740,7 @@
         <p:txBody>
           <a:bodyPr/>
           <a:p>
-            <a:fld id="{6DF09CD2-6254-434D-BF61-80CE2B7E9FCD}" type="slidenum">
+            <a:fld id="{2F3BF68D-0CDC-4EBD-B783-0E079B68E69B}" type="slidenum">
               <a:t>&lt;#&gt;</a:t>
             </a:fld>
           </a:p>
@@ -815,8 +780,8 @@
         </p:nvSpPr>
         <p:spPr>
           <a:xfrm>
-            <a:off x="311760" y="1057680"/>
-            <a:ext cx="8520120" cy="2011680"/>
+            <a:off x="457200" y="205200"/>
+            <a:ext cx="8229240" cy="858600"/>
           </a:xfrm>
           <a:prstGeom prst="rect">
             <a:avLst/>
@@ -831,10 +796,10 @@
             <a:noAutofit/>
           </a:bodyPr>
           <a:p>
-            <a:endParaRPr b="0" lang="en-US" sz="1400" spc="-1" strike="noStrike">
-              <a:solidFill>
-                <a:srgbClr val="000000"/>
-              </a:solidFill>
+            <a:pPr algn="ctr">
+              <a:buNone/>
+            </a:pPr>
+            <a:endParaRPr b="0" lang="en-US" sz="4400" spc="-1" strike="noStrike">
               <a:latin typeface="Arial"/>
             </a:endParaRPr>
           </a:p>
@@ -852,8 +817,8 @@
         </p:nvSpPr>
         <p:spPr>
           <a:xfrm>
-            <a:off x="311760" y="3152160"/>
-            <a:ext cx="8520120" cy="3166200"/>
+            <a:off x="457200" y="1203480"/>
+            <a:ext cx="8229240" cy="2982960"/>
           </a:xfrm>
           <a:prstGeom prst="rect">
             <a:avLst/>
@@ -891,7 +856,7 @@
         <p:txBody>
           <a:bodyPr/>
           <a:p>
-            <a:fld id="{93224886-C786-468E-88D4-3AF6D2259069}" type="slidenum">
+            <a:fld id="{15F38DFD-4F24-4953-926A-4649E7CB19A9}" type="slidenum">
               <a:t>&lt;#&gt;</a:t>
             </a:fld>
           </a:p>
@@ -931,8 +896,8 @@
         </p:nvSpPr>
         <p:spPr>
           <a:xfrm>
-            <a:off x="311760" y="1057680"/>
-            <a:ext cx="8520120" cy="2011680"/>
+            <a:off x="457200" y="205200"/>
+            <a:ext cx="8229240" cy="858600"/>
           </a:xfrm>
           <a:prstGeom prst="rect">
             <a:avLst/>
@@ -947,10 +912,10 @@
             <a:noAutofit/>
           </a:bodyPr>
           <a:p>
-            <a:endParaRPr b="0" lang="en-US" sz="1400" spc="-1" strike="noStrike">
-              <a:solidFill>
-                <a:srgbClr val="000000"/>
-              </a:solidFill>
+            <a:pPr algn="ctr">
+              <a:buNone/>
+            </a:pPr>
+            <a:endParaRPr b="0" lang="en-US" sz="4400" spc="-1" strike="noStrike">
               <a:latin typeface="Arial"/>
             </a:endParaRPr>
           </a:p>
@@ -968,8 +933,8 @@
         </p:nvSpPr>
         <p:spPr>
           <a:xfrm>
-            <a:off x="311760" y="3152160"/>
-            <a:ext cx="8520120" cy="3166200"/>
+            <a:off x="457200" y="1203480"/>
+            <a:ext cx="8229240" cy="2982960"/>
           </a:xfrm>
           <a:prstGeom prst="rect">
             <a:avLst/>
@@ -984,10 +949,7 @@
             <a:normAutofit/>
           </a:bodyPr>
           <a:p>
-            <a:endParaRPr b="0" lang="en-US" sz="1400" spc="-1" strike="noStrike">
-              <a:solidFill>
-                <a:srgbClr val="000000"/>
-              </a:solidFill>
+            <a:endParaRPr b="0" lang="en-US" sz="3200" spc="-1" strike="noStrike">
               <a:latin typeface="Arial"/>
             </a:endParaRPr>
           </a:p>
@@ -1007,7 +969,7 @@
         <p:txBody>
           <a:bodyPr/>
           <a:p>
-            <a:fld id="{19A1A7F7-F43D-4CBA-90ED-57636D9BF555}" type="slidenum">
+            <a:fld id="{28559128-2E8C-4056-898D-6AA111D06C85}" type="slidenum">
               <a:t>&lt;#&gt;</a:t>
             </a:fld>
           </a:p>
@@ -1047,8 +1009,8 @@
         </p:nvSpPr>
         <p:spPr>
           <a:xfrm>
-            <a:off x="311760" y="1057680"/>
-            <a:ext cx="8520120" cy="2011680"/>
+            <a:off x="457200" y="205200"/>
+            <a:ext cx="8229240" cy="858600"/>
           </a:xfrm>
           <a:prstGeom prst="rect">
             <a:avLst/>
@@ -1063,10 +1025,10 @@
             <a:noAutofit/>
           </a:bodyPr>
           <a:p>
-            <a:endParaRPr b="0" lang="en-US" sz="1400" spc="-1" strike="noStrike">
-              <a:solidFill>
-                <a:srgbClr val="000000"/>
-              </a:solidFill>
+            <a:pPr algn="ctr">
+              <a:buNone/>
+            </a:pPr>
+            <a:endParaRPr b="0" lang="en-US" sz="4400" spc="-1" strike="noStrike">
               <a:latin typeface="Arial"/>
             </a:endParaRPr>
           </a:p>
@@ -1084,8 +1046,8 @@
         </p:nvSpPr>
         <p:spPr>
           <a:xfrm>
-            <a:off x="311760" y="3152160"/>
-            <a:ext cx="4157640" cy="3166200"/>
+            <a:off x="457200" y="1203480"/>
+            <a:ext cx="4015800" cy="2982960"/>
           </a:xfrm>
           <a:prstGeom prst="rect">
             <a:avLst/>
@@ -1100,10 +1062,7 @@
             <a:normAutofit/>
           </a:bodyPr>
           <a:p>
-            <a:endParaRPr b="0" lang="en-US" sz="1400" spc="-1" strike="noStrike">
-              <a:solidFill>
-                <a:srgbClr val="000000"/>
-              </a:solidFill>
+            <a:endParaRPr b="0" lang="en-US" sz="3200" spc="-1" strike="noStrike">
               <a:latin typeface="Arial"/>
             </a:endParaRPr>
           </a:p>
@@ -1121,8 +1080,8 @@
         </p:nvSpPr>
         <p:spPr>
           <a:xfrm>
-            <a:off x="4677840" y="3152160"/>
-            <a:ext cx="4157640" cy="3166200"/>
+            <a:off x="4674240" y="1203480"/>
+            <a:ext cx="4015800" cy="2982960"/>
           </a:xfrm>
           <a:prstGeom prst="rect">
             <a:avLst/>
@@ -1137,10 +1096,7 @@
             <a:normAutofit/>
           </a:bodyPr>
           <a:p>
-            <a:endParaRPr b="0" lang="en-US" sz="1400" spc="-1" strike="noStrike">
-              <a:solidFill>
-                <a:srgbClr val="000000"/>
-              </a:solidFill>
+            <a:endParaRPr b="0" lang="en-US" sz="3200" spc="-1" strike="noStrike">
               <a:latin typeface="Arial"/>
             </a:endParaRPr>
           </a:p>
@@ -1160,7 +1116,7 @@
         <p:txBody>
           <a:bodyPr/>
           <a:p>
-            <a:fld id="{0BA06AC8-BEFB-4BCE-A1FA-3F2B223F0496}" type="slidenum">
+            <a:fld id="{D4A16F4F-A63B-431C-8EE1-DCDFDE06FE1F}" type="slidenum">
               <a:t>&lt;#&gt;</a:t>
             </a:fld>
           </a:p>
@@ -1200,8 +1156,8 @@
         </p:nvSpPr>
         <p:spPr>
           <a:xfrm>
-            <a:off x="311760" y="1057680"/>
-            <a:ext cx="8520120" cy="2011680"/>
+            <a:off x="457200" y="205200"/>
+            <a:ext cx="8229240" cy="858600"/>
           </a:xfrm>
           <a:prstGeom prst="rect">
             <a:avLst/>
@@ -1216,10 +1172,10 @@
             <a:noAutofit/>
           </a:bodyPr>
           <a:p>
-            <a:endParaRPr b="0" lang="en-US" sz="1400" spc="-1" strike="noStrike">
-              <a:solidFill>
-                <a:srgbClr val="000000"/>
-              </a:solidFill>
+            <a:pPr algn="ctr">
+              <a:buNone/>
+            </a:pPr>
+            <a:endParaRPr b="0" lang="en-US" sz="4400" spc="-1" strike="noStrike">
               <a:latin typeface="Arial"/>
             </a:endParaRPr>
           </a:p>
@@ -1239,7 +1195,7 @@
         <p:txBody>
           <a:bodyPr/>
           <a:p>
-            <a:fld id="{496B41F3-3F17-4EDC-88ED-53DFE26C210F}" type="slidenum">
+            <a:fld id="{F679C01D-332B-492E-914D-783B729D1B53}" type="slidenum">
               <a:t>&lt;#&gt;</a:t>
             </a:fld>
           </a:p>
@@ -1279,8 +1235,8 @@
         </p:nvSpPr>
         <p:spPr>
           <a:xfrm>
-            <a:off x="311760" y="1057680"/>
-            <a:ext cx="8520120" cy="9326160"/>
+            <a:off x="457200" y="205200"/>
+            <a:ext cx="8229240" cy="3981240"/>
           </a:xfrm>
           <a:prstGeom prst="rect">
             <a:avLst/>
@@ -1318,7 +1274,7 @@
         <p:txBody>
           <a:bodyPr/>
           <a:p>
-            <a:fld id="{05379C10-C063-4A7A-8B7D-8E3A307434DD}" type="slidenum">
+            <a:fld id="{AB442FB2-9FA7-4D87-9556-65B799AFD2D6}" type="slidenum">
               <a:t>&lt;#&gt;</a:t>
             </a:fld>
           </a:p>
@@ -1358,8 +1314,8 @@
         </p:nvSpPr>
         <p:spPr>
           <a:xfrm>
-            <a:off x="311760" y="1057680"/>
-            <a:ext cx="8520120" cy="2011680"/>
+            <a:off x="457200" y="205200"/>
+            <a:ext cx="8229240" cy="858600"/>
           </a:xfrm>
           <a:prstGeom prst="rect">
             <a:avLst/>
@@ -1374,10 +1330,10 @@
             <a:noAutofit/>
           </a:bodyPr>
           <a:p>
-            <a:endParaRPr b="0" lang="en-US" sz="1400" spc="-1" strike="noStrike">
-              <a:solidFill>
-                <a:srgbClr val="000000"/>
-              </a:solidFill>
+            <a:pPr algn="ctr">
+              <a:buNone/>
+            </a:pPr>
+            <a:endParaRPr b="0" lang="en-US" sz="4400" spc="-1" strike="noStrike">
               <a:latin typeface="Arial"/>
             </a:endParaRPr>
           </a:p>
@@ -1395,8 +1351,8 @@
         </p:nvSpPr>
         <p:spPr>
           <a:xfrm>
-            <a:off x="311760" y="3152160"/>
-            <a:ext cx="4157640" cy="1510200"/>
+            <a:off x="457200" y="1203480"/>
+            <a:ext cx="4015800" cy="1422720"/>
           </a:xfrm>
           <a:prstGeom prst="rect">
             <a:avLst/>
@@ -1411,10 +1367,7 @@
             <a:normAutofit/>
           </a:bodyPr>
           <a:p>
-            <a:endParaRPr b="0" lang="en-US" sz="1400" spc="-1" strike="noStrike">
-              <a:solidFill>
-                <a:srgbClr val="000000"/>
-              </a:solidFill>
+            <a:endParaRPr b="0" lang="en-US" sz="3200" spc="-1" strike="noStrike">
               <a:latin typeface="Arial"/>
             </a:endParaRPr>
           </a:p>
@@ -1432,8 +1385,8 @@
         </p:nvSpPr>
         <p:spPr>
           <a:xfrm>
-            <a:off x="4677840" y="3152160"/>
-            <a:ext cx="4157640" cy="3166200"/>
+            <a:off x="4674240" y="1203480"/>
+            <a:ext cx="4015800" cy="2982960"/>
           </a:xfrm>
           <a:prstGeom prst="rect">
             <a:avLst/>
@@ -1448,10 +1401,7 @@
             <a:normAutofit/>
           </a:bodyPr>
           <a:p>
-            <a:endParaRPr b="0" lang="en-US" sz="1400" spc="-1" strike="noStrike">
-              <a:solidFill>
-                <a:srgbClr val="000000"/>
-              </a:solidFill>
+            <a:endParaRPr b="0" lang="en-US" sz="3200" spc="-1" strike="noStrike">
               <a:latin typeface="Arial"/>
             </a:endParaRPr>
           </a:p>
@@ -1469,8 +1419,8 @@
         </p:nvSpPr>
         <p:spPr>
           <a:xfrm>
-            <a:off x="311760" y="4806360"/>
-            <a:ext cx="4157640" cy="1510200"/>
+            <a:off x="457200" y="2761920"/>
+            <a:ext cx="4015800" cy="1422720"/>
           </a:xfrm>
           <a:prstGeom prst="rect">
             <a:avLst/>
@@ -1485,10 +1435,7 @@
             <a:normAutofit/>
           </a:bodyPr>
           <a:p>
-            <a:endParaRPr b="0" lang="en-US" sz="1400" spc="-1" strike="noStrike">
-              <a:solidFill>
-                <a:srgbClr val="000000"/>
-              </a:solidFill>
+            <a:endParaRPr b="0" lang="en-US" sz="3200" spc="-1" strike="noStrike">
               <a:latin typeface="Arial"/>
             </a:endParaRPr>
           </a:p>
@@ -1508,7 +1455,7 @@
         <p:txBody>
           <a:bodyPr/>
           <a:p>
-            <a:fld id="{D31EE885-2E2E-4716-A8ED-C0DA7B5299B0}" type="slidenum">
+            <a:fld id="{FA7FC3AE-3168-4D57-A4DB-4D331B81EF3E}" type="slidenum">
               <a:t>&lt;#&gt;</a:t>
             </a:fld>
           </a:p>
@@ -1548,8 +1495,8 @@
         </p:nvSpPr>
         <p:spPr>
           <a:xfrm>
-            <a:off x="311760" y="1057680"/>
-            <a:ext cx="8520120" cy="2011680"/>
+            <a:off x="457200" y="205200"/>
+            <a:ext cx="8229240" cy="858600"/>
           </a:xfrm>
           <a:prstGeom prst="rect">
             <a:avLst/>
@@ -1564,10 +1511,10 @@
             <a:noAutofit/>
           </a:bodyPr>
           <a:p>
-            <a:endParaRPr b="0" lang="en-US" sz="1400" spc="-1" strike="noStrike">
-              <a:solidFill>
-                <a:srgbClr val="000000"/>
-              </a:solidFill>
+            <a:pPr algn="ctr">
+              <a:buNone/>
+            </a:pPr>
+            <a:endParaRPr b="0" lang="en-US" sz="4400" spc="-1" strike="noStrike">
               <a:latin typeface="Arial"/>
             </a:endParaRPr>
           </a:p>
@@ -1585,8 +1532,8 @@
         </p:nvSpPr>
         <p:spPr>
           <a:xfrm>
-            <a:off x="311760" y="3152160"/>
-            <a:ext cx="8520120" cy="3166200"/>
+            <a:off x="457200" y="1203480"/>
+            <a:ext cx="8229240" cy="2982960"/>
           </a:xfrm>
           <a:prstGeom prst="rect">
             <a:avLst/>
@@ -1624,7 +1571,7 @@
         <p:txBody>
           <a:bodyPr/>
           <a:p>
-            <a:fld id="{BFCA1B77-843D-46A1-B9C5-EAF7ED685D57}" type="slidenum">
+            <a:fld id="{4B9E51C3-5B64-4FB8-9547-BC5407E11DE4}" type="slidenum">
               <a:t>&lt;#&gt;</a:t>
             </a:fld>
           </a:p>
@@ -1664,8 +1611,8 @@
         </p:nvSpPr>
         <p:spPr>
           <a:xfrm>
-            <a:off x="311760" y="1057680"/>
-            <a:ext cx="8520120" cy="2011680"/>
+            <a:off x="457200" y="205200"/>
+            <a:ext cx="8229240" cy="858600"/>
           </a:xfrm>
           <a:prstGeom prst="rect">
             <a:avLst/>
@@ -1680,10 +1627,10 @@
             <a:noAutofit/>
           </a:bodyPr>
           <a:p>
-            <a:endParaRPr b="0" lang="en-US" sz="1400" spc="-1" strike="noStrike">
-              <a:solidFill>
-                <a:srgbClr val="000000"/>
-              </a:solidFill>
+            <a:pPr algn="ctr">
+              <a:buNone/>
+            </a:pPr>
+            <a:endParaRPr b="0" lang="en-US" sz="4400" spc="-1" strike="noStrike">
               <a:latin typeface="Arial"/>
             </a:endParaRPr>
           </a:p>
@@ -1701,8 +1648,8 @@
         </p:nvSpPr>
         <p:spPr>
           <a:xfrm>
-            <a:off x="311760" y="3152160"/>
-            <a:ext cx="4157640" cy="3166200"/>
+            <a:off x="457200" y="1203480"/>
+            <a:ext cx="4015800" cy="2982960"/>
           </a:xfrm>
           <a:prstGeom prst="rect">
             <a:avLst/>
@@ -1717,10 +1664,7 @@
             <a:normAutofit/>
           </a:bodyPr>
           <a:p>
-            <a:endParaRPr b="0" lang="en-US" sz="1400" spc="-1" strike="noStrike">
-              <a:solidFill>
-                <a:srgbClr val="000000"/>
-              </a:solidFill>
+            <a:endParaRPr b="0" lang="en-US" sz="3200" spc="-1" strike="noStrike">
               <a:latin typeface="Arial"/>
             </a:endParaRPr>
           </a:p>
@@ -1738,8 +1682,8 @@
         </p:nvSpPr>
         <p:spPr>
           <a:xfrm>
-            <a:off x="4677840" y="3152160"/>
-            <a:ext cx="4157640" cy="1510200"/>
+            <a:off x="4674240" y="1203480"/>
+            <a:ext cx="4015800" cy="1422720"/>
           </a:xfrm>
           <a:prstGeom prst="rect">
             <a:avLst/>
@@ -1754,10 +1698,7 @@
             <a:normAutofit/>
           </a:bodyPr>
           <a:p>
-            <a:endParaRPr b="0" lang="en-US" sz="1400" spc="-1" strike="noStrike">
-              <a:solidFill>
-                <a:srgbClr val="000000"/>
-              </a:solidFill>
+            <a:endParaRPr b="0" lang="en-US" sz="3200" spc="-1" strike="noStrike">
               <a:latin typeface="Arial"/>
             </a:endParaRPr>
           </a:p>
@@ -1775,8 +1716,8 @@
         </p:nvSpPr>
         <p:spPr>
           <a:xfrm>
-            <a:off x="4677840" y="4806360"/>
-            <a:ext cx="4157640" cy="1510200"/>
+            <a:off x="4674240" y="2761920"/>
+            <a:ext cx="4015800" cy="1422720"/>
           </a:xfrm>
           <a:prstGeom prst="rect">
             <a:avLst/>
@@ -1791,10 +1732,7 @@
             <a:normAutofit/>
           </a:bodyPr>
           <a:p>
-            <a:endParaRPr b="0" lang="en-US" sz="1400" spc="-1" strike="noStrike">
-              <a:solidFill>
-                <a:srgbClr val="000000"/>
-              </a:solidFill>
+            <a:endParaRPr b="0" lang="en-US" sz="3200" spc="-1" strike="noStrike">
               <a:latin typeface="Arial"/>
             </a:endParaRPr>
           </a:p>
@@ -1814,7 +1752,7 @@
         <p:txBody>
           <a:bodyPr/>
           <a:p>
-            <a:fld id="{90B2B5FF-84EE-4F3B-A94E-0D8D5465F5FF}" type="slidenum">
+            <a:fld id="{57F48D1D-25C5-48F7-9AB0-268C0F492C75}" type="slidenum">
               <a:t>&lt;#&gt;</a:t>
             </a:fld>
           </a:p>
@@ -1854,8 +1792,8 @@
         </p:nvSpPr>
         <p:spPr>
           <a:xfrm>
-            <a:off x="311760" y="1057680"/>
-            <a:ext cx="8520120" cy="2011680"/>
+            <a:off x="457200" y="205200"/>
+            <a:ext cx="8229240" cy="858600"/>
           </a:xfrm>
           <a:prstGeom prst="rect">
             <a:avLst/>
@@ -1870,10 +1808,10 @@
             <a:noAutofit/>
           </a:bodyPr>
           <a:p>
-            <a:endParaRPr b="0" lang="en-US" sz="1400" spc="-1" strike="noStrike">
-              <a:solidFill>
-                <a:srgbClr val="000000"/>
-              </a:solidFill>
+            <a:pPr algn="ctr">
+              <a:buNone/>
+            </a:pPr>
+            <a:endParaRPr b="0" lang="en-US" sz="4400" spc="-1" strike="noStrike">
               <a:latin typeface="Arial"/>
             </a:endParaRPr>
           </a:p>
@@ -1891,8 +1829,8 @@
         </p:nvSpPr>
         <p:spPr>
           <a:xfrm>
-            <a:off x="311760" y="3152160"/>
-            <a:ext cx="4157640" cy="1510200"/>
+            <a:off x="457200" y="1203480"/>
+            <a:ext cx="4015800" cy="1422720"/>
           </a:xfrm>
           <a:prstGeom prst="rect">
             <a:avLst/>
@@ -1907,10 +1845,7 @@
             <a:normAutofit/>
           </a:bodyPr>
           <a:p>
-            <a:endParaRPr b="0" lang="en-US" sz="1400" spc="-1" strike="noStrike">
-              <a:solidFill>
-                <a:srgbClr val="000000"/>
-              </a:solidFill>
+            <a:endParaRPr b="0" lang="en-US" sz="3200" spc="-1" strike="noStrike">
               <a:latin typeface="Arial"/>
             </a:endParaRPr>
           </a:p>
@@ -1928,8 +1863,8 @@
         </p:nvSpPr>
         <p:spPr>
           <a:xfrm>
-            <a:off x="4677840" y="3152160"/>
-            <a:ext cx="4157640" cy="1510200"/>
+            <a:off x="4674240" y="1203480"/>
+            <a:ext cx="4015800" cy="1422720"/>
           </a:xfrm>
           <a:prstGeom prst="rect">
             <a:avLst/>
@@ -1944,10 +1879,7 @@
             <a:normAutofit/>
           </a:bodyPr>
           <a:p>
-            <a:endParaRPr b="0" lang="en-US" sz="1400" spc="-1" strike="noStrike">
-              <a:solidFill>
-                <a:srgbClr val="000000"/>
-              </a:solidFill>
+            <a:endParaRPr b="0" lang="en-US" sz="3200" spc="-1" strike="noStrike">
               <a:latin typeface="Arial"/>
             </a:endParaRPr>
           </a:p>
@@ -1965,8 +1897,8 @@
         </p:nvSpPr>
         <p:spPr>
           <a:xfrm>
-            <a:off x="311760" y="4806360"/>
-            <a:ext cx="8520120" cy="1510200"/>
+            <a:off x="457200" y="2761920"/>
+            <a:ext cx="8229240" cy="1422720"/>
           </a:xfrm>
           <a:prstGeom prst="rect">
             <a:avLst/>
@@ -1981,10 +1913,7 @@
             <a:normAutofit/>
           </a:bodyPr>
           <a:p>
-            <a:endParaRPr b="0" lang="en-US" sz="1400" spc="-1" strike="noStrike">
-              <a:solidFill>
-                <a:srgbClr val="000000"/>
-              </a:solidFill>
+            <a:endParaRPr b="0" lang="en-US" sz="3200" spc="-1" strike="noStrike">
               <a:latin typeface="Arial"/>
             </a:endParaRPr>
           </a:p>
@@ -2004,7 +1933,7 @@
         <p:txBody>
           <a:bodyPr/>
           <a:p>
-            <a:fld id="{8B4C1DB7-54F3-4CEB-9291-1D7648AAF879}" type="slidenum">
+            <a:fld id="{3ACCC518-5270-4F31-A8A3-02A9929E504A}" type="slidenum">
               <a:t>&lt;#&gt;</a:t>
             </a:fld>
           </a:p>
@@ -2044,8 +1973,8 @@
         </p:nvSpPr>
         <p:spPr>
           <a:xfrm>
-            <a:off x="311760" y="1057680"/>
-            <a:ext cx="8520120" cy="2011680"/>
+            <a:off x="457200" y="205200"/>
+            <a:ext cx="8229240" cy="858600"/>
           </a:xfrm>
           <a:prstGeom prst="rect">
             <a:avLst/>
@@ -2060,10 +1989,10 @@
             <a:noAutofit/>
           </a:bodyPr>
           <a:p>
-            <a:endParaRPr b="0" lang="en-US" sz="1400" spc="-1" strike="noStrike">
-              <a:solidFill>
-                <a:srgbClr val="000000"/>
-              </a:solidFill>
+            <a:pPr algn="ctr">
+              <a:buNone/>
+            </a:pPr>
+            <a:endParaRPr b="0" lang="en-US" sz="4400" spc="-1" strike="noStrike">
               <a:latin typeface="Arial"/>
             </a:endParaRPr>
           </a:p>
@@ -2081,8 +2010,8 @@
         </p:nvSpPr>
         <p:spPr>
           <a:xfrm>
-            <a:off x="311760" y="3152160"/>
-            <a:ext cx="8520120" cy="1510200"/>
+            <a:off x="457200" y="1203480"/>
+            <a:ext cx="8229240" cy="1422720"/>
           </a:xfrm>
           <a:prstGeom prst="rect">
             <a:avLst/>
@@ -2097,10 +2026,7 @@
             <a:normAutofit/>
           </a:bodyPr>
           <a:p>
-            <a:endParaRPr b="0" lang="en-US" sz="1400" spc="-1" strike="noStrike">
-              <a:solidFill>
-                <a:srgbClr val="000000"/>
-              </a:solidFill>
+            <a:endParaRPr b="0" lang="en-US" sz="3200" spc="-1" strike="noStrike">
               <a:latin typeface="Arial"/>
             </a:endParaRPr>
           </a:p>
@@ -2118,8 +2044,8 @@
         </p:nvSpPr>
         <p:spPr>
           <a:xfrm>
-            <a:off x="311760" y="4806360"/>
-            <a:ext cx="8520120" cy="1510200"/>
+            <a:off x="457200" y="2761920"/>
+            <a:ext cx="8229240" cy="1422720"/>
           </a:xfrm>
           <a:prstGeom prst="rect">
             <a:avLst/>
@@ -2134,10 +2060,7 @@
             <a:normAutofit/>
           </a:bodyPr>
           <a:p>
-            <a:endParaRPr b="0" lang="en-US" sz="1400" spc="-1" strike="noStrike">
-              <a:solidFill>
-                <a:srgbClr val="000000"/>
-              </a:solidFill>
+            <a:endParaRPr b="0" lang="en-US" sz="3200" spc="-1" strike="noStrike">
               <a:latin typeface="Arial"/>
             </a:endParaRPr>
           </a:p>
@@ -2157,7 +2080,7 @@
         <p:txBody>
           <a:bodyPr/>
           <a:p>
-            <a:fld id="{CF07779A-3A14-4699-B937-48419770DEAF}" type="slidenum">
+            <a:fld id="{AFA67D96-9D89-41DD-81E9-71ADCB33B3A3}" type="slidenum">
               <a:t>&lt;#&gt;</a:t>
             </a:fld>
           </a:p>
@@ -2197,8 +2120,8 @@
         </p:nvSpPr>
         <p:spPr>
           <a:xfrm>
-            <a:off x="311760" y="1057680"/>
-            <a:ext cx="8520120" cy="2011680"/>
+            <a:off x="457200" y="205200"/>
+            <a:ext cx="8229240" cy="858600"/>
           </a:xfrm>
           <a:prstGeom prst="rect">
             <a:avLst/>
@@ -2213,10 +2136,10 @@
             <a:noAutofit/>
           </a:bodyPr>
           <a:p>
-            <a:endParaRPr b="0" lang="en-US" sz="1400" spc="-1" strike="noStrike">
-              <a:solidFill>
-                <a:srgbClr val="000000"/>
-              </a:solidFill>
+            <a:pPr algn="ctr">
+              <a:buNone/>
+            </a:pPr>
+            <a:endParaRPr b="0" lang="en-US" sz="4400" spc="-1" strike="noStrike">
               <a:latin typeface="Arial"/>
             </a:endParaRPr>
           </a:p>
@@ -2234,8 +2157,8 @@
         </p:nvSpPr>
         <p:spPr>
           <a:xfrm>
-            <a:off x="311760" y="3152160"/>
-            <a:ext cx="4157640" cy="1510200"/>
+            <a:off x="457200" y="1203480"/>
+            <a:ext cx="4015800" cy="1422720"/>
           </a:xfrm>
           <a:prstGeom prst="rect">
             <a:avLst/>
@@ -2250,10 +2173,7 @@
             <a:normAutofit/>
           </a:bodyPr>
           <a:p>
-            <a:endParaRPr b="0" lang="en-US" sz="1400" spc="-1" strike="noStrike">
-              <a:solidFill>
-                <a:srgbClr val="000000"/>
-              </a:solidFill>
+            <a:endParaRPr b="0" lang="en-US" sz="3200" spc="-1" strike="noStrike">
               <a:latin typeface="Arial"/>
             </a:endParaRPr>
           </a:p>
@@ -2271,8 +2191,8 @@
         </p:nvSpPr>
         <p:spPr>
           <a:xfrm>
-            <a:off x="4677840" y="3152160"/>
-            <a:ext cx="4157640" cy="1510200"/>
+            <a:off x="4674240" y="1203480"/>
+            <a:ext cx="4015800" cy="1422720"/>
           </a:xfrm>
           <a:prstGeom prst="rect">
             <a:avLst/>
@@ -2287,10 +2207,7 @@
             <a:normAutofit/>
           </a:bodyPr>
           <a:p>
-            <a:endParaRPr b="0" lang="en-US" sz="1400" spc="-1" strike="noStrike">
-              <a:solidFill>
-                <a:srgbClr val="000000"/>
-              </a:solidFill>
+            <a:endParaRPr b="0" lang="en-US" sz="3200" spc="-1" strike="noStrike">
               <a:latin typeface="Arial"/>
             </a:endParaRPr>
           </a:p>
@@ -2308,8 +2225,8 @@
         </p:nvSpPr>
         <p:spPr>
           <a:xfrm>
-            <a:off x="311760" y="4806360"/>
-            <a:ext cx="4157640" cy="1510200"/>
+            <a:off x="457200" y="2761920"/>
+            <a:ext cx="4015800" cy="1422720"/>
           </a:xfrm>
           <a:prstGeom prst="rect">
             <a:avLst/>
@@ -2324,10 +2241,7 @@
             <a:normAutofit/>
           </a:bodyPr>
           <a:p>
-            <a:endParaRPr b="0" lang="en-US" sz="1400" spc="-1" strike="noStrike">
-              <a:solidFill>
-                <a:srgbClr val="000000"/>
-              </a:solidFill>
+            <a:endParaRPr b="0" lang="en-US" sz="3200" spc="-1" strike="noStrike">
               <a:latin typeface="Arial"/>
             </a:endParaRPr>
           </a:p>
@@ -2345,8 +2259,8 @@
         </p:nvSpPr>
         <p:spPr>
           <a:xfrm>
-            <a:off x="4677840" y="4806360"/>
-            <a:ext cx="4157640" cy="1510200"/>
+            <a:off x="4674240" y="2761920"/>
+            <a:ext cx="4015800" cy="1422720"/>
           </a:xfrm>
           <a:prstGeom prst="rect">
             <a:avLst/>
@@ -2361,10 +2275,7 @@
             <a:normAutofit/>
           </a:bodyPr>
           <a:p>
-            <a:endParaRPr b="0" lang="en-US" sz="1400" spc="-1" strike="noStrike">
-              <a:solidFill>
-                <a:srgbClr val="000000"/>
-              </a:solidFill>
+            <a:endParaRPr b="0" lang="en-US" sz="3200" spc="-1" strike="noStrike">
               <a:latin typeface="Arial"/>
             </a:endParaRPr>
           </a:p>
@@ -2384,7 +2295,7 @@
         <p:txBody>
           <a:bodyPr/>
           <a:p>
-            <a:fld id="{5027AF5A-CF0B-41A4-9BA9-E02707A8BB5F}" type="slidenum">
+            <a:fld id="{4411E27D-3E3F-4B56-B1DC-497EAC4A4B9B}" type="slidenum">
               <a:t>&lt;#&gt;</a:t>
             </a:fld>
           </a:p>
@@ -2424,8 +2335,8 @@
         </p:nvSpPr>
         <p:spPr>
           <a:xfrm>
-            <a:off x="311760" y="1057680"/>
-            <a:ext cx="8520120" cy="2011680"/>
+            <a:off x="457200" y="205200"/>
+            <a:ext cx="8229240" cy="858600"/>
           </a:xfrm>
           <a:prstGeom prst="rect">
             <a:avLst/>
@@ -2440,10 +2351,10 @@
             <a:noAutofit/>
           </a:bodyPr>
           <a:p>
-            <a:endParaRPr b="0" lang="en-US" sz="1400" spc="-1" strike="noStrike">
-              <a:solidFill>
-                <a:srgbClr val="000000"/>
-              </a:solidFill>
+            <a:pPr algn="ctr">
+              <a:buNone/>
+            </a:pPr>
+            <a:endParaRPr b="0" lang="en-US" sz="4400" spc="-1" strike="noStrike">
               <a:latin typeface="Arial"/>
             </a:endParaRPr>
           </a:p>
@@ -2461,8 +2372,8 @@
         </p:nvSpPr>
         <p:spPr>
           <a:xfrm>
-            <a:off x="311760" y="3152160"/>
-            <a:ext cx="2743200" cy="1510200"/>
+            <a:off x="457200" y="1203480"/>
+            <a:ext cx="2649600" cy="1422720"/>
           </a:xfrm>
           <a:prstGeom prst="rect">
             <a:avLst/>
@@ -2477,10 +2388,7 @@
             <a:normAutofit/>
           </a:bodyPr>
           <a:p>
-            <a:endParaRPr b="0" lang="en-US" sz="1400" spc="-1" strike="noStrike">
-              <a:solidFill>
-                <a:srgbClr val="000000"/>
-              </a:solidFill>
+            <a:endParaRPr b="0" lang="en-US" sz="3200" spc="-1" strike="noStrike">
               <a:latin typeface="Arial"/>
             </a:endParaRPr>
           </a:p>
@@ -2498,8 +2406,8 @@
         </p:nvSpPr>
         <p:spPr>
           <a:xfrm>
-            <a:off x="3192480" y="3152160"/>
-            <a:ext cx="2743200" cy="1510200"/>
+            <a:off x="3239640" y="1203480"/>
+            <a:ext cx="2649600" cy="1422720"/>
           </a:xfrm>
           <a:prstGeom prst="rect">
             <a:avLst/>
@@ -2514,10 +2422,7 @@
             <a:normAutofit/>
           </a:bodyPr>
           <a:p>
-            <a:endParaRPr b="0" lang="en-US" sz="1400" spc="-1" strike="noStrike">
-              <a:solidFill>
-                <a:srgbClr val="000000"/>
-              </a:solidFill>
+            <a:endParaRPr b="0" lang="en-US" sz="3200" spc="-1" strike="noStrike">
               <a:latin typeface="Arial"/>
             </a:endParaRPr>
           </a:p>
@@ -2535,8 +2440,8 @@
         </p:nvSpPr>
         <p:spPr>
           <a:xfrm>
-            <a:off x="6073200" y="3152160"/>
-            <a:ext cx="2743200" cy="1510200"/>
+            <a:off x="6022080" y="1203480"/>
+            <a:ext cx="2649600" cy="1422720"/>
           </a:xfrm>
           <a:prstGeom prst="rect">
             <a:avLst/>
@@ -2551,10 +2456,7 @@
             <a:normAutofit/>
           </a:bodyPr>
           <a:p>
-            <a:endParaRPr b="0" lang="en-US" sz="1400" spc="-1" strike="noStrike">
-              <a:solidFill>
-                <a:srgbClr val="000000"/>
-              </a:solidFill>
+            <a:endParaRPr b="0" lang="en-US" sz="3200" spc="-1" strike="noStrike">
               <a:latin typeface="Arial"/>
             </a:endParaRPr>
           </a:p>
@@ -2572,8 +2474,8 @@
         </p:nvSpPr>
         <p:spPr>
           <a:xfrm>
-            <a:off x="311760" y="4806360"/>
-            <a:ext cx="2743200" cy="1510200"/>
+            <a:off x="457200" y="2761920"/>
+            <a:ext cx="2649600" cy="1422720"/>
           </a:xfrm>
           <a:prstGeom prst="rect">
             <a:avLst/>
@@ -2588,10 +2490,7 @@
             <a:normAutofit/>
           </a:bodyPr>
           <a:p>
-            <a:endParaRPr b="0" lang="en-US" sz="1400" spc="-1" strike="noStrike">
-              <a:solidFill>
-                <a:srgbClr val="000000"/>
-              </a:solidFill>
+            <a:endParaRPr b="0" lang="en-US" sz="3200" spc="-1" strike="noStrike">
               <a:latin typeface="Arial"/>
             </a:endParaRPr>
           </a:p>
@@ -2609,8 +2508,8 @@
         </p:nvSpPr>
         <p:spPr>
           <a:xfrm>
-            <a:off x="3192480" y="4806360"/>
-            <a:ext cx="2743200" cy="1510200"/>
+            <a:off x="3239640" y="2761920"/>
+            <a:ext cx="2649600" cy="1422720"/>
           </a:xfrm>
           <a:prstGeom prst="rect">
             <a:avLst/>
@@ -2625,10 +2524,7 @@
             <a:normAutofit/>
           </a:bodyPr>
           <a:p>
-            <a:endParaRPr b="0" lang="en-US" sz="1400" spc="-1" strike="noStrike">
-              <a:solidFill>
-                <a:srgbClr val="000000"/>
-              </a:solidFill>
+            <a:endParaRPr b="0" lang="en-US" sz="3200" spc="-1" strike="noStrike">
               <a:latin typeface="Arial"/>
             </a:endParaRPr>
           </a:p>
@@ -2646,8 +2542,8 @@
         </p:nvSpPr>
         <p:spPr>
           <a:xfrm>
-            <a:off x="6073200" y="4806360"/>
-            <a:ext cx="2743200" cy="1510200"/>
+            <a:off x="6022080" y="2761920"/>
+            <a:ext cx="2649600" cy="1422720"/>
           </a:xfrm>
           <a:prstGeom prst="rect">
             <a:avLst/>
@@ -2662,10 +2558,7 @@
             <a:normAutofit/>
           </a:bodyPr>
           <a:p>
-            <a:endParaRPr b="0" lang="en-US" sz="1400" spc="-1" strike="noStrike">
-              <a:solidFill>
-                <a:srgbClr val="000000"/>
-              </a:solidFill>
+            <a:endParaRPr b="0" lang="en-US" sz="3200" spc="-1" strike="noStrike">
               <a:latin typeface="Arial"/>
             </a:endParaRPr>
           </a:p>
@@ -2685,7 +2578,7 @@
         <p:txBody>
           <a:bodyPr/>
           <a:p>
-            <a:fld id="{E7D6242B-AA96-4E77-B011-F0E17A73E40F}" type="slidenum">
+            <a:fld id="{09F4B9BD-49CE-4C0B-AF21-EAEBF14A4EFE}" type="slidenum">
               <a:t>&lt;#&gt;</a:t>
             </a:fld>
           </a:p>
@@ -2727,7 +2620,7 @@
         <p:txBody>
           <a:bodyPr/>
           <a:p>
-            <a:fld id="{E47C3771-ED93-4979-AC74-C77D2E094DC5}" type="slidenum">
+            <a:fld id="{A0DD0A35-0A51-4CF9-82CE-6D8D70CBE22D}" type="slidenum">
               <a:t>&lt;#&gt;</a:t>
             </a:fld>
           </a:p>
@@ -2767,8 +2660,8 @@
         </p:nvSpPr>
         <p:spPr>
           <a:xfrm>
-            <a:off x="311760" y="1057680"/>
-            <a:ext cx="8520120" cy="2011680"/>
+            <a:off x="457200" y="205200"/>
+            <a:ext cx="8229240" cy="858600"/>
           </a:xfrm>
           <a:prstGeom prst="rect">
             <a:avLst/>
@@ -2783,10 +2676,10 @@
             <a:noAutofit/>
           </a:bodyPr>
           <a:p>
-            <a:endParaRPr b="0" lang="en-US" sz="1400" spc="-1" strike="noStrike">
-              <a:solidFill>
-                <a:srgbClr val="000000"/>
-              </a:solidFill>
+            <a:pPr algn="ctr">
+              <a:buNone/>
+            </a:pPr>
+            <a:endParaRPr b="0" lang="en-US" sz="4400" spc="-1" strike="noStrike">
               <a:latin typeface="Arial"/>
             </a:endParaRPr>
           </a:p>
@@ -2804,8 +2697,8 @@
         </p:nvSpPr>
         <p:spPr>
           <a:xfrm>
-            <a:off x="311760" y="3152160"/>
-            <a:ext cx="8520120" cy="3166200"/>
+            <a:off x="457200" y="1203480"/>
+            <a:ext cx="8229240" cy="2982960"/>
           </a:xfrm>
           <a:prstGeom prst="rect">
             <a:avLst/>
@@ -2843,7 +2736,7 @@
         <p:txBody>
           <a:bodyPr/>
           <a:p>
-            <a:fld id="{0EB9D8D1-D48E-4205-AA9C-EA167E553B27}" type="slidenum">
+            <a:fld id="{10C052E0-440F-4B85-9C25-C71C9E2A7284}" type="slidenum">
               <a:t>&lt;#&gt;</a:t>
             </a:fld>
           </a:p>
@@ -2883,8 +2776,8 @@
         </p:nvSpPr>
         <p:spPr>
           <a:xfrm>
-            <a:off x="311760" y="1057680"/>
-            <a:ext cx="8520120" cy="2011680"/>
+            <a:off x="457200" y="205200"/>
+            <a:ext cx="8229240" cy="858600"/>
           </a:xfrm>
           <a:prstGeom prst="rect">
             <a:avLst/>
@@ -2899,10 +2792,10 @@
             <a:noAutofit/>
           </a:bodyPr>
           <a:p>
-            <a:endParaRPr b="0" lang="en-US" sz="1400" spc="-1" strike="noStrike">
-              <a:solidFill>
-                <a:srgbClr val="000000"/>
-              </a:solidFill>
+            <a:pPr algn="ctr">
+              <a:buNone/>
+            </a:pPr>
+            <a:endParaRPr b="0" lang="en-US" sz="4400" spc="-1" strike="noStrike">
               <a:latin typeface="Arial"/>
             </a:endParaRPr>
           </a:p>
@@ -2920,8 +2813,8 @@
         </p:nvSpPr>
         <p:spPr>
           <a:xfrm>
-            <a:off x="311760" y="3152160"/>
-            <a:ext cx="8520120" cy="3166200"/>
+            <a:off x="457200" y="1203480"/>
+            <a:ext cx="8229240" cy="2982960"/>
           </a:xfrm>
           <a:prstGeom prst="rect">
             <a:avLst/>
@@ -2936,10 +2829,7 @@
             <a:normAutofit/>
           </a:bodyPr>
           <a:p>
-            <a:endParaRPr b="0" lang="en-US" sz="1400" spc="-1" strike="noStrike">
-              <a:solidFill>
-                <a:srgbClr val="000000"/>
-              </a:solidFill>
+            <a:endParaRPr b="0" lang="en-US" sz="3200" spc="-1" strike="noStrike">
               <a:latin typeface="Arial"/>
             </a:endParaRPr>
           </a:p>
@@ -2959,7 +2849,7 @@
         <p:txBody>
           <a:bodyPr/>
           <a:p>
-            <a:fld id="{330529AF-D546-4E2B-8C2F-EE959B37C5DD}" type="slidenum">
+            <a:fld id="{177D36F1-D7C3-453A-811B-068D76874615}" type="slidenum">
               <a:t>&lt;#&gt;</a:t>
             </a:fld>
           </a:p>
@@ -2999,8 +2889,8 @@
         </p:nvSpPr>
         <p:spPr>
           <a:xfrm>
-            <a:off x="311760" y="1057680"/>
-            <a:ext cx="8520120" cy="2011680"/>
+            <a:off x="457200" y="205200"/>
+            <a:ext cx="8229240" cy="858600"/>
           </a:xfrm>
           <a:prstGeom prst="rect">
             <a:avLst/>
@@ -3015,10 +2905,10 @@
             <a:noAutofit/>
           </a:bodyPr>
           <a:p>
-            <a:endParaRPr b="0" lang="en-US" sz="1400" spc="-1" strike="noStrike">
-              <a:solidFill>
-                <a:srgbClr val="000000"/>
-              </a:solidFill>
+            <a:pPr algn="ctr">
+              <a:buNone/>
+            </a:pPr>
+            <a:endParaRPr b="0" lang="en-US" sz="4400" spc="-1" strike="noStrike">
               <a:latin typeface="Arial"/>
             </a:endParaRPr>
           </a:p>
@@ -3036,8 +2926,8 @@
         </p:nvSpPr>
         <p:spPr>
           <a:xfrm>
-            <a:off x="311760" y="3152160"/>
-            <a:ext cx="4157640" cy="3166200"/>
+            <a:off x="457200" y="1203480"/>
+            <a:ext cx="4015800" cy="2982960"/>
           </a:xfrm>
           <a:prstGeom prst="rect">
             <a:avLst/>
@@ -3052,10 +2942,7 @@
             <a:normAutofit/>
           </a:bodyPr>
           <a:p>
-            <a:endParaRPr b="0" lang="en-US" sz="1400" spc="-1" strike="noStrike">
-              <a:solidFill>
-                <a:srgbClr val="000000"/>
-              </a:solidFill>
+            <a:endParaRPr b="0" lang="en-US" sz="3200" spc="-1" strike="noStrike">
               <a:latin typeface="Arial"/>
             </a:endParaRPr>
           </a:p>
@@ -3073,8 +2960,8 @@
         </p:nvSpPr>
         <p:spPr>
           <a:xfrm>
-            <a:off x="4677840" y="3152160"/>
-            <a:ext cx="4157640" cy="3166200"/>
+            <a:off x="4674240" y="1203480"/>
+            <a:ext cx="4015800" cy="2982960"/>
           </a:xfrm>
           <a:prstGeom prst="rect">
             <a:avLst/>
@@ -3089,10 +2976,7 @@
             <a:normAutofit/>
           </a:bodyPr>
           <a:p>
-            <a:endParaRPr b="0" lang="en-US" sz="1400" spc="-1" strike="noStrike">
-              <a:solidFill>
-                <a:srgbClr val="000000"/>
-              </a:solidFill>
+            <a:endParaRPr b="0" lang="en-US" sz="3200" spc="-1" strike="noStrike">
               <a:latin typeface="Arial"/>
             </a:endParaRPr>
           </a:p>
@@ -3112,7 +2996,7 @@
         <p:txBody>
           <a:bodyPr/>
           <a:p>
-            <a:fld id="{9D47835B-6B32-473C-9F1C-3845FA6F2F79}" type="slidenum">
+            <a:fld id="{C76CBB98-6139-48CB-AB13-10742E2FFC00}" type="slidenum">
               <a:t>&lt;#&gt;</a:t>
             </a:fld>
           </a:p>
@@ -3152,8 +3036,8 @@
         </p:nvSpPr>
         <p:spPr>
           <a:xfrm>
-            <a:off x="311760" y="1057680"/>
-            <a:ext cx="8520120" cy="2011680"/>
+            <a:off x="457200" y="205200"/>
+            <a:ext cx="8229240" cy="858600"/>
           </a:xfrm>
           <a:prstGeom prst="rect">
             <a:avLst/>
@@ -3168,10 +3052,10 @@
             <a:noAutofit/>
           </a:bodyPr>
           <a:p>
-            <a:endParaRPr b="0" lang="en-US" sz="1400" spc="-1" strike="noStrike">
-              <a:solidFill>
-                <a:srgbClr val="000000"/>
-              </a:solidFill>
+            <a:pPr algn="ctr">
+              <a:buNone/>
+            </a:pPr>
+            <a:endParaRPr b="0" lang="en-US" sz="4400" spc="-1" strike="noStrike">
               <a:latin typeface="Arial"/>
             </a:endParaRPr>
           </a:p>
@@ -3191,7 +3075,7 @@
         <p:txBody>
           <a:bodyPr/>
           <a:p>
-            <a:fld id="{0B82ACB5-ABD4-421E-ACDD-1D54F156C631}" type="slidenum">
+            <a:fld id="{46398DB4-079F-4EBC-9E7C-C8DBF3E406BB}" type="slidenum">
               <a:t>&lt;#&gt;</a:t>
             </a:fld>
           </a:p>
@@ -3231,8 +3115,8 @@
         </p:nvSpPr>
         <p:spPr>
           <a:xfrm>
-            <a:off x="311760" y="1057680"/>
-            <a:ext cx="8520120" cy="2011680"/>
+            <a:off x="457200" y="205200"/>
+            <a:ext cx="8229240" cy="858600"/>
           </a:xfrm>
           <a:prstGeom prst="rect">
             <a:avLst/>
@@ -3247,10 +3131,10 @@
             <a:noAutofit/>
           </a:bodyPr>
           <a:p>
-            <a:endParaRPr b="0" lang="en-US" sz="1400" spc="-1" strike="noStrike">
-              <a:solidFill>
-                <a:srgbClr val="000000"/>
-              </a:solidFill>
+            <a:pPr algn="ctr">
+              <a:buNone/>
+            </a:pPr>
+            <a:endParaRPr b="0" lang="en-US" sz="4400" spc="-1" strike="noStrike">
               <a:latin typeface="Arial"/>
             </a:endParaRPr>
           </a:p>
@@ -3268,8 +3152,8 @@
         </p:nvSpPr>
         <p:spPr>
           <a:xfrm>
-            <a:off x="311760" y="3152160"/>
-            <a:ext cx="8520120" cy="3166200"/>
+            <a:off x="457200" y="1203480"/>
+            <a:ext cx="8229240" cy="2982960"/>
           </a:xfrm>
           <a:prstGeom prst="rect">
             <a:avLst/>
@@ -3284,10 +3168,7 @@
             <a:normAutofit/>
           </a:bodyPr>
           <a:p>
-            <a:endParaRPr b="0" lang="en-US" sz="1400" spc="-1" strike="noStrike">
-              <a:solidFill>
-                <a:srgbClr val="000000"/>
-              </a:solidFill>
+            <a:endParaRPr b="0" lang="en-US" sz="3200" spc="-1" strike="noStrike">
               <a:latin typeface="Arial"/>
             </a:endParaRPr>
           </a:p>
@@ -3307,7 +3188,7 @@
         <p:txBody>
           <a:bodyPr/>
           <a:p>
-            <a:fld id="{67B6BACC-8147-4C0D-96DF-06964B8F01C6}" type="slidenum">
+            <a:fld id="{746DAA74-E5D9-47F0-B6E5-970DEC8BAA01}" type="slidenum">
               <a:t>&lt;#&gt;</a:t>
             </a:fld>
           </a:p>
@@ -3347,8 +3228,8 @@
         </p:nvSpPr>
         <p:spPr>
           <a:xfrm>
-            <a:off x="311760" y="1057680"/>
-            <a:ext cx="8520120" cy="9326160"/>
+            <a:off x="457200" y="205200"/>
+            <a:ext cx="8229240" cy="3981240"/>
           </a:xfrm>
           <a:prstGeom prst="rect">
             <a:avLst/>
@@ -3386,7 +3267,7 @@
         <p:txBody>
           <a:bodyPr/>
           <a:p>
-            <a:fld id="{C34133D9-F440-4304-978A-4563689AFBC5}" type="slidenum">
+            <a:fld id="{2FF17F7D-2F1D-428E-A6C7-B695F8450E27}" type="slidenum">
               <a:t>&lt;#&gt;</a:t>
             </a:fld>
           </a:p>
@@ -3426,8 +3307,8 @@
         </p:nvSpPr>
         <p:spPr>
           <a:xfrm>
-            <a:off x="311760" y="1057680"/>
-            <a:ext cx="8520120" cy="2011680"/>
+            <a:off x="457200" y="205200"/>
+            <a:ext cx="8229240" cy="858600"/>
           </a:xfrm>
           <a:prstGeom prst="rect">
             <a:avLst/>
@@ -3442,10 +3323,10 @@
             <a:noAutofit/>
           </a:bodyPr>
           <a:p>
-            <a:endParaRPr b="0" lang="en-US" sz="1400" spc="-1" strike="noStrike">
-              <a:solidFill>
-                <a:srgbClr val="000000"/>
-              </a:solidFill>
+            <a:pPr algn="ctr">
+              <a:buNone/>
+            </a:pPr>
+            <a:endParaRPr b="0" lang="en-US" sz="4400" spc="-1" strike="noStrike">
               <a:latin typeface="Arial"/>
             </a:endParaRPr>
           </a:p>
@@ -3463,8 +3344,8 @@
         </p:nvSpPr>
         <p:spPr>
           <a:xfrm>
-            <a:off x="311760" y="3152160"/>
-            <a:ext cx="4157640" cy="1510200"/>
+            <a:off x="457200" y="1203480"/>
+            <a:ext cx="4015800" cy="1422720"/>
           </a:xfrm>
           <a:prstGeom prst="rect">
             <a:avLst/>
@@ -3479,10 +3360,7 @@
             <a:normAutofit/>
           </a:bodyPr>
           <a:p>
-            <a:endParaRPr b="0" lang="en-US" sz="1400" spc="-1" strike="noStrike">
-              <a:solidFill>
-                <a:srgbClr val="000000"/>
-              </a:solidFill>
+            <a:endParaRPr b="0" lang="en-US" sz="3200" spc="-1" strike="noStrike">
               <a:latin typeface="Arial"/>
             </a:endParaRPr>
           </a:p>
@@ -3500,8 +3378,8 @@
         </p:nvSpPr>
         <p:spPr>
           <a:xfrm>
-            <a:off x="4677840" y="3152160"/>
-            <a:ext cx="4157640" cy="3166200"/>
+            <a:off x="4674240" y="1203480"/>
+            <a:ext cx="4015800" cy="2982960"/>
           </a:xfrm>
           <a:prstGeom prst="rect">
             <a:avLst/>
@@ -3516,10 +3394,7 @@
             <a:normAutofit/>
           </a:bodyPr>
           <a:p>
-            <a:endParaRPr b="0" lang="en-US" sz="1400" spc="-1" strike="noStrike">
-              <a:solidFill>
-                <a:srgbClr val="000000"/>
-              </a:solidFill>
+            <a:endParaRPr b="0" lang="en-US" sz="3200" spc="-1" strike="noStrike">
               <a:latin typeface="Arial"/>
             </a:endParaRPr>
           </a:p>
@@ -3537,8 +3412,8 @@
         </p:nvSpPr>
         <p:spPr>
           <a:xfrm>
-            <a:off x="311760" y="4806360"/>
-            <a:ext cx="4157640" cy="1510200"/>
+            <a:off x="457200" y="2761920"/>
+            <a:ext cx="4015800" cy="1422720"/>
           </a:xfrm>
           <a:prstGeom prst="rect">
             <a:avLst/>
@@ -3553,10 +3428,7 @@
             <a:normAutofit/>
           </a:bodyPr>
           <a:p>
-            <a:endParaRPr b="0" lang="en-US" sz="1400" spc="-1" strike="noStrike">
-              <a:solidFill>
-                <a:srgbClr val="000000"/>
-              </a:solidFill>
+            <a:endParaRPr b="0" lang="en-US" sz="3200" spc="-1" strike="noStrike">
               <a:latin typeface="Arial"/>
             </a:endParaRPr>
           </a:p>
@@ -3576,7 +3448,7 @@
         <p:txBody>
           <a:bodyPr/>
           <a:p>
-            <a:fld id="{9D900B95-51E9-49E6-AE27-50E67C785F24}" type="slidenum">
+            <a:fld id="{4980B9E2-98C3-4C95-BCA5-196AD4C7AC10}" type="slidenum">
               <a:t>&lt;#&gt;</a:t>
             </a:fld>
           </a:p>
@@ -3616,8 +3488,8 @@
         </p:nvSpPr>
         <p:spPr>
           <a:xfrm>
-            <a:off x="311760" y="1057680"/>
-            <a:ext cx="8520120" cy="2011680"/>
+            <a:off x="457200" y="205200"/>
+            <a:ext cx="8229240" cy="858600"/>
           </a:xfrm>
           <a:prstGeom prst="rect">
             <a:avLst/>
@@ -3632,10 +3504,10 @@
             <a:noAutofit/>
           </a:bodyPr>
           <a:p>
-            <a:endParaRPr b="0" lang="en-US" sz="1400" spc="-1" strike="noStrike">
-              <a:solidFill>
-                <a:srgbClr val="000000"/>
-              </a:solidFill>
+            <a:pPr algn="ctr">
+              <a:buNone/>
+            </a:pPr>
+            <a:endParaRPr b="0" lang="en-US" sz="4400" spc="-1" strike="noStrike">
               <a:latin typeface="Arial"/>
             </a:endParaRPr>
           </a:p>
@@ -3653,8 +3525,8 @@
         </p:nvSpPr>
         <p:spPr>
           <a:xfrm>
-            <a:off x="311760" y="3152160"/>
-            <a:ext cx="4157640" cy="3166200"/>
+            <a:off x="457200" y="1203480"/>
+            <a:ext cx="4015800" cy="2982960"/>
           </a:xfrm>
           <a:prstGeom prst="rect">
             <a:avLst/>
@@ -3669,10 +3541,7 @@
             <a:normAutofit/>
           </a:bodyPr>
           <a:p>
-            <a:endParaRPr b="0" lang="en-US" sz="1400" spc="-1" strike="noStrike">
-              <a:solidFill>
-                <a:srgbClr val="000000"/>
-              </a:solidFill>
+            <a:endParaRPr b="0" lang="en-US" sz="3200" spc="-1" strike="noStrike">
               <a:latin typeface="Arial"/>
             </a:endParaRPr>
           </a:p>
@@ -3690,8 +3559,8 @@
         </p:nvSpPr>
         <p:spPr>
           <a:xfrm>
-            <a:off x="4677840" y="3152160"/>
-            <a:ext cx="4157640" cy="1510200"/>
+            <a:off x="4674240" y="1203480"/>
+            <a:ext cx="4015800" cy="1422720"/>
           </a:xfrm>
           <a:prstGeom prst="rect">
             <a:avLst/>
@@ -3706,10 +3575,7 @@
             <a:normAutofit/>
           </a:bodyPr>
           <a:p>
-            <a:endParaRPr b="0" lang="en-US" sz="1400" spc="-1" strike="noStrike">
-              <a:solidFill>
-                <a:srgbClr val="000000"/>
-              </a:solidFill>
+            <a:endParaRPr b="0" lang="en-US" sz="3200" spc="-1" strike="noStrike">
               <a:latin typeface="Arial"/>
             </a:endParaRPr>
           </a:p>
@@ -3727,8 +3593,8 @@
         </p:nvSpPr>
         <p:spPr>
           <a:xfrm>
-            <a:off x="4677840" y="4806360"/>
-            <a:ext cx="4157640" cy="1510200"/>
+            <a:off x="4674240" y="2761920"/>
+            <a:ext cx="4015800" cy="1422720"/>
           </a:xfrm>
           <a:prstGeom prst="rect">
             <a:avLst/>
@@ -3743,10 +3609,7 @@
             <a:normAutofit/>
           </a:bodyPr>
           <a:p>
-            <a:endParaRPr b="0" lang="en-US" sz="1400" spc="-1" strike="noStrike">
-              <a:solidFill>
-                <a:srgbClr val="000000"/>
-              </a:solidFill>
+            <a:endParaRPr b="0" lang="en-US" sz="3200" spc="-1" strike="noStrike">
               <a:latin typeface="Arial"/>
             </a:endParaRPr>
           </a:p>
@@ -3766,7 +3629,7 @@
         <p:txBody>
           <a:bodyPr/>
           <a:p>
-            <a:fld id="{DCC76C46-4237-4778-B63A-DE8CD4B2CF5B}" type="slidenum">
+            <a:fld id="{F9CB844A-760B-4A98-B82A-B8BC5D3EBEFA}" type="slidenum">
               <a:t>&lt;#&gt;</a:t>
             </a:fld>
           </a:p>
@@ -3806,8 +3669,8 @@
         </p:nvSpPr>
         <p:spPr>
           <a:xfrm>
-            <a:off x="311760" y="1057680"/>
-            <a:ext cx="8520120" cy="2011680"/>
+            <a:off x="457200" y="205200"/>
+            <a:ext cx="8229240" cy="858600"/>
           </a:xfrm>
           <a:prstGeom prst="rect">
             <a:avLst/>
@@ -3822,10 +3685,10 @@
             <a:noAutofit/>
           </a:bodyPr>
           <a:p>
-            <a:endParaRPr b="0" lang="en-US" sz="1400" spc="-1" strike="noStrike">
-              <a:solidFill>
-                <a:srgbClr val="000000"/>
-              </a:solidFill>
+            <a:pPr algn="ctr">
+              <a:buNone/>
+            </a:pPr>
+            <a:endParaRPr b="0" lang="en-US" sz="4400" spc="-1" strike="noStrike">
               <a:latin typeface="Arial"/>
             </a:endParaRPr>
           </a:p>
@@ -3843,8 +3706,8 @@
         </p:nvSpPr>
         <p:spPr>
           <a:xfrm>
-            <a:off x="311760" y="3152160"/>
-            <a:ext cx="4157640" cy="1510200"/>
+            <a:off x="457200" y="1203480"/>
+            <a:ext cx="4015800" cy="1422720"/>
           </a:xfrm>
           <a:prstGeom prst="rect">
             <a:avLst/>
@@ -3859,10 +3722,7 @@
             <a:normAutofit/>
           </a:bodyPr>
           <a:p>
-            <a:endParaRPr b="0" lang="en-US" sz="1400" spc="-1" strike="noStrike">
-              <a:solidFill>
-                <a:srgbClr val="000000"/>
-              </a:solidFill>
+            <a:endParaRPr b="0" lang="en-US" sz="3200" spc="-1" strike="noStrike">
               <a:latin typeface="Arial"/>
             </a:endParaRPr>
           </a:p>
@@ -3880,8 +3740,8 @@
         </p:nvSpPr>
         <p:spPr>
           <a:xfrm>
-            <a:off x="4677840" y="3152160"/>
-            <a:ext cx="4157640" cy="1510200"/>
+            <a:off x="4674240" y="1203480"/>
+            <a:ext cx="4015800" cy="1422720"/>
           </a:xfrm>
           <a:prstGeom prst="rect">
             <a:avLst/>
@@ -3896,10 +3756,7 @@
             <a:normAutofit/>
           </a:bodyPr>
           <a:p>
-            <a:endParaRPr b="0" lang="en-US" sz="1400" spc="-1" strike="noStrike">
-              <a:solidFill>
-                <a:srgbClr val="000000"/>
-              </a:solidFill>
+            <a:endParaRPr b="0" lang="en-US" sz="3200" spc="-1" strike="noStrike">
               <a:latin typeface="Arial"/>
             </a:endParaRPr>
           </a:p>
@@ -3917,8 +3774,8 @@
         </p:nvSpPr>
         <p:spPr>
           <a:xfrm>
-            <a:off x="311760" y="4806360"/>
-            <a:ext cx="8520120" cy="1510200"/>
+            <a:off x="457200" y="2761920"/>
+            <a:ext cx="8229240" cy="1422720"/>
           </a:xfrm>
           <a:prstGeom prst="rect">
             <a:avLst/>
@@ -3933,10 +3790,7 @@
             <a:normAutofit/>
           </a:bodyPr>
           <a:p>
-            <a:endParaRPr b="0" lang="en-US" sz="1400" spc="-1" strike="noStrike">
-              <a:solidFill>
-                <a:srgbClr val="000000"/>
-              </a:solidFill>
+            <a:endParaRPr b="0" lang="en-US" sz="3200" spc="-1" strike="noStrike">
               <a:latin typeface="Arial"/>
             </a:endParaRPr>
           </a:p>
@@ -3956,7 +3810,7 @@
         <p:txBody>
           <a:bodyPr/>
           <a:p>
-            <a:fld id="{6A07A115-7A48-4C5B-A74A-A3DA9350AF54}" type="slidenum">
+            <a:fld id="{7FC63894-AA25-4F2B-81AF-C058FECEAAB5}" type="slidenum">
               <a:t>&lt;#&gt;</a:t>
             </a:fld>
           </a:p>
@@ -3996,8 +3850,8 @@
         </p:nvSpPr>
         <p:spPr>
           <a:xfrm>
-            <a:off x="311760" y="1057680"/>
-            <a:ext cx="8520120" cy="2011680"/>
+            <a:off x="457200" y="205200"/>
+            <a:ext cx="8229240" cy="858600"/>
           </a:xfrm>
           <a:prstGeom prst="rect">
             <a:avLst/>
@@ -4012,10 +3866,10 @@
             <a:noAutofit/>
           </a:bodyPr>
           <a:p>
-            <a:endParaRPr b="0" lang="en-US" sz="1400" spc="-1" strike="noStrike">
-              <a:solidFill>
-                <a:srgbClr val="000000"/>
-              </a:solidFill>
+            <a:pPr algn="ctr">
+              <a:buNone/>
+            </a:pPr>
+            <a:endParaRPr b="0" lang="en-US" sz="4400" spc="-1" strike="noStrike">
               <a:latin typeface="Arial"/>
             </a:endParaRPr>
           </a:p>
@@ -4033,8 +3887,8 @@
         </p:nvSpPr>
         <p:spPr>
           <a:xfrm>
-            <a:off x="311760" y="3152160"/>
-            <a:ext cx="8520120" cy="1510200"/>
+            <a:off x="457200" y="1203480"/>
+            <a:ext cx="8229240" cy="1422720"/>
           </a:xfrm>
           <a:prstGeom prst="rect">
             <a:avLst/>
@@ -4049,10 +3903,7 @@
             <a:normAutofit/>
           </a:bodyPr>
           <a:p>
-            <a:endParaRPr b="0" lang="en-US" sz="1400" spc="-1" strike="noStrike">
-              <a:solidFill>
-                <a:srgbClr val="000000"/>
-              </a:solidFill>
+            <a:endParaRPr b="0" lang="en-US" sz="3200" spc="-1" strike="noStrike">
               <a:latin typeface="Arial"/>
             </a:endParaRPr>
           </a:p>
@@ -4070,8 +3921,8 @@
         </p:nvSpPr>
         <p:spPr>
           <a:xfrm>
-            <a:off x="311760" y="4806360"/>
-            <a:ext cx="8520120" cy="1510200"/>
+            <a:off x="457200" y="2761920"/>
+            <a:ext cx="8229240" cy="1422720"/>
           </a:xfrm>
           <a:prstGeom prst="rect">
             <a:avLst/>
@@ -4086,10 +3937,7 @@
             <a:normAutofit/>
           </a:bodyPr>
           <a:p>
-            <a:endParaRPr b="0" lang="en-US" sz="1400" spc="-1" strike="noStrike">
-              <a:solidFill>
-                <a:srgbClr val="000000"/>
-              </a:solidFill>
+            <a:endParaRPr b="0" lang="en-US" sz="3200" spc="-1" strike="noStrike">
               <a:latin typeface="Arial"/>
             </a:endParaRPr>
           </a:p>
@@ -4109,7 +3957,7 @@
         <p:txBody>
           <a:bodyPr/>
           <a:p>
-            <a:fld id="{F23D8584-AB27-4995-89B9-3E6087CADA2A}" type="slidenum">
+            <a:fld id="{0F24C164-6C5F-4C68-BE0F-4D499841899E}" type="slidenum">
               <a:t>&lt;#&gt;</a:t>
             </a:fld>
           </a:p>
@@ -4149,8 +3997,8 @@
         </p:nvSpPr>
         <p:spPr>
           <a:xfrm>
-            <a:off x="311760" y="1057680"/>
-            <a:ext cx="8520120" cy="2011680"/>
+            <a:off x="457200" y="205200"/>
+            <a:ext cx="8229240" cy="858600"/>
           </a:xfrm>
           <a:prstGeom prst="rect">
             <a:avLst/>
@@ -4165,10 +4013,10 @@
             <a:noAutofit/>
           </a:bodyPr>
           <a:p>
-            <a:endParaRPr b="0" lang="en-US" sz="1400" spc="-1" strike="noStrike">
-              <a:solidFill>
-                <a:srgbClr val="000000"/>
-              </a:solidFill>
+            <a:pPr algn="ctr">
+              <a:buNone/>
+            </a:pPr>
+            <a:endParaRPr b="0" lang="en-US" sz="4400" spc="-1" strike="noStrike">
               <a:latin typeface="Arial"/>
             </a:endParaRPr>
           </a:p>
@@ -4186,8 +4034,8 @@
         </p:nvSpPr>
         <p:spPr>
           <a:xfrm>
-            <a:off x="311760" y="3152160"/>
-            <a:ext cx="4157640" cy="1510200"/>
+            <a:off x="457200" y="1203480"/>
+            <a:ext cx="4015800" cy="1422720"/>
           </a:xfrm>
           <a:prstGeom prst="rect">
             <a:avLst/>
@@ -4202,10 +4050,7 @@
             <a:normAutofit/>
           </a:bodyPr>
           <a:p>
-            <a:endParaRPr b="0" lang="en-US" sz="1400" spc="-1" strike="noStrike">
-              <a:solidFill>
-                <a:srgbClr val="000000"/>
-              </a:solidFill>
+            <a:endParaRPr b="0" lang="en-US" sz="3200" spc="-1" strike="noStrike">
               <a:latin typeface="Arial"/>
             </a:endParaRPr>
           </a:p>
@@ -4223,8 +4068,8 @@
         </p:nvSpPr>
         <p:spPr>
           <a:xfrm>
-            <a:off x="4677840" y="3152160"/>
-            <a:ext cx="4157640" cy="1510200"/>
+            <a:off x="4674240" y="1203480"/>
+            <a:ext cx="4015800" cy="1422720"/>
           </a:xfrm>
           <a:prstGeom prst="rect">
             <a:avLst/>
@@ -4239,10 +4084,7 @@
             <a:normAutofit/>
           </a:bodyPr>
           <a:p>
-            <a:endParaRPr b="0" lang="en-US" sz="1400" spc="-1" strike="noStrike">
-              <a:solidFill>
-                <a:srgbClr val="000000"/>
-              </a:solidFill>
+            <a:endParaRPr b="0" lang="en-US" sz="3200" spc="-1" strike="noStrike">
               <a:latin typeface="Arial"/>
             </a:endParaRPr>
           </a:p>
@@ -4260,8 +4102,8 @@
         </p:nvSpPr>
         <p:spPr>
           <a:xfrm>
-            <a:off x="311760" y="4806360"/>
-            <a:ext cx="4157640" cy="1510200"/>
+            <a:off x="457200" y="2761920"/>
+            <a:ext cx="4015800" cy="1422720"/>
           </a:xfrm>
           <a:prstGeom prst="rect">
             <a:avLst/>
@@ -4276,10 +4118,7 @@
             <a:normAutofit/>
           </a:bodyPr>
           <a:p>
-            <a:endParaRPr b="0" lang="en-US" sz="1400" spc="-1" strike="noStrike">
-              <a:solidFill>
-                <a:srgbClr val="000000"/>
-              </a:solidFill>
+            <a:endParaRPr b="0" lang="en-US" sz="3200" spc="-1" strike="noStrike">
               <a:latin typeface="Arial"/>
             </a:endParaRPr>
           </a:p>
@@ -4297,8 +4136,8 @@
         </p:nvSpPr>
         <p:spPr>
           <a:xfrm>
-            <a:off x="4677840" y="4806360"/>
-            <a:ext cx="4157640" cy="1510200"/>
+            <a:off x="4674240" y="2761920"/>
+            <a:ext cx="4015800" cy="1422720"/>
           </a:xfrm>
           <a:prstGeom prst="rect">
             <a:avLst/>
@@ -4313,10 +4152,7 @@
             <a:normAutofit/>
           </a:bodyPr>
           <a:p>
-            <a:endParaRPr b="0" lang="en-US" sz="1400" spc="-1" strike="noStrike">
-              <a:solidFill>
-                <a:srgbClr val="000000"/>
-              </a:solidFill>
+            <a:endParaRPr b="0" lang="en-US" sz="3200" spc="-1" strike="noStrike">
               <a:latin typeface="Arial"/>
             </a:endParaRPr>
           </a:p>
@@ -4336,7 +4172,7 @@
         <p:txBody>
           <a:bodyPr/>
           <a:p>
-            <a:fld id="{80B83E69-E2A5-4592-9BDB-753405AD2ECB}" type="slidenum">
+            <a:fld id="{A244D74D-D229-4C68-81CB-E2F0359B275F}" type="slidenum">
               <a:t>&lt;#&gt;</a:t>
             </a:fld>
           </a:p>
@@ -4376,8 +4212,8 @@
         </p:nvSpPr>
         <p:spPr>
           <a:xfrm>
-            <a:off x="311760" y="1057680"/>
-            <a:ext cx="8520120" cy="2011680"/>
+            <a:off x="457200" y="205200"/>
+            <a:ext cx="8229240" cy="858600"/>
           </a:xfrm>
           <a:prstGeom prst="rect">
             <a:avLst/>
@@ -4392,10 +4228,10 @@
             <a:noAutofit/>
           </a:bodyPr>
           <a:p>
-            <a:endParaRPr b="0" lang="en-US" sz="1400" spc="-1" strike="noStrike">
-              <a:solidFill>
-                <a:srgbClr val="000000"/>
-              </a:solidFill>
+            <a:pPr algn="ctr">
+              <a:buNone/>
+            </a:pPr>
+            <a:endParaRPr b="0" lang="en-US" sz="4400" spc="-1" strike="noStrike">
               <a:latin typeface="Arial"/>
             </a:endParaRPr>
           </a:p>
@@ -4413,8 +4249,8 @@
         </p:nvSpPr>
         <p:spPr>
           <a:xfrm>
-            <a:off x="311760" y="3152160"/>
-            <a:ext cx="2743200" cy="1510200"/>
+            <a:off x="457200" y="1203480"/>
+            <a:ext cx="2649600" cy="1422720"/>
           </a:xfrm>
           <a:prstGeom prst="rect">
             <a:avLst/>
@@ -4429,10 +4265,7 @@
             <a:normAutofit/>
           </a:bodyPr>
           <a:p>
-            <a:endParaRPr b="0" lang="en-US" sz="1400" spc="-1" strike="noStrike">
-              <a:solidFill>
-                <a:srgbClr val="000000"/>
-              </a:solidFill>
+            <a:endParaRPr b="0" lang="en-US" sz="3200" spc="-1" strike="noStrike">
               <a:latin typeface="Arial"/>
             </a:endParaRPr>
           </a:p>
@@ -4450,8 +4283,8 @@
         </p:nvSpPr>
         <p:spPr>
           <a:xfrm>
-            <a:off x="3192480" y="3152160"/>
-            <a:ext cx="2743200" cy="1510200"/>
+            <a:off x="3239640" y="1203480"/>
+            <a:ext cx="2649600" cy="1422720"/>
           </a:xfrm>
           <a:prstGeom prst="rect">
             <a:avLst/>
@@ -4466,10 +4299,7 @@
             <a:normAutofit/>
           </a:bodyPr>
           <a:p>
-            <a:endParaRPr b="0" lang="en-US" sz="1400" spc="-1" strike="noStrike">
-              <a:solidFill>
-                <a:srgbClr val="000000"/>
-              </a:solidFill>
+            <a:endParaRPr b="0" lang="en-US" sz="3200" spc="-1" strike="noStrike">
               <a:latin typeface="Arial"/>
             </a:endParaRPr>
           </a:p>
@@ -4487,8 +4317,8 @@
         </p:nvSpPr>
         <p:spPr>
           <a:xfrm>
-            <a:off x="6073200" y="3152160"/>
-            <a:ext cx="2743200" cy="1510200"/>
+            <a:off x="6022080" y="1203480"/>
+            <a:ext cx="2649600" cy="1422720"/>
           </a:xfrm>
           <a:prstGeom prst="rect">
             <a:avLst/>
@@ -4503,10 +4333,7 @@
             <a:normAutofit/>
           </a:bodyPr>
           <a:p>
-            <a:endParaRPr b="0" lang="en-US" sz="1400" spc="-1" strike="noStrike">
-              <a:solidFill>
-                <a:srgbClr val="000000"/>
-              </a:solidFill>
+            <a:endParaRPr b="0" lang="en-US" sz="3200" spc="-1" strike="noStrike">
               <a:latin typeface="Arial"/>
             </a:endParaRPr>
           </a:p>
@@ -4524,8 +4351,8 @@
         </p:nvSpPr>
         <p:spPr>
           <a:xfrm>
-            <a:off x="311760" y="4806360"/>
-            <a:ext cx="2743200" cy="1510200"/>
+            <a:off x="457200" y="2761920"/>
+            <a:ext cx="2649600" cy="1422720"/>
           </a:xfrm>
           <a:prstGeom prst="rect">
             <a:avLst/>
@@ -4540,10 +4367,7 @@
             <a:normAutofit/>
           </a:bodyPr>
           <a:p>
-            <a:endParaRPr b="0" lang="en-US" sz="1400" spc="-1" strike="noStrike">
-              <a:solidFill>
-                <a:srgbClr val="000000"/>
-              </a:solidFill>
+            <a:endParaRPr b="0" lang="en-US" sz="3200" spc="-1" strike="noStrike">
               <a:latin typeface="Arial"/>
             </a:endParaRPr>
           </a:p>
@@ -4561,8 +4385,8 @@
         </p:nvSpPr>
         <p:spPr>
           <a:xfrm>
-            <a:off x="3192480" y="4806360"/>
-            <a:ext cx="2743200" cy="1510200"/>
+            <a:off x="3239640" y="2761920"/>
+            <a:ext cx="2649600" cy="1422720"/>
           </a:xfrm>
           <a:prstGeom prst="rect">
             <a:avLst/>
@@ -4577,10 +4401,7 @@
             <a:normAutofit/>
           </a:bodyPr>
           <a:p>
-            <a:endParaRPr b="0" lang="en-US" sz="1400" spc="-1" strike="noStrike">
-              <a:solidFill>
-                <a:srgbClr val="000000"/>
-              </a:solidFill>
+            <a:endParaRPr b="0" lang="en-US" sz="3200" spc="-1" strike="noStrike">
               <a:latin typeface="Arial"/>
             </a:endParaRPr>
           </a:p>
@@ -4598,8 +4419,8 @@
         </p:nvSpPr>
         <p:spPr>
           <a:xfrm>
-            <a:off x="6073200" y="4806360"/>
-            <a:ext cx="2743200" cy="1510200"/>
+            <a:off x="6022080" y="2761920"/>
+            <a:ext cx="2649600" cy="1422720"/>
           </a:xfrm>
           <a:prstGeom prst="rect">
             <a:avLst/>
@@ -4614,10 +4435,7 @@
             <a:normAutofit/>
           </a:bodyPr>
           <a:p>
-            <a:endParaRPr b="0" lang="en-US" sz="1400" spc="-1" strike="noStrike">
-              <a:solidFill>
-                <a:srgbClr val="000000"/>
-              </a:solidFill>
+            <a:endParaRPr b="0" lang="en-US" sz="3200" spc="-1" strike="noStrike">
               <a:latin typeface="Arial"/>
             </a:endParaRPr>
           </a:p>
@@ -4637,7 +4455,7 @@
         <p:txBody>
           <a:bodyPr/>
           <a:p>
-            <a:fld id="{06BB9213-11F3-416C-9032-2335571427AD}" type="slidenum">
+            <a:fld id="{F32E7442-0BC7-4CE3-9EC3-79E4DE518089}" type="slidenum">
               <a:t>&lt;#&gt;</a:t>
             </a:fld>
           </a:p>
@@ -4677,8 +4495,8 @@
         </p:nvSpPr>
         <p:spPr>
           <a:xfrm>
-            <a:off x="311760" y="1057680"/>
-            <a:ext cx="8520120" cy="2011680"/>
+            <a:off x="457200" y="205200"/>
+            <a:ext cx="8229240" cy="858600"/>
           </a:xfrm>
           <a:prstGeom prst="rect">
             <a:avLst/>
@@ -4693,10 +4511,10 @@
             <a:noAutofit/>
           </a:bodyPr>
           <a:p>
-            <a:endParaRPr b="0" lang="en-US" sz="1400" spc="-1" strike="noStrike">
-              <a:solidFill>
-                <a:srgbClr val="000000"/>
-              </a:solidFill>
+            <a:pPr algn="ctr">
+              <a:buNone/>
+            </a:pPr>
+            <a:endParaRPr b="0" lang="en-US" sz="4400" spc="-1" strike="noStrike">
               <a:latin typeface="Arial"/>
             </a:endParaRPr>
           </a:p>
@@ -4714,8 +4532,8 @@
         </p:nvSpPr>
         <p:spPr>
           <a:xfrm>
-            <a:off x="311760" y="3152160"/>
-            <a:ext cx="4157640" cy="3166200"/>
+            <a:off x="457200" y="1203480"/>
+            <a:ext cx="4015800" cy="2982960"/>
           </a:xfrm>
           <a:prstGeom prst="rect">
             <a:avLst/>
@@ -4730,10 +4548,7 @@
             <a:normAutofit/>
           </a:bodyPr>
           <a:p>
-            <a:endParaRPr b="0" lang="en-US" sz="1400" spc="-1" strike="noStrike">
-              <a:solidFill>
-                <a:srgbClr val="000000"/>
-              </a:solidFill>
+            <a:endParaRPr b="0" lang="en-US" sz="3200" spc="-1" strike="noStrike">
               <a:latin typeface="Arial"/>
             </a:endParaRPr>
           </a:p>
@@ -4751,8 +4566,8 @@
         </p:nvSpPr>
         <p:spPr>
           <a:xfrm>
-            <a:off x="4677840" y="3152160"/>
-            <a:ext cx="4157640" cy="3166200"/>
+            <a:off x="4674240" y="1203480"/>
+            <a:ext cx="4015800" cy="2982960"/>
           </a:xfrm>
           <a:prstGeom prst="rect">
             <a:avLst/>
@@ -4767,10 +4582,7 @@
             <a:normAutofit/>
           </a:bodyPr>
           <a:p>
-            <a:endParaRPr b="0" lang="en-US" sz="1400" spc="-1" strike="noStrike">
-              <a:solidFill>
-                <a:srgbClr val="000000"/>
-              </a:solidFill>
+            <a:endParaRPr b="0" lang="en-US" sz="3200" spc="-1" strike="noStrike">
               <a:latin typeface="Arial"/>
             </a:endParaRPr>
           </a:p>
@@ -4790,7 +4602,7 @@
         <p:txBody>
           <a:bodyPr/>
           <a:p>
-            <a:fld id="{4C432494-3500-437A-A189-CE35084919BC}" type="slidenum">
+            <a:fld id="{9711526B-A7DA-434C-A8C1-E87394FB199C}" type="slidenum">
               <a:t>&lt;#&gt;</a:t>
             </a:fld>
           </a:p>
@@ -4830,8 +4642,8 @@
         </p:nvSpPr>
         <p:spPr>
           <a:xfrm>
-            <a:off x="311760" y="1057680"/>
-            <a:ext cx="8520120" cy="2011680"/>
+            <a:off x="457200" y="205200"/>
+            <a:ext cx="8229240" cy="858600"/>
           </a:xfrm>
           <a:prstGeom prst="rect">
             <a:avLst/>
@@ -4846,10 +4658,10 @@
             <a:noAutofit/>
           </a:bodyPr>
           <a:p>
-            <a:endParaRPr b="0" lang="en-US" sz="1400" spc="-1" strike="noStrike">
-              <a:solidFill>
-                <a:srgbClr val="000000"/>
-              </a:solidFill>
+            <a:pPr algn="ctr">
+              <a:buNone/>
+            </a:pPr>
+            <a:endParaRPr b="0" lang="en-US" sz="4400" spc="-1" strike="noStrike">
               <a:latin typeface="Arial"/>
             </a:endParaRPr>
           </a:p>
@@ -4869,7 +4681,7 @@
         <p:txBody>
           <a:bodyPr/>
           <a:p>
-            <a:fld id="{F7CAADBC-F648-46F7-A53C-4D8CF3969F59}" type="slidenum">
+            <a:fld id="{35D662F6-2FAB-430B-8CFF-6933204D5515}" type="slidenum">
               <a:t>&lt;#&gt;</a:t>
             </a:fld>
           </a:p>
@@ -4909,8 +4721,8 @@
         </p:nvSpPr>
         <p:spPr>
           <a:xfrm>
-            <a:off x="311760" y="1057680"/>
-            <a:ext cx="8520120" cy="9326160"/>
+            <a:off x="457200" y="205200"/>
+            <a:ext cx="8229240" cy="3981240"/>
           </a:xfrm>
           <a:prstGeom prst="rect">
             <a:avLst/>
@@ -4948,7 +4760,7 @@
         <p:txBody>
           <a:bodyPr/>
           <a:p>
-            <a:fld id="{FCDA5707-57B1-4DFC-91A0-88B1F3EE679A}" type="slidenum">
+            <a:fld id="{F5254D83-6BB7-4A57-81C5-0689C56DBD94}" type="slidenum">
               <a:t>&lt;#&gt;</a:t>
             </a:fld>
           </a:p>
@@ -4988,8 +4800,8 @@
         </p:nvSpPr>
         <p:spPr>
           <a:xfrm>
-            <a:off x="311760" y="1057680"/>
-            <a:ext cx="8520120" cy="2011680"/>
+            <a:off x="457200" y="205200"/>
+            <a:ext cx="8229240" cy="858600"/>
           </a:xfrm>
           <a:prstGeom prst="rect">
             <a:avLst/>
@@ -5004,10 +4816,10 @@
             <a:noAutofit/>
           </a:bodyPr>
           <a:p>
-            <a:endParaRPr b="0" lang="en-US" sz="1400" spc="-1" strike="noStrike">
-              <a:solidFill>
-                <a:srgbClr val="000000"/>
-              </a:solidFill>
+            <a:pPr algn="ctr">
+              <a:buNone/>
+            </a:pPr>
+            <a:endParaRPr b="0" lang="en-US" sz="4400" spc="-1" strike="noStrike">
               <a:latin typeface="Arial"/>
             </a:endParaRPr>
           </a:p>
@@ -5025,8 +4837,8 @@
         </p:nvSpPr>
         <p:spPr>
           <a:xfrm>
-            <a:off x="311760" y="3152160"/>
-            <a:ext cx="4157640" cy="1510200"/>
+            <a:off x="457200" y="1203480"/>
+            <a:ext cx="4015800" cy="1422720"/>
           </a:xfrm>
           <a:prstGeom prst="rect">
             <a:avLst/>
@@ -5041,10 +4853,7 @@
             <a:normAutofit/>
           </a:bodyPr>
           <a:p>
-            <a:endParaRPr b="0" lang="en-US" sz="1400" spc="-1" strike="noStrike">
-              <a:solidFill>
-                <a:srgbClr val="000000"/>
-              </a:solidFill>
+            <a:endParaRPr b="0" lang="en-US" sz="3200" spc="-1" strike="noStrike">
               <a:latin typeface="Arial"/>
             </a:endParaRPr>
           </a:p>
@@ -5062,8 +4871,8 @@
         </p:nvSpPr>
         <p:spPr>
           <a:xfrm>
-            <a:off x="4677840" y="3152160"/>
-            <a:ext cx="4157640" cy="3166200"/>
+            <a:off x="4674240" y="1203480"/>
+            <a:ext cx="4015800" cy="2982960"/>
           </a:xfrm>
           <a:prstGeom prst="rect">
             <a:avLst/>
@@ -5078,10 +4887,7 @@
             <a:normAutofit/>
           </a:bodyPr>
           <a:p>
-            <a:endParaRPr b="0" lang="en-US" sz="1400" spc="-1" strike="noStrike">
-              <a:solidFill>
-                <a:srgbClr val="000000"/>
-              </a:solidFill>
+            <a:endParaRPr b="0" lang="en-US" sz="3200" spc="-1" strike="noStrike">
               <a:latin typeface="Arial"/>
             </a:endParaRPr>
           </a:p>
@@ -5099,8 +4905,8 @@
         </p:nvSpPr>
         <p:spPr>
           <a:xfrm>
-            <a:off x="311760" y="4806360"/>
-            <a:ext cx="4157640" cy="1510200"/>
+            <a:off x="457200" y="2761920"/>
+            <a:ext cx="4015800" cy="1422720"/>
           </a:xfrm>
           <a:prstGeom prst="rect">
             <a:avLst/>
@@ -5115,10 +4921,7 @@
             <a:normAutofit/>
           </a:bodyPr>
           <a:p>
-            <a:endParaRPr b="0" lang="en-US" sz="1400" spc="-1" strike="noStrike">
-              <a:solidFill>
-                <a:srgbClr val="000000"/>
-              </a:solidFill>
+            <a:endParaRPr b="0" lang="en-US" sz="3200" spc="-1" strike="noStrike">
               <a:latin typeface="Arial"/>
             </a:endParaRPr>
           </a:p>
@@ -5138,7 +4941,7 @@
         <p:txBody>
           <a:bodyPr/>
           <a:p>
-            <a:fld id="{E1E9AD5F-6D87-4C4F-B0C3-FA5BB6121679}" type="slidenum">
+            <a:fld id="{EAFC2A9F-6F6D-4BE3-882C-174A189C2547}" type="slidenum">
               <a:t>&lt;#&gt;</a:t>
             </a:fld>
           </a:p>
@@ -5178,8 +4981,8 @@
         </p:nvSpPr>
         <p:spPr>
           <a:xfrm>
-            <a:off x="311760" y="1057680"/>
-            <a:ext cx="8520120" cy="2011680"/>
+            <a:off x="457200" y="205200"/>
+            <a:ext cx="8229240" cy="858600"/>
           </a:xfrm>
           <a:prstGeom prst="rect">
             <a:avLst/>
@@ -5194,10 +4997,10 @@
             <a:noAutofit/>
           </a:bodyPr>
           <a:p>
-            <a:endParaRPr b="0" lang="en-US" sz="1400" spc="-1" strike="noStrike">
-              <a:solidFill>
-                <a:srgbClr val="000000"/>
-              </a:solidFill>
+            <a:pPr algn="ctr">
+              <a:buNone/>
+            </a:pPr>
+            <a:endParaRPr b="0" lang="en-US" sz="4400" spc="-1" strike="noStrike">
               <a:latin typeface="Arial"/>
             </a:endParaRPr>
           </a:p>
@@ -5215,8 +5018,8 @@
         </p:nvSpPr>
         <p:spPr>
           <a:xfrm>
-            <a:off x="311760" y="3152160"/>
-            <a:ext cx="4157640" cy="3166200"/>
+            <a:off x="457200" y="1203480"/>
+            <a:ext cx="4015800" cy="2982960"/>
           </a:xfrm>
           <a:prstGeom prst="rect">
             <a:avLst/>
@@ -5231,10 +5034,7 @@
             <a:normAutofit/>
           </a:bodyPr>
           <a:p>
-            <a:endParaRPr b="0" lang="en-US" sz="1400" spc="-1" strike="noStrike">
-              <a:solidFill>
-                <a:srgbClr val="000000"/>
-              </a:solidFill>
+            <a:endParaRPr b="0" lang="en-US" sz="3200" spc="-1" strike="noStrike">
               <a:latin typeface="Arial"/>
             </a:endParaRPr>
           </a:p>
@@ -5252,8 +5052,8 @@
         </p:nvSpPr>
         <p:spPr>
           <a:xfrm>
-            <a:off x="4677840" y="3152160"/>
-            <a:ext cx="4157640" cy="1510200"/>
+            <a:off x="4674240" y="1203480"/>
+            <a:ext cx="4015800" cy="1422720"/>
           </a:xfrm>
           <a:prstGeom prst="rect">
             <a:avLst/>
@@ -5268,10 +5068,7 @@
             <a:normAutofit/>
           </a:bodyPr>
           <a:p>
-            <a:endParaRPr b="0" lang="en-US" sz="1400" spc="-1" strike="noStrike">
-              <a:solidFill>
-                <a:srgbClr val="000000"/>
-              </a:solidFill>
+            <a:endParaRPr b="0" lang="en-US" sz="3200" spc="-1" strike="noStrike">
               <a:latin typeface="Arial"/>
             </a:endParaRPr>
           </a:p>
@@ -5289,8 +5086,8 @@
         </p:nvSpPr>
         <p:spPr>
           <a:xfrm>
-            <a:off x="4677840" y="4806360"/>
-            <a:ext cx="4157640" cy="1510200"/>
+            <a:off x="4674240" y="2761920"/>
+            <a:ext cx="4015800" cy="1422720"/>
           </a:xfrm>
           <a:prstGeom prst="rect">
             <a:avLst/>
@@ -5305,10 +5102,7 @@
             <a:normAutofit/>
           </a:bodyPr>
           <a:p>
-            <a:endParaRPr b="0" lang="en-US" sz="1400" spc="-1" strike="noStrike">
-              <a:solidFill>
-                <a:srgbClr val="000000"/>
-              </a:solidFill>
+            <a:endParaRPr b="0" lang="en-US" sz="3200" spc="-1" strike="noStrike">
               <a:latin typeface="Arial"/>
             </a:endParaRPr>
           </a:p>
@@ -5328,7 +5122,7 @@
         <p:txBody>
           <a:bodyPr/>
           <a:p>
-            <a:fld id="{07961F66-6521-4320-B9B0-6BAA97EC225E}" type="slidenum">
+            <a:fld id="{D9B49A17-31C9-4414-93C3-6626FB37155F}" type="slidenum">
               <a:t>&lt;#&gt;</a:t>
             </a:fld>
           </a:p>
@@ -5368,8 +5162,8 @@
         </p:nvSpPr>
         <p:spPr>
           <a:xfrm>
-            <a:off x="311760" y="1057680"/>
-            <a:ext cx="8520120" cy="2011680"/>
+            <a:off x="457200" y="205200"/>
+            <a:ext cx="8229240" cy="858600"/>
           </a:xfrm>
           <a:prstGeom prst="rect">
             <a:avLst/>
@@ -5384,10 +5178,10 @@
             <a:noAutofit/>
           </a:bodyPr>
           <a:p>
-            <a:endParaRPr b="0" lang="en-US" sz="1400" spc="-1" strike="noStrike">
-              <a:solidFill>
-                <a:srgbClr val="000000"/>
-              </a:solidFill>
+            <a:pPr algn="ctr">
+              <a:buNone/>
+            </a:pPr>
+            <a:endParaRPr b="0" lang="en-US" sz="4400" spc="-1" strike="noStrike">
               <a:latin typeface="Arial"/>
             </a:endParaRPr>
           </a:p>
@@ -5405,8 +5199,8 @@
         </p:nvSpPr>
         <p:spPr>
           <a:xfrm>
-            <a:off x="311760" y="3152160"/>
-            <a:ext cx="4157640" cy="1510200"/>
+            <a:off x="457200" y="1203480"/>
+            <a:ext cx="4015800" cy="1422720"/>
           </a:xfrm>
           <a:prstGeom prst="rect">
             <a:avLst/>
@@ -5421,10 +5215,7 @@
             <a:normAutofit/>
           </a:bodyPr>
           <a:p>
-            <a:endParaRPr b="0" lang="en-US" sz="1400" spc="-1" strike="noStrike">
-              <a:solidFill>
-                <a:srgbClr val="000000"/>
-              </a:solidFill>
+            <a:endParaRPr b="0" lang="en-US" sz="3200" spc="-1" strike="noStrike">
               <a:latin typeface="Arial"/>
             </a:endParaRPr>
           </a:p>
@@ -5442,8 +5233,8 @@
         </p:nvSpPr>
         <p:spPr>
           <a:xfrm>
-            <a:off x="4677840" y="3152160"/>
-            <a:ext cx="4157640" cy="1510200"/>
+            <a:off x="4674240" y="1203480"/>
+            <a:ext cx="4015800" cy="1422720"/>
           </a:xfrm>
           <a:prstGeom prst="rect">
             <a:avLst/>
@@ -5458,10 +5249,7 @@
             <a:normAutofit/>
           </a:bodyPr>
           <a:p>
-            <a:endParaRPr b="0" lang="en-US" sz="1400" spc="-1" strike="noStrike">
-              <a:solidFill>
-                <a:srgbClr val="000000"/>
-              </a:solidFill>
+            <a:endParaRPr b="0" lang="en-US" sz="3200" spc="-1" strike="noStrike">
               <a:latin typeface="Arial"/>
             </a:endParaRPr>
           </a:p>
@@ -5479,8 +5267,8 @@
         </p:nvSpPr>
         <p:spPr>
           <a:xfrm>
-            <a:off x="311760" y="4806360"/>
-            <a:ext cx="8520120" cy="1510200"/>
+            <a:off x="457200" y="2761920"/>
+            <a:ext cx="8229240" cy="1422720"/>
           </a:xfrm>
           <a:prstGeom prst="rect">
             <a:avLst/>
@@ -5495,10 +5283,7 @@
             <a:normAutofit/>
           </a:bodyPr>
           <a:p>
-            <a:endParaRPr b="0" lang="en-US" sz="1400" spc="-1" strike="noStrike">
-              <a:solidFill>
-                <a:srgbClr val="000000"/>
-              </a:solidFill>
+            <a:endParaRPr b="0" lang="en-US" sz="3200" spc="-1" strike="noStrike">
               <a:latin typeface="Arial"/>
             </a:endParaRPr>
           </a:p>
@@ -5518,7 +5303,7 @@
         <p:txBody>
           <a:bodyPr/>
           <a:p>
-            <a:fld id="{DA82F2F4-F773-4D93-A4B4-D91AC8ECD654}" type="slidenum">
+            <a:fld id="{A025C21A-3AE5-49F2-A86E-33F9E7086E61}" type="slidenum">
               <a:t>&lt;#&gt;</a:t>
             </a:fld>
           </a:p>
@@ -5565,62 +5350,29 @@
         </p:nvSpPr>
         <p:spPr>
           <a:xfrm>
-            <a:off x="311760" y="444960"/>
-            <a:ext cx="8520120" cy="1041840"/>
-          </a:xfrm>
-          <a:prstGeom prst="rect">
-            <a:avLst/>
-          </a:prstGeom>
-          <a:noFill/>
-          <a:ln w="0">
-            <a:noFill/>
-          </a:ln>
-        </p:spPr>
-        <p:txBody>
-          <a:bodyPr tIns="91440" bIns="91440" anchor="t">
+            <a:off x="311760" y="1057680"/>
+            <a:ext cx="8519760" cy="2011320"/>
+          </a:xfrm>
+          <a:prstGeom prst="rect">
+            <a:avLst/>
+          </a:prstGeom>
+          <a:noFill/>
+          <a:ln w="0">
+            <a:noFill/>
+          </a:ln>
+        </p:spPr>
+        <p:txBody>
+          <a:bodyPr lIns="0" rIns="0" tIns="0" bIns="0" anchor="ctr">
             <a:noAutofit/>
           </a:bodyPr>
           <a:p>
             <a:r>
-              <a:rPr b="0" lang="en-US" sz="2800" spc="-1" strike="noStrike">
-                <a:solidFill>
-                  <a:srgbClr val="000000"/>
-                </a:solidFill>
+              <a:rPr b="0" lang="en-US" sz="1800" spc="-1" strike="noStrike">
                 <a:latin typeface="Arial"/>
               </a:rPr>
-              <a:t>Click to </a:t>
+              <a:t>Click to edit the title text format</a:t>
             </a:r>
-            <a:r>
-              <a:rPr b="0" lang="en-US" sz="2800" spc="-1" strike="noStrike">
-                <a:solidFill>
-                  <a:srgbClr val="000000"/>
-                </a:solidFill>
-                <a:latin typeface="Arial"/>
-              </a:rPr>
-              <a:t>edit the </a:t>
-            </a:r>
-            <a:r>
-              <a:rPr b="0" lang="en-US" sz="2800" spc="-1" strike="noStrike">
-                <a:solidFill>
-                  <a:srgbClr val="000000"/>
-                </a:solidFill>
-                <a:latin typeface="Arial"/>
-              </a:rPr>
-              <a:t>title text </a:t>
-            </a:r>
-            <a:r>
-              <a:rPr b="0" lang="en-US" sz="2800" spc="-1" strike="noStrike">
-                <a:solidFill>
-                  <a:srgbClr val="000000"/>
-                </a:solidFill>
-                <a:latin typeface="Arial"/>
-              </a:rPr>
-              <a:t>format</a:t>
-            </a:r>
-            <a:endParaRPr b="0" lang="en-US" sz="2800" spc="-1" strike="noStrike">
-              <a:solidFill>
-                <a:srgbClr val="000000"/>
-              </a:solidFill>
+            <a:endParaRPr b="0" lang="en-US" sz="1800" spc="-1" strike="noStrike">
               <a:latin typeface="Arial"/>
             </a:endParaRPr>
           </a:p>
@@ -5638,20 +5390,20 @@
         </p:nvSpPr>
         <p:spPr>
           <a:xfrm>
-            <a:off x="311760" y="1152360"/>
-            <a:ext cx="8520120" cy="3166200"/>
-          </a:xfrm>
-          <a:prstGeom prst="rect">
-            <a:avLst/>
-          </a:prstGeom>
-          <a:noFill/>
-          <a:ln w="0">
-            <a:noFill/>
-          </a:ln>
-        </p:spPr>
-        <p:txBody>
-          <a:bodyPr tIns="91440" bIns="91440" anchor="t">
-            <a:noAutofit/>
+            <a:off x="311760" y="3152160"/>
+            <a:ext cx="8519760" cy="3165840"/>
+          </a:xfrm>
+          <a:prstGeom prst="rect">
+            <a:avLst/>
+          </a:prstGeom>
+          <a:noFill/>
+          <a:ln w="0">
+            <a:noFill/>
+          </a:ln>
+        </p:spPr>
+        <p:txBody>
+          <a:bodyPr lIns="0" rIns="0" tIns="0" bIns="0" anchor="t">
+            <a:normAutofit/>
           </a:bodyPr>
           <a:p>
             <a:pPr marL="432000" indent="-324000">
@@ -5667,17 +5419,11 @@
             </a:pPr>
             <a:r>
               <a:rPr b="0" lang="en-US" sz="1800" spc="-1" strike="noStrike">
-                <a:solidFill>
-                  <a:srgbClr val="000000"/>
-                </a:solidFill>
                 <a:latin typeface="Arial"/>
               </a:rPr>
               <a:t>Click to edit the outline text format</a:t>
             </a:r>
             <a:endParaRPr b="0" lang="en-US" sz="1800" spc="-1" strike="noStrike">
-              <a:solidFill>
-                <a:srgbClr val="000000"/>
-              </a:solidFill>
               <a:latin typeface="Arial"/>
             </a:endParaRPr>
           </a:p>
@@ -5695,17 +5441,11 @@
             </a:pPr>
             <a:r>
               <a:rPr b="0" lang="en-US" sz="1800" spc="-1" strike="noStrike">
-                <a:solidFill>
-                  <a:srgbClr val="000000"/>
-                </a:solidFill>
                 <a:latin typeface="Arial"/>
               </a:rPr>
               <a:t>Second Outline Level</a:t>
             </a:r>
             <a:endParaRPr b="0" lang="en-US" sz="1800" spc="-1" strike="noStrike">
-              <a:solidFill>
-                <a:srgbClr val="000000"/>
-              </a:solidFill>
               <a:latin typeface="Arial"/>
             </a:endParaRPr>
           </a:p>
@@ -5723,17 +5463,11 @@
             </a:pPr>
             <a:r>
               <a:rPr b="0" lang="en-US" sz="1800" spc="-1" strike="noStrike">
-                <a:solidFill>
-                  <a:srgbClr val="000000"/>
-                </a:solidFill>
                 <a:latin typeface="Arial"/>
               </a:rPr>
               <a:t>Third Outline Level</a:t>
             </a:r>
             <a:endParaRPr b="0" lang="en-US" sz="1800" spc="-1" strike="noStrike">
-              <a:solidFill>
-                <a:srgbClr val="000000"/>
-              </a:solidFill>
               <a:latin typeface="Arial"/>
             </a:endParaRPr>
           </a:p>
@@ -5751,17 +5485,11 @@
             </a:pPr>
             <a:r>
               <a:rPr b="0" lang="en-US" sz="1800" spc="-1" strike="noStrike">
-                <a:solidFill>
-                  <a:srgbClr val="000000"/>
-                </a:solidFill>
                 <a:latin typeface="Arial"/>
               </a:rPr>
               <a:t>Fourth Outline Level</a:t>
             </a:r>
             <a:endParaRPr b="0" lang="en-US" sz="1800" spc="-1" strike="noStrike">
-              <a:solidFill>
-                <a:srgbClr val="000000"/>
-              </a:solidFill>
               <a:latin typeface="Arial"/>
             </a:endParaRPr>
           </a:p>
@@ -5779,17 +5507,11 @@
             </a:pPr>
             <a:r>
               <a:rPr b="0" lang="en-US" sz="1800" spc="-1" strike="noStrike">
-                <a:solidFill>
-                  <a:srgbClr val="000000"/>
-                </a:solidFill>
                 <a:latin typeface="Arial"/>
               </a:rPr>
               <a:t>Fifth Outline Level</a:t>
             </a:r>
             <a:endParaRPr b="0" lang="en-US" sz="1800" spc="-1" strike="noStrike">
-              <a:solidFill>
-                <a:srgbClr val="000000"/>
-              </a:solidFill>
               <a:latin typeface="Arial"/>
             </a:endParaRPr>
           </a:p>
@@ -5807,17 +5529,11 @@
             </a:pPr>
             <a:r>
               <a:rPr b="0" lang="en-US" sz="1800" spc="-1" strike="noStrike">
-                <a:solidFill>
-                  <a:srgbClr val="000000"/>
-                </a:solidFill>
                 <a:latin typeface="Arial"/>
               </a:rPr>
               <a:t>Sixth Outline Level</a:t>
             </a:r>
             <a:endParaRPr b="0" lang="en-US" sz="1800" spc="-1" strike="noStrike">
-              <a:solidFill>
-                <a:srgbClr val="000000"/>
-              </a:solidFill>
               <a:latin typeface="Arial"/>
             </a:endParaRPr>
           </a:p>
@@ -5835,17 +5551,11 @@
             </a:pPr>
             <a:r>
               <a:rPr b="0" lang="en-US" sz="1800" spc="-1" strike="noStrike">
-                <a:solidFill>
-                  <a:srgbClr val="000000"/>
-                </a:solidFill>
                 <a:latin typeface="Arial"/>
               </a:rPr>
               <a:t>Seventh Outline Level</a:t>
             </a:r>
             <a:endParaRPr b="0" lang="en-US" sz="1800" spc="-1" strike="noStrike">
-              <a:solidFill>
-                <a:srgbClr val="000000"/>
-              </a:solidFill>
               <a:latin typeface="Arial"/>
             </a:endParaRPr>
           </a:p>
@@ -5864,18 +5574,18 @@
         <p:spPr>
           <a:xfrm>
             <a:off x="8472600" y="3276720"/>
-            <a:ext cx="548280" cy="3166200"/>
-          </a:xfrm>
-          <a:prstGeom prst="rect">
-            <a:avLst/>
-          </a:prstGeom>
-          <a:noFill/>
-          <a:ln w="0">
-            <a:noFill/>
-          </a:ln>
-        </p:spPr>
-        <p:txBody>
-          <a:bodyPr tIns="91440" bIns="91440" anchor="ctr">
+            <a:ext cx="547920" cy="3165840"/>
+          </a:xfrm>
+          <a:prstGeom prst="rect">
+            <a:avLst/>
+          </a:prstGeom>
+          <a:noFill/>
+          <a:ln w="0">
+            <a:noFill/>
+          </a:ln>
+        </p:spPr>
+        <p:txBody>
+          <a:bodyPr lIns="90000" rIns="90000" tIns="91440" bIns="91440" anchor="ctr">
             <a:noAutofit/>
           </a:bodyPr>
           <a:lstStyle>
@@ -5906,7 +5616,7 @@
                 <a:tab algn="l" pos="0"/>
               </a:tabLst>
             </a:pPr>
-            <a:fld id="{C124A201-B6EB-49A9-B61F-F37C1951E627}" type="slidenum">
+            <a:fld id="{8157C2D5-A571-4A58-A0E2-3589AD51F29C}" type="slidenum">
               <a:rPr b="0" lang="en" sz="1000" spc="-1" strike="noStrike">
                 <a:solidFill>
                   <a:srgbClr val="595959"/>
@@ -5914,7 +5624,7 @@
                 <a:latin typeface="Arial"/>
                 <a:ea typeface="Arial"/>
               </a:rPr>
-              <a:t>7</a:t>
+              <a:t>&lt;number&gt;</a:t>
             </a:fld>
             <a:endParaRPr b="0" lang="en-US" sz="1000" spc="-1" strike="noStrike">
               <a:latin typeface="Times New Roman"/>
@@ -5978,170 +5688,29 @@
         </p:nvSpPr>
         <p:spPr>
           <a:xfrm>
-            <a:off x="311760" y="1029600"/>
-            <a:ext cx="8520120" cy="1767240"/>
-          </a:xfrm>
-          <a:prstGeom prst="rect">
-            <a:avLst/>
-          </a:prstGeom>
-          <a:noFill/>
-          <a:ln w="0">
-            <a:noFill/>
-          </a:ln>
-        </p:spPr>
-        <p:txBody>
-          <a:bodyPr tIns="91440" bIns="91440" anchor="b">
+            <a:off x="311760" y="1057680"/>
+            <a:ext cx="8519760" cy="2011320"/>
+          </a:xfrm>
+          <a:prstGeom prst="rect">
+            <a:avLst/>
+          </a:prstGeom>
+          <a:noFill/>
+          <a:ln w="0">
+            <a:noFill/>
+          </a:ln>
+        </p:spPr>
+        <p:txBody>
+          <a:bodyPr lIns="0" rIns="0" tIns="0" bIns="0" anchor="ctr">
             <a:noAutofit/>
           </a:bodyPr>
           <a:p>
             <a:r>
-              <a:rPr b="0" lang="en-US" sz="5200" spc="-1" strike="noStrike">
-                <a:solidFill>
-                  <a:srgbClr val="000000"/>
-                </a:solidFill>
+              <a:rPr b="0" lang="en-US" sz="1800" spc="-1" strike="noStrike">
                 <a:latin typeface="Arial"/>
               </a:rPr>
-              <a:t>Cl</a:t>
+              <a:t>Click to edit the title text format</a:t>
             </a:r>
-            <a:r>
-              <a:rPr b="0" lang="en-US" sz="5200" spc="-1" strike="noStrike">
-                <a:solidFill>
-                  <a:srgbClr val="000000"/>
-                </a:solidFill>
-                <a:latin typeface="Arial"/>
-              </a:rPr>
-              <a:t>ic</a:t>
-            </a:r>
-            <a:r>
-              <a:rPr b="0" lang="en-US" sz="5200" spc="-1" strike="noStrike">
-                <a:solidFill>
-                  <a:srgbClr val="000000"/>
-                </a:solidFill>
-                <a:latin typeface="Arial"/>
-              </a:rPr>
-              <a:t>k </a:t>
-            </a:r>
-            <a:r>
-              <a:rPr b="0" lang="en-US" sz="5200" spc="-1" strike="noStrike">
-                <a:solidFill>
-                  <a:srgbClr val="000000"/>
-                </a:solidFill>
-                <a:latin typeface="Arial"/>
-              </a:rPr>
-              <a:t>to </a:t>
-            </a:r>
-            <a:r>
-              <a:rPr b="0" lang="en-US" sz="5200" spc="-1" strike="noStrike">
-                <a:solidFill>
-                  <a:srgbClr val="000000"/>
-                </a:solidFill>
-                <a:latin typeface="Arial"/>
-              </a:rPr>
-              <a:t>e</a:t>
-            </a:r>
-            <a:r>
-              <a:rPr b="0" lang="en-US" sz="5200" spc="-1" strike="noStrike">
-                <a:solidFill>
-                  <a:srgbClr val="000000"/>
-                </a:solidFill>
-                <a:latin typeface="Arial"/>
-              </a:rPr>
-              <a:t>dit </a:t>
-            </a:r>
-            <a:r>
-              <a:rPr b="0" lang="en-US" sz="5200" spc="-1" strike="noStrike">
-                <a:solidFill>
-                  <a:srgbClr val="000000"/>
-                </a:solidFill>
-                <a:latin typeface="Arial"/>
-              </a:rPr>
-              <a:t>th</a:t>
-            </a:r>
-            <a:r>
-              <a:rPr b="0" lang="en-US" sz="5200" spc="-1" strike="noStrike">
-                <a:solidFill>
-                  <a:srgbClr val="000000"/>
-                </a:solidFill>
-                <a:latin typeface="Arial"/>
-              </a:rPr>
-              <a:t>e </a:t>
-            </a:r>
-            <a:r>
-              <a:rPr b="0" lang="en-US" sz="5200" spc="-1" strike="noStrike">
-                <a:solidFill>
-                  <a:srgbClr val="000000"/>
-                </a:solidFill>
-                <a:latin typeface="Arial"/>
-              </a:rPr>
-              <a:t>titl</a:t>
-            </a:r>
-            <a:r>
-              <a:rPr b="0" lang="en-US" sz="5200" spc="-1" strike="noStrike">
-                <a:solidFill>
-                  <a:srgbClr val="000000"/>
-                </a:solidFill>
-                <a:latin typeface="Arial"/>
-              </a:rPr>
-              <a:t>e </a:t>
-            </a:r>
-            <a:r>
-              <a:rPr b="0" lang="en-US" sz="5200" spc="-1" strike="noStrike">
-                <a:solidFill>
-                  <a:srgbClr val="000000"/>
-                </a:solidFill>
-                <a:latin typeface="Arial"/>
-              </a:rPr>
-              <a:t>te</a:t>
-            </a:r>
-            <a:r>
-              <a:rPr b="0" lang="en-US" sz="5200" spc="-1" strike="noStrike">
-                <a:solidFill>
-                  <a:srgbClr val="000000"/>
-                </a:solidFill>
-                <a:latin typeface="Arial"/>
-              </a:rPr>
-              <a:t>xt </a:t>
-            </a:r>
-            <a:r>
-              <a:rPr b="0" lang="en-US" sz="5200" spc="-1" strike="noStrike">
-                <a:solidFill>
-                  <a:srgbClr val="000000"/>
-                </a:solidFill>
-                <a:latin typeface="Arial"/>
-              </a:rPr>
-              <a:t>fo</a:t>
-            </a:r>
-            <a:r>
-              <a:rPr b="0" lang="en-US" sz="5200" spc="-1" strike="noStrike">
-                <a:solidFill>
-                  <a:srgbClr val="000000"/>
-                </a:solidFill>
-                <a:latin typeface="Arial"/>
-              </a:rPr>
-              <a:t>r</a:t>
-            </a:r>
-            <a:r>
-              <a:rPr b="0" lang="en-US" sz="5200" spc="-1" strike="noStrike">
-                <a:solidFill>
-                  <a:srgbClr val="000000"/>
-                </a:solidFill>
-                <a:latin typeface="Arial"/>
-              </a:rPr>
-              <a:t>m</a:t>
-            </a:r>
-            <a:r>
-              <a:rPr b="0" lang="en-US" sz="5200" spc="-1" strike="noStrike">
-                <a:solidFill>
-                  <a:srgbClr val="000000"/>
-                </a:solidFill>
-                <a:latin typeface="Arial"/>
-              </a:rPr>
-              <a:t>at</a:t>
-            </a:r>
-            <a:endParaRPr b="0" lang="en-US" sz="5200" spc="-1" strike="noStrike">
-              <a:solidFill>
-                <a:srgbClr val="000000"/>
-              </a:solidFill>
+            <a:endParaRPr b="0" lang="en-US" sz="1800" spc="-1" strike="noStrike">
               <a:latin typeface="Arial"/>
             </a:endParaRPr>
           </a:p>
@@ -6160,18 +5729,18 @@
         <p:spPr>
           <a:xfrm>
             <a:off x="8472600" y="3276720"/>
-            <a:ext cx="548280" cy="3166200"/>
-          </a:xfrm>
-          <a:prstGeom prst="rect">
-            <a:avLst/>
-          </a:prstGeom>
-          <a:noFill/>
-          <a:ln w="0">
-            <a:noFill/>
-          </a:ln>
-        </p:spPr>
-        <p:txBody>
-          <a:bodyPr tIns="91440" bIns="91440" anchor="ctr">
+            <a:ext cx="547920" cy="3165840"/>
+          </a:xfrm>
+          <a:prstGeom prst="rect">
+            <a:avLst/>
+          </a:prstGeom>
+          <a:noFill/>
+          <a:ln w="0">
+            <a:noFill/>
+          </a:ln>
+        </p:spPr>
+        <p:txBody>
+          <a:bodyPr lIns="90000" rIns="90000" tIns="91440" bIns="91440" anchor="ctr">
             <a:noAutofit/>
           </a:bodyPr>
           <a:lstStyle>
@@ -6202,7 +5771,7 @@
                 <a:tab algn="l" pos="0"/>
               </a:tabLst>
             </a:pPr>
-            <a:fld id="{6B93F13E-24C0-4B71-BE65-C7B6F6DA6850}" type="slidenum">
+            <a:fld id="{CC0550A5-D8BF-4887-B7D4-0469F78076EA}" type="slidenum">
               <a:rPr b="0" lang="en" sz="1000" spc="-1" strike="noStrike">
                 <a:solidFill>
                   <a:srgbClr val="595959"/>
@@ -6258,18 +5827,12 @@
               <a:buChar char=""/>
             </a:pPr>
             <a:r>
-              <a:rPr b="0" lang="en-US" sz="1400" spc="-1" strike="noStrike">
-                <a:solidFill>
-                  <a:srgbClr val="000000"/>
-                </a:solidFill>
+              <a:rPr b="0" lang="en-US" sz="3200" spc="-1" strike="noStrike">
                 <a:latin typeface="Arial"/>
               </a:rPr>
               <a:t>Click to edit the outline text format</a:t>
             </a:r>
-            <a:endParaRPr b="0" lang="en-US" sz="1400" spc="-1" strike="noStrike">
-              <a:solidFill>
-                <a:srgbClr val="000000"/>
-              </a:solidFill>
+            <a:endParaRPr b="0" lang="en-US" sz="3200" spc="-1" strike="noStrike">
               <a:latin typeface="Arial"/>
             </a:endParaRPr>
           </a:p>
@@ -6286,18 +5849,12 @@
               <a:buChar char=""/>
             </a:pPr>
             <a:r>
-              <a:rPr b="0" lang="en-US" sz="1400" spc="-1" strike="noStrike">
-                <a:solidFill>
-                  <a:srgbClr val="000000"/>
-                </a:solidFill>
+              <a:rPr b="0" lang="en-US" sz="2800" spc="-1" strike="noStrike">
                 <a:latin typeface="Arial"/>
               </a:rPr>
               <a:t>Second Outline Level</a:t>
             </a:r>
-            <a:endParaRPr b="0" lang="en-US" sz="1400" spc="-1" strike="noStrike">
-              <a:solidFill>
-                <a:srgbClr val="000000"/>
-              </a:solidFill>
+            <a:endParaRPr b="0" lang="en-US" sz="2800" spc="-1" strike="noStrike">
               <a:latin typeface="Arial"/>
             </a:endParaRPr>
           </a:p>
@@ -6314,18 +5871,12 @@
               <a:buChar char=""/>
             </a:pPr>
             <a:r>
-              <a:rPr b="0" lang="en-US" sz="1400" spc="-1" strike="noStrike">
-                <a:solidFill>
-                  <a:srgbClr val="000000"/>
-                </a:solidFill>
+              <a:rPr b="0" lang="en-US" sz="2400" spc="-1" strike="noStrike">
                 <a:latin typeface="Arial"/>
               </a:rPr>
               <a:t>Third Outline Level</a:t>
             </a:r>
-            <a:endParaRPr b="0" lang="en-US" sz="1400" spc="-1" strike="noStrike">
-              <a:solidFill>
-                <a:srgbClr val="000000"/>
-              </a:solidFill>
+            <a:endParaRPr b="0" lang="en-US" sz="2400" spc="-1" strike="noStrike">
               <a:latin typeface="Arial"/>
             </a:endParaRPr>
           </a:p>
@@ -6342,18 +5893,12 @@
               <a:buChar char=""/>
             </a:pPr>
             <a:r>
-              <a:rPr b="0" lang="en-US" sz="1400" spc="-1" strike="noStrike">
-                <a:solidFill>
-                  <a:srgbClr val="000000"/>
-                </a:solidFill>
+              <a:rPr b="0" lang="en-US" sz="2000" spc="-1" strike="noStrike">
                 <a:latin typeface="Arial"/>
               </a:rPr>
               <a:t>Fourth Outline Level</a:t>
             </a:r>
-            <a:endParaRPr b="0" lang="en-US" sz="1400" spc="-1" strike="noStrike">
-              <a:solidFill>
-                <a:srgbClr val="000000"/>
-              </a:solidFill>
+            <a:endParaRPr b="0" lang="en-US" sz="2000" spc="-1" strike="noStrike">
               <a:latin typeface="Arial"/>
             </a:endParaRPr>
           </a:p>
@@ -6371,17 +5916,11 @@
             </a:pPr>
             <a:r>
               <a:rPr b="0" lang="en-US" sz="2000" spc="-1" strike="noStrike">
-                <a:solidFill>
-                  <a:srgbClr val="000000"/>
-                </a:solidFill>
                 <a:latin typeface="Arial"/>
               </a:rPr>
               <a:t>Fifth Outline Level</a:t>
             </a:r>
             <a:endParaRPr b="0" lang="en-US" sz="2000" spc="-1" strike="noStrike">
-              <a:solidFill>
-                <a:srgbClr val="000000"/>
-              </a:solidFill>
               <a:latin typeface="Arial"/>
             </a:endParaRPr>
           </a:p>
@@ -6399,17 +5938,11 @@
             </a:pPr>
             <a:r>
               <a:rPr b="0" lang="en-US" sz="2000" spc="-1" strike="noStrike">
-                <a:solidFill>
-                  <a:srgbClr val="000000"/>
-                </a:solidFill>
                 <a:latin typeface="Arial"/>
               </a:rPr>
               <a:t>Sixth Outline Level</a:t>
             </a:r>
             <a:endParaRPr b="0" lang="en-US" sz="2000" spc="-1" strike="noStrike">
-              <a:solidFill>
-                <a:srgbClr val="000000"/>
-              </a:solidFill>
               <a:latin typeface="Arial"/>
             </a:endParaRPr>
           </a:p>
@@ -6427,17 +5960,11 @@
             </a:pPr>
             <a:r>
               <a:rPr b="0" lang="en-US" sz="2000" spc="-1" strike="noStrike">
-                <a:solidFill>
-                  <a:srgbClr val="000000"/>
-                </a:solidFill>
                 <a:latin typeface="Arial"/>
               </a:rPr>
               <a:t>Seventh Outline Level</a:t>
             </a:r>
             <a:endParaRPr b="0" lang="en-US" sz="2000" spc="-1" strike="noStrike">
-              <a:solidFill>
-                <a:srgbClr val="000000"/>
-              </a:solidFill>
               <a:latin typeface="Arial"/>
             </a:endParaRPr>
           </a:p>
@@ -6494,302 +6021,24 @@
             <a:spLocks noGrp="1"/>
           </p:cNvSpPr>
           <p:nvPr>
-            <p:ph type="title"/>
-          </p:nvPr>
-        </p:nvSpPr>
-        <p:spPr>
-          <a:xfrm>
-            <a:off x="311760" y="1057680"/>
-            <a:ext cx="8520120" cy="2011680"/>
-          </a:xfrm>
-          <a:prstGeom prst="rect">
-            <a:avLst/>
-          </a:prstGeom>
-          <a:noFill/>
-          <a:ln w="0">
-            <a:noFill/>
-          </a:ln>
-        </p:spPr>
-        <p:txBody>
-          <a:bodyPr tIns="91440" bIns="91440" anchor="b">
-            <a:noAutofit/>
-          </a:bodyPr>
-          <a:p>
-            <a:pPr algn="ctr">
-              <a:lnSpc>
-                <a:spcPct val="100000"/>
-              </a:lnSpc>
-              <a:buNone/>
-            </a:pPr>
-            <a:r>
-              <a:rPr b="0" lang="en-US" sz="12000" spc="-1" strike="noStrike">
-                <a:solidFill>
-                  <a:srgbClr val="000000"/>
-                </a:solidFill>
-                <a:latin typeface="Arial"/>
-                <a:ea typeface="Arial"/>
-              </a:rPr>
-              <a:t>xx%</a:t>
-            </a:r>
-            <a:endParaRPr b="0" lang="en-US" sz="12000" spc="-1" strike="noStrike">
-              <a:solidFill>
-                <a:srgbClr val="000000"/>
-              </a:solidFill>
-              <a:latin typeface="Arial"/>
-            </a:endParaRPr>
-          </a:p>
-        </p:txBody>
-      </p:sp>
-      <p:sp>
-        <p:nvSpPr>
-          <p:cNvPr id="79" name="PlaceHolder 2"/>
-          <p:cNvSpPr>
-            <a:spLocks noGrp="1"/>
-          </p:cNvSpPr>
-          <p:nvPr>
-            <p:ph type="body"/>
-          </p:nvPr>
-        </p:nvSpPr>
-        <p:spPr>
-          <a:xfrm>
-            <a:off x="311760" y="3152160"/>
-            <a:ext cx="8520120" cy="3166200"/>
-          </a:xfrm>
-          <a:prstGeom prst="rect">
-            <a:avLst/>
-          </a:prstGeom>
-          <a:noFill/>
-          <a:ln w="0">
-            <a:noFill/>
-          </a:ln>
-        </p:spPr>
-        <p:txBody>
-          <a:bodyPr tIns="91440" bIns="91440" anchor="t">
-            <a:noAutofit/>
-          </a:bodyPr>
-          <a:p>
-            <a:pPr marL="432000" indent="-324000">
-              <a:spcBef>
-                <a:spcPts val="1417"/>
-              </a:spcBef>
-              <a:buClr>
-                <a:srgbClr val="000000"/>
-              </a:buClr>
-              <a:buSzPct val="45000"/>
-              <a:buFont typeface="Wingdings" charset="2"/>
-              <a:buChar char=""/>
-            </a:pPr>
-            <a:r>
-              <a:rPr b="0" lang="en-US" sz="1800" spc="-1" strike="noStrike">
-                <a:solidFill>
-                  <a:srgbClr val="000000"/>
-                </a:solidFill>
-                <a:latin typeface="Arial"/>
-              </a:rPr>
-              <a:t>Click to edit the outline text format</a:t>
-            </a:r>
-            <a:endParaRPr b="0" lang="en-US" sz="1800" spc="-1" strike="noStrike">
-              <a:solidFill>
-                <a:srgbClr val="000000"/>
-              </a:solidFill>
-              <a:latin typeface="Arial"/>
-            </a:endParaRPr>
-          </a:p>
-          <a:p>
-            <a:pPr lvl="1" marL="864000" indent="-324000">
-              <a:spcBef>
-                <a:spcPts val="1134"/>
-              </a:spcBef>
-              <a:buClr>
-                <a:srgbClr val="000000"/>
-              </a:buClr>
-              <a:buSzPct val="75000"/>
-              <a:buFont typeface="Symbol" charset="2"/>
-              <a:buChar char=""/>
-            </a:pPr>
-            <a:r>
-              <a:rPr b="0" lang="en-US" sz="1800" spc="-1" strike="noStrike">
-                <a:solidFill>
-                  <a:srgbClr val="000000"/>
-                </a:solidFill>
-                <a:latin typeface="Arial"/>
-              </a:rPr>
-              <a:t>Second Outline Level</a:t>
-            </a:r>
-            <a:endParaRPr b="0" lang="en-US" sz="1800" spc="-1" strike="noStrike">
-              <a:solidFill>
-                <a:srgbClr val="000000"/>
-              </a:solidFill>
-              <a:latin typeface="Arial"/>
-            </a:endParaRPr>
-          </a:p>
-          <a:p>
-            <a:pPr lvl="2" marL="1296000" indent="-288000">
-              <a:spcBef>
-                <a:spcPts val="850"/>
-              </a:spcBef>
-              <a:buClr>
-                <a:srgbClr val="000000"/>
-              </a:buClr>
-              <a:buSzPct val="45000"/>
-              <a:buFont typeface="Wingdings" charset="2"/>
-              <a:buChar char=""/>
-            </a:pPr>
-            <a:r>
-              <a:rPr b="0" lang="en-US" sz="1800" spc="-1" strike="noStrike">
-                <a:solidFill>
-                  <a:srgbClr val="000000"/>
-                </a:solidFill>
-                <a:latin typeface="Arial"/>
-              </a:rPr>
-              <a:t>Third Outline Level</a:t>
-            </a:r>
-            <a:endParaRPr b="0" lang="en-US" sz="1800" spc="-1" strike="noStrike">
-              <a:solidFill>
-                <a:srgbClr val="000000"/>
-              </a:solidFill>
-              <a:latin typeface="Arial"/>
-            </a:endParaRPr>
-          </a:p>
-          <a:p>
-            <a:pPr lvl="3" marL="1728000" indent="-216000">
-              <a:spcBef>
-                <a:spcPts val="567"/>
-              </a:spcBef>
-              <a:buClr>
-                <a:srgbClr val="000000"/>
-              </a:buClr>
-              <a:buSzPct val="75000"/>
-              <a:buFont typeface="Symbol" charset="2"/>
-              <a:buChar char=""/>
-            </a:pPr>
-            <a:r>
-              <a:rPr b="0" lang="en-US" sz="1800" spc="-1" strike="noStrike">
-                <a:solidFill>
-                  <a:srgbClr val="000000"/>
-                </a:solidFill>
-                <a:latin typeface="Arial"/>
-              </a:rPr>
-              <a:t>Fourth Outline Level</a:t>
-            </a:r>
-            <a:endParaRPr b="0" lang="en-US" sz="1800" spc="-1" strike="noStrike">
-              <a:solidFill>
-                <a:srgbClr val="000000"/>
-              </a:solidFill>
-              <a:latin typeface="Arial"/>
-            </a:endParaRPr>
-          </a:p>
-          <a:p>
-            <a:pPr lvl="4" marL="2160000" indent="-216000">
-              <a:spcBef>
-                <a:spcPts val="283"/>
-              </a:spcBef>
-              <a:buClr>
-                <a:srgbClr val="000000"/>
-              </a:buClr>
-              <a:buSzPct val="45000"/>
-              <a:buFont typeface="Wingdings" charset="2"/>
-              <a:buChar char=""/>
-            </a:pPr>
-            <a:r>
-              <a:rPr b="0" lang="en-US" sz="1800" spc="-1" strike="noStrike">
-                <a:solidFill>
-                  <a:srgbClr val="000000"/>
-                </a:solidFill>
-                <a:latin typeface="Arial"/>
-              </a:rPr>
-              <a:t>Fifth Outline Level</a:t>
-            </a:r>
-            <a:endParaRPr b="0" lang="en-US" sz="1800" spc="-1" strike="noStrike">
-              <a:solidFill>
-                <a:srgbClr val="000000"/>
-              </a:solidFill>
-              <a:latin typeface="Arial"/>
-            </a:endParaRPr>
-          </a:p>
-          <a:p>
-            <a:pPr lvl="5" marL="2592000" indent="-216000">
-              <a:spcBef>
-                <a:spcPts val="283"/>
-              </a:spcBef>
-              <a:buClr>
-                <a:srgbClr val="000000"/>
-              </a:buClr>
-              <a:buSzPct val="45000"/>
-              <a:buFont typeface="Wingdings" charset="2"/>
-              <a:buChar char=""/>
-            </a:pPr>
-            <a:r>
-              <a:rPr b="0" lang="en-US" sz="1800" spc="-1" strike="noStrike">
-                <a:solidFill>
-                  <a:srgbClr val="000000"/>
-                </a:solidFill>
-                <a:latin typeface="Arial"/>
-              </a:rPr>
-              <a:t>Sixth Outline Level</a:t>
-            </a:r>
-            <a:endParaRPr b="0" lang="en-US" sz="1800" spc="-1" strike="noStrike">
-              <a:solidFill>
-                <a:srgbClr val="000000"/>
-              </a:solidFill>
-              <a:latin typeface="Arial"/>
-            </a:endParaRPr>
-          </a:p>
-          <a:p>
-            <a:pPr lvl="6" marL="3024000" indent="-216000">
-              <a:spcBef>
-                <a:spcPts val="283"/>
-              </a:spcBef>
-              <a:buClr>
-                <a:srgbClr val="000000"/>
-              </a:buClr>
-              <a:buSzPct val="45000"/>
-              <a:buFont typeface="Wingdings" charset="2"/>
-              <a:buChar char=""/>
-            </a:pPr>
-            <a:r>
-              <a:rPr b="0" lang="en-US" sz="1800" spc="-1" strike="noStrike">
-                <a:solidFill>
-                  <a:srgbClr val="000000"/>
-                </a:solidFill>
-                <a:latin typeface="Arial"/>
-              </a:rPr>
-              <a:t>Seventh Outline Level</a:t>
-            </a:r>
-            <a:endParaRPr b="0" lang="en-US" sz="1800" spc="-1" strike="noStrike">
-              <a:solidFill>
-                <a:srgbClr val="000000"/>
-              </a:solidFill>
-              <a:latin typeface="Arial"/>
-            </a:endParaRPr>
-          </a:p>
-        </p:txBody>
-      </p:sp>
-      <p:sp>
-        <p:nvSpPr>
-          <p:cNvPr id="80" name="PlaceHolder 3"/>
-          <p:cNvSpPr>
-            <a:spLocks noGrp="1"/>
-          </p:cNvSpPr>
-          <p:nvPr>
             <p:ph type="sldNum" idx="3"/>
           </p:nvPr>
         </p:nvSpPr>
         <p:spPr>
           <a:xfrm>
             <a:off x="8472600" y="3276720"/>
-            <a:ext cx="548280" cy="3166200"/>
-          </a:xfrm>
-          <a:prstGeom prst="rect">
-            <a:avLst/>
-          </a:prstGeom>
-          <a:noFill/>
-          <a:ln w="0">
-            <a:noFill/>
-          </a:ln>
-        </p:spPr>
-        <p:txBody>
-          <a:bodyPr tIns="91440" bIns="91440" anchor="ctr">
+            <a:ext cx="547920" cy="3165840"/>
+          </a:xfrm>
+          <a:prstGeom prst="rect">
+            <a:avLst/>
+          </a:prstGeom>
+          <a:noFill/>
+          <a:ln w="0">
+            <a:noFill/>
+          </a:ln>
+        </p:spPr>
+        <p:txBody>
+          <a:bodyPr lIns="90000" rIns="90000" tIns="91440" bIns="91440" anchor="ctr">
             <a:noAutofit/>
           </a:bodyPr>
           <a:lstStyle>
@@ -6820,7 +6069,7 @@
                 <a:tab algn="l" pos="0"/>
               </a:tabLst>
             </a:pPr>
-            <a:fld id="{47D2152F-185B-4026-8719-52B578FDDB89}" type="slidenum">
+            <a:fld id="{368698AB-664A-45AF-82D9-B087D28C5B98}" type="slidenum">
               <a:rPr b="0" lang="en" sz="1000" spc="-1" strike="noStrike">
                 <a:solidFill>
                   <a:srgbClr val="595959"/>
@@ -6832,6 +6081,232 @@
             </a:fld>
             <a:endParaRPr b="0" lang="en-US" sz="1000" spc="-1" strike="noStrike">
               <a:latin typeface="Times New Roman"/>
+            </a:endParaRPr>
+          </a:p>
+        </p:txBody>
+      </p:sp>
+      <p:sp>
+        <p:nvSpPr>
+          <p:cNvPr id="79" name="PlaceHolder 2"/>
+          <p:cNvSpPr>
+            <a:spLocks noGrp="1"/>
+          </p:cNvSpPr>
+          <p:nvPr>
+            <p:ph type="title"/>
+          </p:nvPr>
+        </p:nvSpPr>
+        <p:spPr>
+          <a:xfrm>
+            <a:off x="457200" y="205200"/>
+            <a:ext cx="8229240" cy="858600"/>
+          </a:xfrm>
+          <a:prstGeom prst="rect">
+            <a:avLst/>
+          </a:prstGeom>
+          <a:noFill/>
+          <a:ln w="0">
+            <a:noFill/>
+          </a:ln>
+        </p:spPr>
+        <p:txBody>
+          <a:bodyPr lIns="0" rIns="0" tIns="0" bIns="0" anchor="ctr">
+            <a:noAutofit/>
+          </a:bodyPr>
+          <a:p>
+            <a:pPr algn="ctr">
+              <a:buNone/>
+            </a:pPr>
+            <a:r>
+              <a:rPr b="0" lang="en-US" sz="4400" spc="-1" strike="noStrike">
+                <a:latin typeface="Arial"/>
+              </a:rPr>
+              <a:t>Click to edit the title text format</a:t>
+            </a:r>
+            <a:endParaRPr b="0" lang="en-US" sz="4400" spc="-1" strike="noStrike">
+              <a:latin typeface="Arial"/>
+            </a:endParaRPr>
+          </a:p>
+        </p:txBody>
+      </p:sp>
+      <p:sp>
+        <p:nvSpPr>
+          <p:cNvPr id="80" name="PlaceHolder 3"/>
+          <p:cNvSpPr>
+            <a:spLocks noGrp="1"/>
+          </p:cNvSpPr>
+          <p:nvPr>
+            <p:ph type="body"/>
+          </p:nvPr>
+        </p:nvSpPr>
+        <p:spPr>
+          <a:xfrm>
+            <a:off x="457200" y="1203480"/>
+            <a:ext cx="8229240" cy="2982960"/>
+          </a:xfrm>
+          <a:prstGeom prst="rect">
+            <a:avLst/>
+          </a:prstGeom>
+          <a:noFill/>
+          <a:ln w="0">
+            <a:noFill/>
+          </a:ln>
+        </p:spPr>
+        <p:txBody>
+          <a:bodyPr lIns="0" rIns="0" tIns="0" bIns="0" anchor="t">
+            <a:normAutofit/>
+          </a:bodyPr>
+          <a:p>
+            <a:pPr marL="432000" indent="-324000">
+              <a:spcBef>
+                <a:spcPts val="1417"/>
+              </a:spcBef>
+              <a:buClr>
+                <a:srgbClr val="000000"/>
+              </a:buClr>
+              <a:buSzPct val="45000"/>
+              <a:buFont typeface="Wingdings" charset="2"/>
+              <a:buChar char=""/>
+            </a:pPr>
+            <a:r>
+              <a:rPr b="0" lang="en-US" sz="3200" spc="-1" strike="noStrike">
+                <a:latin typeface="Arial"/>
+              </a:rPr>
+              <a:t>Click to edit the outline text format</a:t>
+            </a:r>
+            <a:endParaRPr b="0" lang="en-US" sz="3200" spc="-1" strike="noStrike">
+              <a:latin typeface="Arial"/>
+            </a:endParaRPr>
+          </a:p>
+          <a:p>
+            <a:pPr lvl="1" marL="864000" indent="-324000">
+              <a:spcBef>
+                <a:spcPts val="1134"/>
+              </a:spcBef>
+              <a:buClr>
+                <a:srgbClr val="000000"/>
+              </a:buClr>
+              <a:buSzPct val="75000"/>
+              <a:buFont typeface="Symbol" charset="2"/>
+              <a:buChar char=""/>
+            </a:pPr>
+            <a:r>
+              <a:rPr b="0" lang="en-US" sz="2800" spc="-1" strike="noStrike">
+                <a:latin typeface="Arial"/>
+              </a:rPr>
+              <a:t>Second Outline Level</a:t>
+            </a:r>
+            <a:endParaRPr b="0" lang="en-US" sz="2800" spc="-1" strike="noStrike">
+              <a:latin typeface="Arial"/>
+            </a:endParaRPr>
+          </a:p>
+          <a:p>
+            <a:pPr lvl="2" marL="1296000" indent="-288000">
+              <a:spcBef>
+                <a:spcPts val="850"/>
+              </a:spcBef>
+              <a:buClr>
+                <a:srgbClr val="000000"/>
+              </a:buClr>
+              <a:buSzPct val="45000"/>
+              <a:buFont typeface="Wingdings" charset="2"/>
+              <a:buChar char=""/>
+            </a:pPr>
+            <a:r>
+              <a:rPr b="0" lang="en-US" sz="2400" spc="-1" strike="noStrike">
+                <a:latin typeface="Arial"/>
+              </a:rPr>
+              <a:t>Third Outline Level</a:t>
+            </a:r>
+            <a:endParaRPr b="0" lang="en-US" sz="2400" spc="-1" strike="noStrike">
+              <a:latin typeface="Arial"/>
+            </a:endParaRPr>
+          </a:p>
+          <a:p>
+            <a:pPr lvl="3" marL="1728000" indent="-216000">
+              <a:spcBef>
+                <a:spcPts val="567"/>
+              </a:spcBef>
+              <a:buClr>
+                <a:srgbClr val="000000"/>
+              </a:buClr>
+              <a:buSzPct val="75000"/>
+              <a:buFont typeface="Symbol" charset="2"/>
+              <a:buChar char=""/>
+            </a:pPr>
+            <a:r>
+              <a:rPr b="0" lang="en-US" sz="2000" spc="-1" strike="noStrike">
+                <a:latin typeface="Arial"/>
+              </a:rPr>
+              <a:t>Fourth Outline Level</a:t>
+            </a:r>
+            <a:endParaRPr b="0" lang="en-US" sz="2000" spc="-1" strike="noStrike">
+              <a:latin typeface="Arial"/>
+            </a:endParaRPr>
+          </a:p>
+          <a:p>
+            <a:pPr lvl="4" marL="2160000" indent="-216000">
+              <a:spcBef>
+                <a:spcPts val="283"/>
+              </a:spcBef>
+              <a:buClr>
+                <a:srgbClr val="000000"/>
+              </a:buClr>
+              <a:buSzPct val="45000"/>
+              <a:buFont typeface="Wingdings" charset="2"/>
+              <a:buChar char=""/>
+            </a:pPr>
+            <a:r>
+              <a:rPr b="0" lang="en-US" sz="2000" spc="-1" strike="noStrike">
+                <a:latin typeface="Arial"/>
+              </a:rPr>
+              <a:t>Fifth Outline Level</a:t>
+            </a:r>
+            <a:endParaRPr b="0" lang="en-US" sz="2000" spc="-1" strike="noStrike">
+              <a:latin typeface="Arial"/>
+            </a:endParaRPr>
+          </a:p>
+          <a:p>
+            <a:pPr lvl="5" marL="2592000" indent="-216000">
+              <a:spcBef>
+                <a:spcPts val="283"/>
+              </a:spcBef>
+              <a:buClr>
+                <a:srgbClr val="000000"/>
+              </a:buClr>
+              <a:buSzPct val="45000"/>
+              <a:buFont typeface="Wingdings" charset="2"/>
+              <a:buChar char=""/>
+            </a:pPr>
+            <a:r>
+              <a:rPr b="0" lang="en-US" sz="2000" spc="-1" strike="noStrike">
+                <a:latin typeface="Arial"/>
+              </a:rPr>
+              <a:t>Sixth Outline Level</a:t>
+            </a:r>
+            <a:endParaRPr b="0" lang="en-US" sz="2000" spc="-1" strike="noStrike">
+              <a:latin typeface="Arial"/>
+            </a:endParaRPr>
+          </a:p>
+          <a:p>
+            <a:pPr lvl="6" marL="3024000" indent="-216000">
+              <a:spcBef>
+                <a:spcPts val="283"/>
+              </a:spcBef>
+              <a:buClr>
+                <a:srgbClr val="000000"/>
+              </a:buClr>
+              <a:buSzPct val="45000"/>
+              <a:buFont typeface="Wingdings" charset="2"/>
+              <a:buChar char=""/>
+            </a:pPr>
+            <a:r>
+              <a:rPr b="0" lang="en-US" sz="2000" spc="-1" strike="noStrike">
+                <a:latin typeface="Arial"/>
+              </a:rPr>
+              <a:t>Seventh Outline Level</a:t>
+            </a:r>
+            <a:endParaRPr b="0" lang="en-US" sz="2000" spc="-1" strike="noStrike">
+              <a:latin typeface="Arial"/>
             </a:endParaRPr>
           </a:p>
         </p:txBody>
@@ -6886,18 +6361,18 @@
         <p:spPr>
           <a:xfrm>
             <a:off x="273240" y="216360"/>
-            <a:ext cx="8597160" cy="1041840"/>
-          </a:xfrm>
-          <a:prstGeom prst="rect">
-            <a:avLst/>
-          </a:prstGeom>
-          <a:noFill/>
-          <a:ln w="0">
-            <a:noFill/>
-          </a:ln>
-        </p:spPr>
-        <p:txBody>
-          <a:bodyPr tIns="91440" bIns="91440" anchor="t">
+            <a:ext cx="8596800" cy="1041480"/>
+          </a:xfrm>
+          <a:prstGeom prst="rect">
+            <a:avLst/>
+          </a:prstGeom>
+          <a:noFill/>
+          <a:ln w="0">
+            <a:noFill/>
+          </a:ln>
+        </p:spPr>
+        <p:txBody>
+          <a:bodyPr lIns="0" rIns="0" tIns="91440" bIns="91440" anchor="t">
             <a:noAutofit/>
           </a:bodyPr>
           <a:p>
@@ -6941,9 +6416,6 @@
               <a:t>Open notebook in Google Colab</a:t>
             </a:r>
             <a:endParaRPr b="0" lang="en-US" sz="2300" spc="-1" strike="noStrike">
-              <a:solidFill>
-                <a:srgbClr val="000000"/>
-              </a:solidFill>
               <a:latin typeface="Arial"/>
             </a:endParaRPr>
           </a:p>
@@ -6962,18 +6434,18 @@
         <p:spPr>
           <a:xfrm>
             <a:off x="311760" y="847800"/>
-            <a:ext cx="8520120" cy="3075840"/>
-          </a:xfrm>
-          <a:prstGeom prst="rect">
-            <a:avLst/>
-          </a:prstGeom>
-          <a:noFill/>
-          <a:ln w="0">
-            <a:noFill/>
-          </a:ln>
-        </p:spPr>
-        <p:txBody>
-          <a:bodyPr tIns="91440" bIns="91440" anchor="t">
+            <a:ext cx="8519760" cy="3075480"/>
+          </a:xfrm>
+          <a:prstGeom prst="rect">
+            <a:avLst/>
+          </a:prstGeom>
+          <a:noFill/>
+          <a:ln w="0">
+            <a:noFill/>
+          </a:ln>
+        </p:spPr>
+        <p:txBody>
+          <a:bodyPr lIns="0" rIns="0" tIns="91440" bIns="91440" anchor="t">
             <a:noAutofit/>
           </a:bodyPr>
           <a:p>
@@ -6998,9 +6470,6 @@
               <a:t>ol1_binary_and_metric_indexing_exercise.ipynb</a:t>
             </a:r>
             <a:endParaRPr b="0" lang="en-US" sz="1800" spc="-1" strike="noStrike">
-              <a:solidFill>
-                <a:srgbClr val="000000"/>
-              </a:solidFill>
               <a:latin typeface="Arial"/>
             </a:endParaRPr>
           </a:p>
@@ -7026,9 +6495,6 @@
               <a:t>Link to the notebook in Teams chat.</a:t>
             </a:r>
             <a:endParaRPr b="0" lang="en-US" sz="1800" spc="-1" strike="noStrike">
-              <a:solidFill>
-                <a:srgbClr val="000000"/>
-              </a:solidFill>
               <a:latin typeface="Arial"/>
             </a:endParaRPr>
           </a:p>
@@ -7077,18 +6543,18 @@
         <p:spPr>
           <a:xfrm>
             <a:off x="311760" y="1449720"/>
-            <a:ext cx="8520120" cy="1041840"/>
-          </a:xfrm>
-          <a:prstGeom prst="rect">
-            <a:avLst/>
-          </a:prstGeom>
-          <a:noFill/>
-          <a:ln w="0">
-            <a:noFill/>
-          </a:ln>
-        </p:spPr>
-        <p:txBody>
-          <a:bodyPr tIns="91440" bIns="91440" anchor="b">
+            <a:ext cx="8519760" cy="1041480"/>
+          </a:xfrm>
+          <a:prstGeom prst="rect">
+            <a:avLst/>
+          </a:prstGeom>
+          <a:noFill/>
+          <a:ln w="0">
+            <a:noFill/>
+          </a:ln>
+        </p:spPr>
+        <p:txBody>
+          <a:bodyPr lIns="0" rIns="0" tIns="91440" bIns="91440" anchor="b">
             <a:noAutofit/>
           </a:bodyPr>
           <a:p>
@@ -7109,12 +6575,9 @@
                 <a:latin typeface="Arial"/>
                 <a:ea typeface="Arial"/>
               </a:rPr>
-              <a:t>DLMRA Open Lab #1</a:t>
+              <a:t>DLMR Open Lab #1</a:t>
             </a:r>
             <a:endParaRPr b="0" lang="en-US" sz="5200" spc="-1" strike="noStrike">
-              <a:solidFill>
-                <a:srgbClr val="000000"/>
-              </a:solidFill>
               <a:latin typeface="Arial"/>
             </a:endParaRPr>
           </a:p>
@@ -7133,18 +6596,18 @@
         <p:spPr>
           <a:xfrm>
             <a:off x="311760" y="2986560"/>
-            <a:ext cx="8520120" cy="3166200"/>
-          </a:xfrm>
-          <a:prstGeom prst="rect">
-            <a:avLst/>
-          </a:prstGeom>
-          <a:noFill/>
-          <a:ln w="0">
-            <a:noFill/>
-          </a:ln>
-        </p:spPr>
-        <p:txBody>
-          <a:bodyPr tIns="91440" bIns="91440" anchor="t">
+            <a:ext cx="8519760" cy="3165840"/>
+          </a:xfrm>
+          <a:prstGeom prst="rect">
+            <a:avLst/>
+          </a:prstGeom>
+          <a:noFill/>
+          <a:ln w="0">
+            <a:noFill/>
+          </a:ln>
+        </p:spPr>
+        <p:txBody>
+          <a:bodyPr lIns="0" rIns="0" tIns="91440" bIns="91440" anchor="t">
             <a:noAutofit/>
           </a:bodyPr>
           <a:p>
@@ -7227,7 +6690,7 @@
         <p:spPr>
           <a:xfrm>
             <a:off x="115200" y="91800"/>
-            <a:ext cx="2685600" cy="952200"/>
+            <a:ext cx="2685240" cy="951840"/>
           </a:xfrm>
           <a:prstGeom prst="rect">
             <a:avLst/>
@@ -7280,18 +6743,18 @@
         <p:spPr>
           <a:xfrm>
             <a:off x="311760" y="444960"/>
-            <a:ext cx="8520120" cy="1041840"/>
-          </a:xfrm>
-          <a:prstGeom prst="rect">
-            <a:avLst/>
-          </a:prstGeom>
-          <a:noFill/>
-          <a:ln w="0">
-            <a:noFill/>
-          </a:ln>
-        </p:spPr>
-        <p:txBody>
-          <a:bodyPr tIns="91440" bIns="91440" anchor="t">
+            <a:ext cx="8519760" cy="1041480"/>
+          </a:xfrm>
+          <a:prstGeom prst="rect">
+            <a:avLst/>
+          </a:prstGeom>
+          <a:noFill/>
+          <a:ln w="0">
+            <a:noFill/>
+          </a:ln>
+        </p:spPr>
+        <p:txBody>
+          <a:bodyPr lIns="0" rIns="0" tIns="91440" bIns="91440" anchor="t">
             <a:noAutofit/>
           </a:bodyPr>
           <a:p>
@@ -7312,222 +6775,249 @@
                 <a:latin typeface="Arial"/>
                 <a:ea typeface="Arial"/>
               </a:rPr>
-              <a:t>What we will do today</a:t>
+              <a:t>Fabio Carrara</a:t>
             </a:r>
             <a:endParaRPr b="0" lang="en-US" sz="2800" spc="-1" strike="noStrike">
-              <a:solidFill>
-                <a:srgbClr val="000000"/>
-              </a:solidFill>
-              <a:latin typeface="Arial"/>
-            </a:endParaRPr>
-          </a:p>
-        </p:txBody>
-      </p:sp>
-      <p:sp>
-        <p:nvSpPr>
-          <p:cNvPr id="123" name="Google Shape;69;p15"/>
-          <p:cNvSpPr/>
-          <p:nvPr/>
-        </p:nvSpPr>
-        <p:spPr>
-          <a:xfrm>
-            <a:off x="3460320" y="719280"/>
-            <a:ext cx="5341320" cy="4197600"/>
-          </a:xfrm>
-          <a:prstGeom prst="ellipse">
-            <a:avLst/>
-          </a:prstGeom>
-          <a:noFill/>
-          <a:ln w="9525">
-            <a:solidFill>
-              <a:srgbClr val="595959"/>
-            </a:solidFill>
-            <a:round/>
-          </a:ln>
-        </p:spPr>
-        <p:style>
-          <a:lnRef idx="0"/>
-          <a:fillRef idx="0"/>
-          <a:effectRef idx="0"/>
-          <a:fontRef idx="minor"/>
-        </p:style>
-      </p:sp>
-      <p:sp>
-        <p:nvSpPr>
-          <p:cNvPr id="124" name="Google Shape;70;p15"/>
-          <p:cNvSpPr/>
-          <p:nvPr/>
-        </p:nvSpPr>
-        <p:spPr>
-          <a:xfrm>
-            <a:off x="5119200" y="1537560"/>
-            <a:ext cx="3350880" cy="3071160"/>
-          </a:xfrm>
-          <a:prstGeom prst="ellipse">
-            <a:avLst/>
-          </a:prstGeom>
-          <a:solidFill>
-            <a:srgbClr val="ffffff"/>
-          </a:solidFill>
-          <a:ln w="9525">
-            <a:solidFill>
-              <a:srgbClr val="595959"/>
-            </a:solidFill>
-            <a:round/>
-          </a:ln>
-        </p:spPr>
-        <p:style>
-          <a:lnRef idx="0"/>
-          <a:fillRef idx="0"/>
-          <a:effectRef idx="0"/>
-          <a:fontRef idx="minor"/>
-        </p:style>
-      </p:sp>
-      <p:sp>
-        <p:nvSpPr>
-          <p:cNvPr id="125" name="Google Shape;71;p15"/>
-          <p:cNvSpPr/>
-          <p:nvPr/>
-        </p:nvSpPr>
-        <p:spPr>
-          <a:xfrm>
-            <a:off x="6317280" y="3185280"/>
-            <a:ext cx="1717920" cy="1181880"/>
-          </a:xfrm>
-          <a:prstGeom prst="ellipse">
-            <a:avLst/>
-          </a:prstGeom>
-          <a:solidFill>
-            <a:srgbClr val="ffffff"/>
-          </a:solidFill>
-          <a:ln w="9525">
-            <a:solidFill>
-              <a:srgbClr val="595959"/>
-            </a:solidFill>
-            <a:round/>
-          </a:ln>
-        </p:spPr>
-        <p:style>
-          <a:lnRef idx="0"/>
-          <a:fillRef idx="0"/>
-          <a:effectRef idx="0"/>
-          <a:fontRef idx="minor"/>
-        </p:style>
-      </p:sp>
-      <p:sp>
-        <p:nvSpPr>
-          <p:cNvPr id="126" name="Google Shape;72;p15"/>
-          <p:cNvSpPr/>
-          <p:nvPr/>
-        </p:nvSpPr>
-        <p:spPr>
-          <a:xfrm>
-            <a:off x="6729480" y="3230640"/>
-            <a:ext cx="893160" cy="609480"/>
-          </a:xfrm>
-          <a:prstGeom prst="rect">
-            <a:avLst/>
-          </a:prstGeom>
-          <a:noFill/>
-          <a:ln w="0">
-            <a:noFill/>
-          </a:ln>
-        </p:spPr>
-        <p:style>
-          <a:lnRef idx="0"/>
-          <a:fillRef idx="0"/>
-          <a:effectRef idx="0"/>
-          <a:fontRef idx="minor"/>
-        </p:style>
-        <p:txBody>
-          <a:bodyPr tIns="91440" bIns="91440" anchor="t">
-            <a:spAutoFit/>
-          </a:bodyPr>
-          <a:p>
-            <a:pPr algn="ctr">
+              <a:latin typeface="Arial"/>
+            </a:endParaRPr>
+          </a:p>
+        </p:txBody>
+      </p:sp>
+      <p:sp>
+        <p:nvSpPr>
+          <p:cNvPr id="123" name="PlaceHolder 2"/>
+          <p:cNvSpPr>
+            <a:spLocks noGrp="1"/>
+          </p:cNvSpPr>
+          <p:nvPr>
+            <p:ph/>
+          </p:nvPr>
+        </p:nvSpPr>
+        <p:spPr>
+          <a:xfrm>
+            <a:off x="311760" y="1152360"/>
+            <a:ext cx="8519760" cy="3173760"/>
+          </a:xfrm>
+          <a:prstGeom prst="rect">
+            <a:avLst/>
+          </a:prstGeom>
+          <a:noFill/>
+          <a:ln w="0">
+            <a:noFill/>
+          </a:ln>
+        </p:spPr>
+        <p:txBody>
+          <a:bodyPr lIns="0" rIns="0" tIns="91440" bIns="91440" anchor="t">
+            <a:noAutofit/>
+          </a:bodyPr>
+          <a:p>
+            <a:pPr marL="457200" indent="-343080">
               <a:lnSpc>
-                <a:spcPct val="100000"/>
+                <a:spcPct val="115000"/>
               </a:lnSpc>
+              <a:buClr>
+                <a:srgbClr val="595959"/>
+              </a:buClr>
+              <a:buFont typeface="Arial"/>
+              <a:buChar char="-"/>
+            </a:pPr>
+            <a:r>
+              <a:rPr b="0" lang="en" sz="1800" spc="-1" strike="noStrike" u="sng">
+                <a:solidFill>
+                  <a:srgbClr val="0097a7"/>
+                </a:solidFill>
+                <a:uFillTx/>
+                <a:latin typeface="Arial"/>
+                <a:ea typeface="Arial"/>
+                <a:hlinkClick r:id="rId1"/>
+              </a:rPr>
+              <a:t>fabio.carrara@isti.cnr.it</a:t>
+            </a:r>
+            <a:r>
+              <a:rPr b="0" lang="en" sz="1800" spc="-1" strike="noStrike">
+                <a:solidFill>
+                  <a:srgbClr val="595959"/>
+                </a:solidFill>
+                <a:latin typeface="Arial"/>
+                <a:ea typeface="Arial"/>
+              </a:rPr>
+              <a:t> </a:t>
+            </a:r>
+            <a:endParaRPr b="0" lang="en-US" sz="1800" spc="-1" strike="noStrike">
+              <a:latin typeface="Arial"/>
+            </a:endParaRPr>
+          </a:p>
+          <a:p>
+            <a:pPr marL="457200" indent="-343080">
+              <a:lnSpc>
+                <a:spcPct val="115000"/>
+              </a:lnSpc>
+              <a:buClr>
+                <a:srgbClr val="595959"/>
+              </a:buClr>
+              <a:buFont typeface="Arial"/>
+              <a:buChar char="-"/>
+            </a:pPr>
+            <a:r>
+              <a:rPr b="0" lang="en" sz="1800" spc="-1" strike="noStrike" u="sng">
+                <a:solidFill>
+                  <a:srgbClr val="0097a7"/>
+                </a:solidFill>
+                <a:uFillTx/>
+                <a:latin typeface="Arial"/>
+                <a:ea typeface="Arial"/>
+                <a:hlinkClick r:id="rId2"/>
+              </a:rPr>
+              <a:t>https://github.com/fabiocarrara</a:t>
+            </a:r>
+            <a:r>
+              <a:rPr b="0" lang="en" sz="1800" spc="-1" strike="noStrike">
+                <a:solidFill>
+                  <a:srgbClr val="595959"/>
+                </a:solidFill>
+                <a:latin typeface="Arial"/>
+                <a:ea typeface="Arial"/>
+              </a:rPr>
+              <a:t> </a:t>
+            </a:r>
+            <a:endParaRPr b="0" lang="en-US" sz="1800" spc="-1" strike="noStrike">
+              <a:latin typeface="Arial"/>
+            </a:endParaRPr>
+          </a:p>
+          <a:p>
+            <a:pPr>
+              <a:lnSpc>
+                <a:spcPct val="115000"/>
+              </a:lnSpc>
+              <a:spcBef>
+                <a:spcPts val="1199"/>
+              </a:spcBef>
               <a:buNone/>
               <a:tabLst>
                 <a:tab algn="l" pos="0"/>
               </a:tabLst>
             </a:pPr>
+            <a:endParaRPr b="0" lang="en-US" sz="1800" spc="-1" strike="noStrike">
+              <a:latin typeface="Arial"/>
+            </a:endParaRPr>
+          </a:p>
+          <a:p>
+            <a:pPr marL="457200" indent="-343080">
+              <a:lnSpc>
+                <a:spcPct val="115000"/>
+              </a:lnSpc>
+              <a:spcBef>
+                <a:spcPts val="1199"/>
+              </a:spcBef>
+              <a:buClr>
+                <a:srgbClr val="595959"/>
+              </a:buClr>
+              <a:buFont typeface="Arial"/>
+              <a:buChar char="●"/>
+              <a:tabLst>
+                <a:tab algn="l" pos="0"/>
+              </a:tabLst>
+            </a:pPr>
             <a:r>
-              <a:rPr b="1" lang="en" sz="1400" spc="-1" strike="noStrike">
+              <a:rPr b="0" lang="en" sz="1800" spc="-1" strike="noStrike">
                 <a:solidFill>
-                  <a:srgbClr val="000000"/>
+                  <a:srgbClr val="595959"/>
                 </a:solidFill>
                 <a:latin typeface="Arial"/>
                 <a:ea typeface="Arial"/>
               </a:rPr>
-              <a:t>Binary</a:t>
+              <a:t>PhD in Computer Engineering @ UniPi</a:t>
+            </a:r>
+            <a:endParaRPr b="0" lang="en-US" sz="1800" spc="-1" strike="noStrike">
+              <a:latin typeface="Arial"/>
+            </a:endParaRPr>
+          </a:p>
+          <a:p>
+            <a:pPr lvl="1" marL="914400" indent="-317520">
+              <a:lnSpc>
+                <a:spcPct val="115000"/>
+              </a:lnSpc>
+              <a:buClr>
+                <a:srgbClr val="595959"/>
+              </a:buClr>
+              <a:buFont typeface="Arial"/>
+              <a:buChar char="○"/>
+              <a:tabLst>
+                <a:tab algn="l" pos="0"/>
+              </a:tabLst>
+            </a:pPr>
+            <a:r>
+              <a:rPr b="0" lang="en" sz="1400" spc="-1" strike="noStrike">
+                <a:solidFill>
+                  <a:srgbClr val="595959"/>
+                </a:solidFill>
+                <a:latin typeface="Arial"/>
+                <a:ea typeface="Arial"/>
+              </a:rPr>
+              <a:t>Deep Learning for Image Representation and Retrieval</a:t>
             </a:r>
             <a:endParaRPr b="0" lang="en-US" sz="1400" spc="-1" strike="noStrike">
               <a:latin typeface="Arial"/>
             </a:endParaRPr>
           </a:p>
           <a:p>
-            <a:pPr algn="ctr">
+            <a:pPr>
               <a:lnSpc>
-                <a:spcPct val="100000"/>
+                <a:spcPct val="115000"/>
               </a:lnSpc>
+              <a:spcBef>
+                <a:spcPts val="1199"/>
+              </a:spcBef>
               <a:buNone/>
               <a:tabLst>
                 <a:tab algn="l" pos="0"/>
               </a:tabLst>
             </a:pPr>
+            <a:endParaRPr b="0" lang="en-US" sz="1800" spc="-1" strike="noStrike">
+              <a:latin typeface="Arial"/>
+            </a:endParaRPr>
+          </a:p>
+          <a:p>
+            <a:pPr marL="457200" indent="-343080">
+              <a:lnSpc>
+                <a:spcPct val="115000"/>
+              </a:lnSpc>
+              <a:spcBef>
+                <a:spcPts val="1199"/>
+              </a:spcBef>
+              <a:buClr>
+                <a:srgbClr val="595959"/>
+              </a:buClr>
+              <a:buFont typeface="Arial"/>
+              <a:buChar char="●"/>
+              <a:tabLst>
+                <a:tab algn="l" pos="0"/>
+              </a:tabLst>
+            </a:pPr>
             <a:r>
-              <a:rPr b="1" lang="en" sz="1400" spc="-1" strike="noStrike">
+              <a:rPr b="0" lang="en" sz="1800" spc="-1" strike="noStrike">
                 <a:solidFill>
-                  <a:srgbClr val="000000"/>
+                  <a:srgbClr val="595959"/>
                 </a:solidFill>
                 <a:latin typeface="Arial"/>
                 <a:ea typeface="Arial"/>
               </a:rPr>
-              <a:t>Vectors</a:t>
+              <a:t>PostDoc @ Istituto di Scienza e Tecnologie dell'Informazione (ISTI) - CNR</a:t>
             </a:r>
-            <a:endParaRPr b="0" lang="en-US" sz="1400" spc="-1" strike="noStrike">
-              <a:latin typeface="Arial"/>
-            </a:endParaRPr>
-          </a:p>
-        </p:txBody>
-      </p:sp>
-      <p:sp>
-        <p:nvSpPr>
-          <p:cNvPr id="127" name="Google Shape;73;p15"/>
-          <p:cNvSpPr/>
-          <p:nvPr/>
-        </p:nvSpPr>
-        <p:spPr>
-          <a:xfrm rot="20238600">
-            <a:off x="3628080" y="1873800"/>
-            <a:ext cx="2107080" cy="396360"/>
-          </a:xfrm>
-          <a:prstGeom prst="rect">
-            <a:avLst/>
-          </a:prstGeom>
-          <a:noFill/>
-          <a:ln w="0">
-            <a:noFill/>
-          </a:ln>
-        </p:spPr>
-        <p:style>
-          <a:lnRef idx="0"/>
-          <a:fillRef idx="0"/>
-          <a:effectRef idx="0"/>
-          <a:fontRef idx="minor"/>
-        </p:style>
-        <p:txBody>
-          <a:bodyPr tIns="91440" bIns="91440" anchor="t">
-            <a:spAutoFit/>
-          </a:bodyPr>
-          <a:p>
-            <a:pPr>
+            <a:endParaRPr b="0" lang="en-US" sz="1800" spc="-1" strike="noStrike">
+              <a:latin typeface="Arial"/>
+            </a:endParaRPr>
+          </a:p>
+          <a:p>
+            <a:pPr lvl="1" marL="914400" indent="-317520">
               <a:lnSpc>
-                <a:spcPct val="100000"/>
+                <a:spcPct val="115000"/>
               </a:lnSpc>
-              <a:buNone/>
+              <a:buClr>
+                <a:srgbClr val="595959"/>
+              </a:buClr>
+              <a:buFont typeface="Arial"/>
+              <a:buChar char="○"/>
               <a:tabLst>
                 <a:tab algn="l" pos="0"/>
               </a:tabLst>
@@ -7535,12 +7025,12 @@
             <a:r>
               <a:rPr b="0" lang="en" sz="1400" spc="-1" strike="noStrike">
                 <a:solidFill>
-                  <a:srgbClr val="000000"/>
+                  <a:srgbClr val="595959"/>
                 </a:solidFill>
                 <a:latin typeface="Arial"/>
                 <a:ea typeface="Arial"/>
               </a:rPr>
-              <a:t>(Strings, Edit Distance)</a:t>
+              <a:t>AIMH (Artificial Intelligence for Media and Humanities) Lab</a:t>
             </a:r>
             <a:endParaRPr b="0" lang="en-US" sz="1400" spc="-1" strike="noStrike">
               <a:latin typeface="Arial"/>
@@ -7550,53 +7040,7 @@
       </p:sp>
       <p:pic>
         <p:nvPicPr>
-          <p:cNvPr id="128" name="Google Shape;74;p15" descr=""/>
-          <p:cNvPicPr/>
-          <p:nvPr/>
-        </p:nvPicPr>
-        <p:blipFill>
-          <a:blip r:embed="rId1"/>
-          <a:stretch/>
-        </p:blipFill>
-        <p:spPr>
-          <a:xfrm>
-            <a:off x="5934600" y="2345040"/>
-            <a:ext cx="795240" cy="251640"/>
-          </a:xfrm>
-          <a:prstGeom prst="rect">
-            <a:avLst/>
-          </a:prstGeom>
-          <a:ln w="0">
-            <a:noFill/>
-          </a:ln>
-        </p:spPr>
-      </p:pic>
-      <p:pic>
-        <p:nvPicPr>
-          <p:cNvPr id="129" name="Google Shape;75;p15" descr=""/>
-          <p:cNvPicPr/>
-          <p:nvPr/>
-        </p:nvPicPr>
-        <p:blipFill>
-          <a:blip r:embed="rId2"/>
-          <a:stretch/>
-        </p:blipFill>
-        <p:spPr>
-          <a:xfrm>
-            <a:off x="5423760" y="3013200"/>
-            <a:ext cx="893160" cy="258840"/>
-          </a:xfrm>
-          <a:prstGeom prst="rect">
-            <a:avLst/>
-          </a:prstGeom>
-          <a:ln w="0">
-            <a:noFill/>
-          </a:ln>
-        </p:spPr>
-      </p:pic>
-      <p:pic>
-        <p:nvPicPr>
-          <p:cNvPr id="130" name="Google Shape;76;p15" descr=""/>
+          <p:cNvPr id="124" name="Google Shape;69;p 2" descr=""/>
           <p:cNvPicPr/>
           <p:nvPr/>
         </p:nvPicPr>
@@ -7606,8 +7050,8 @@
         </p:blipFill>
         <p:spPr>
           <a:xfrm>
-            <a:off x="6577920" y="3881160"/>
-            <a:ext cx="1325160" cy="176760"/>
+            <a:off x="5917680" y="194400"/>
+            <a:ext cx="2685240" cy="2532960"/>
           </a:xfrm>
           <a:prstGeom prst="rect">
             <a:avLst/>
@@ -7617,116 +7061,6 @@
           </a:ln>
         </p:spPr>
       </p:pic>
-      <p:sp>
-        <p:nvSpPr>
-          <p:cNvPr id="131" name="Google Shape;77;p15"/>
-          <p:cNvSpPr/>
-          <p:nvPr/>
-        </p:nvSpPr>
-        <p:spPr>
-          <a:xfrm rot="600">
-            <a:off x="5361120" y="861840"/>
-            <a:ext cx="1538640" cy="396360"/>
-          </a:xfrm>
-          <a:prstGeom prst="rect">
-            <a:avLst/>
-          </a:prstGeom>
-          <a:noFill/>
-          <a:ln w="0">
-            <a:noFill/>
-          </a:ln>
-        </p:spPr>
-        <p:style>
-          <a:lnRef idx="0"/>
-          <a:fillRef idx="0"/>
-          <a:effectRef idx="0"/>
-          <a:fontRef idx="minor"/>
-        </p:style>
-        <p:txBody>
-          <a:bodyPr tIns="91440" bIns="91440" anchor="t">
-            <a:spAutoFit/>
-          </a:bodyPr>
-          <a:p>
-            <a:pPr algn="ctr">
-              <a:lnSpc>
-                <a:spcPct val="100000"/>
-              </a:lnSpc>
-              <a:buNone/>
-              <a:tabLst>
-                <a:tab algn="l" pos="0"/>
-              </a:tabLst>
-            </a:pPr>
-            <a:r>
-              <a:rPr b="1" lang="en" sz="1400" spc="-1" strike="noStrike">
-                <a:solidFill>
-                  <a:srgbClr val="000000"/>
-                </a:solidFill>
-                <a:latin typeface="Arial"/>
-                <a:ea typeface="Arial"/>
-              </a:rPr>
-              <a:t>Metric Objects</a:t>
-            </a:r>
-            <a:endParaRPr b="0" lang="en-US" sz="1400" spc="-1" strike="noStrike">
-              <a:latin typeface="Arial"/>
-            </a:endParaRPr>
-          </a:p>
-        </p:txBody>
-      </p:sp>
-      <p:sp>
-        <p:nvSpPr>
-          <p:cNvPr id="132" name="Google Shape;78;p15"/>
-          <p:cNvSpPr/>
-          <p:nvPr/>
-        </p:nvSpPr>
-        <p:spPr>
-          <a:xfrm>
-            <a:off x="5735880" y="1777320"/>
-            <a:ext cx="2146680" cy="396360"/>
-          </a:xfrm>
-          <a:prstGeom prst="rect">
-            <a:avLst/>
-          </a:prstGeom>
-          <a:noFill/>
-          <a:ln w="0">
-            <a:noFill/>
-          </a:ln>
-        </p:spPr>
-        <p:style>
-          <a:lnRef idx="0"/>
-          <a:fillRef idx="0"/>
-          <a:effectRef idx="0"/>
-          <a:fontRef idx="minor"/>
-        </p:style>
-        <p:txBody>
-          <a:bodyPr tIns="91440" bIns="91440" anchor="t">
-            <a:spAutoFit/>
-          </a:bodyPr>
-          <a:p>
-            <a:pPr algn="ctr">
-              <a:lnSpc>
-                <a:spcPct val="100000"/>
-              </a:lnSpc>
-              <a:buNone/>
-              <a:tabLst>
-                <a:tab algn="l" pos="0"/>
-              </a:tabLst>
-            </a:pPr>
-            <a:r>
-              <a:rPr b="1" lang="en" sz="1400" spc="-1" strike="noStrike">
-                <a:solidFill>
-                  <a:srgbClr val="000000"/>
-                </a:solidFill>
-                <a:latin typeface="Arial"/>
-                <a:ea typeface="Arial"/>
-              </a:rPr>
-              <a:t>Euclidean Vectors</a:t>
-            </a:r>
-            <a:endParaRPr b="0" lang="en-US" sz="1400" spc="-1" strike="noStrike">
-              <a:latin typeface="Arial"/>
-            </a:endParaRPr>
-          </a:p>
-        </p:txBody>
-      </p:sp>
     </p:spTree>
   </p:cSld>
   <mc:AlternateContent>
@@ -7759,7 +7093,7 @@
       </p:grpSpPr>
       <p:sp>
         <p:nvSpPr>
-          <p:cNvPr id="133" name="PlaceHolder 1"/>
+          <p:cNvPr id="125" name="PlaceHolder 1"/>
           <p:cNvSpPr>
             <a:spLocks noGrp="1"/>
           </p:cNvSpPr>
@@ -7770,18 +7104,18 @@
         <p:spPr>
           <a:xfrm>
             <a:off x="311760" y="444960"/>
-            <a:ext cx="8520120" cy="1041840"/>
-          </a:xfrm>
-          <a:prstGeom prst="rect">
-            <a:avLst/>
-          </a:prstGeom>
-          <a:noFill/>
-          <a:ln w="0">
-            <a:noFill/>
-          </a:ln>
-        </p:spPr>
-        <p:txBody>
-          <a:bodyPr tIns="91440" bIns="91440" anchor="t">
+            <a:ext cx="8519760" cy="1041480"/>
+          </a:xfrm>
+          <a:prstGeom prst="rect">
+            <a:avLst/>
+          </a:prstGeom>
+          <a:noFill/>
+          <a:ln w="0">
+            <a:noFill/>
+          </a:ln>
+        </p:spPr>
+        <p:txBody>
+          <a:bodyPr lIns="0" rIns="0" tIns="91440" bIns="91440" anchor="t">
             <a:noAutofit/>
           </a:bodyPr>
           <a:p>
@@ -7805,94 +7139,21 @@
               <a:t>What we will do today</a:t>
             </a:r>
             <a:endParaRPr b="0" lang="en-US" sz="2800" spc="-1" strike="noStrike">
-              <a:solidFill>
-                <a:srgbClr val="000000"/>
-              </a:solidFill>
-              <a:latin typeface="Arial"/>
-            </a:endParaRPr>
-          </a:p>
-        </p:txBody>
-      </p:sp>
-      <p:sp>
-        <p:nvSpPr>
-          <p:cNvPr id="134" name="PlaceHolder 2"/>
-          <p:cNvSpPr>
-            <a:spLocks noGrp="1"/>
-          </p:cNvSpPr>
-          <p:nvPr>
-            <p:ph/>
-          </p:nvPr>
-        </p:nvSpPr>
-        <p:spPr>
-          <a:xfrm>
-            <a:off x="311760" y="1305000"/>
-            <a:ext cx="3282120" cy="3075840"/>
-          </a:xfrm>
-          <a:prstGeom prst="rect">
-            <a:avLst/>
-          </a:prstGeom>
-          <a:noFill/>
-          <a:ln w="0">
-            <a:noFill/>
-          </a:ln>
-        </p:spPr>
-        <p:txBody>
-          <a:bodyPr tIns="91440" bIns="91440" anchor="t">
-            <a:noAutofit/>
-          </a:bodyPr>
-          <a:p>
-            <a:pPr marL="457200" indent="-343080">
-              <a:lnSpc>
-                <a:spcPct val="115000"/>
-              </a:lnSpc>
-              <a:buClr>
-                <a:srgbClr val="595959"/>
-              </a:buClr>
-              <a:buFont typeface="Arial"/>
-              <a:buChar char="●"/>
-            </a:pPr>
-            <a:r>
-              <a:rPr b="1" lang="en" sz="1800" spc="-1" strike="noStrike">
-                <a:solidFill>
-                  <a:srgbClr val="595959"/>
-                </a:solidFill>
-                <a:latin typeface="Arial"/>
-                <a:ea typeface="Arial"/>
-              </a:rPr>
-              <a:t>Index Binary Vectors</a:t>
-            </a:r>
-            <a:br>
-              <a:rPr sz="1800"/>
-            </a:br>
-            <a:r>
-              <a:rPr b="0" lang="en" sz="1800" spc="-1" strike="noStrike">
-                <a:solidFill>
-                  <a:srgbClr val="595959"/>
-                </a:solidFill>
-                <a:latin typeface="Arial"/>
-                <a:ea typeface="Arial"/>
-              </a:rPr>
-              <a:t>(Hamming distance)</a:t>
-            </a:r>
-            <a:endParaRPr b="0" lang="en-US" sz="1800" spc="-1" strike="noStrike">
-              <a:solidFill>
-                <a:srgbClr val="000000"/>
-              </a:solidFill>
-              <a:latin typeface="Arial"/>
-            </a:endParaRPr>
-          </a:p>
-        </p:txBody>
-      </p:sp>
-      <p:sp>
-        <p:nvSpPr>
-          <p:cNvPr id="135" name="Google Shape;85;p16"/>
+              <a:latin typeface="Arial"/>
+            </a:endParaRPr>
+          </a:p>
+        </p:txBody>
+      </p:sp>
+      <p:sp>
+        <p:nvSpPr>
+          <p:cNvPr id="126" name="Google Shape;69;p15"/>
           <p:cNvSpPr/>
           <p:nvPr/>
         </p:nvSpPr>
         <p:spPr>
           <a:xfrm>
             <a:off x="3460320" y="719280"/>
-            <a:ext cx="5341320" cy="4197600"/>
+            <a:ext cx="5340960" cy="4197240"/>
           </a:xfrm>
           <a:prstGeom prst="ellipse">
             <a:avLst/>
@@ -7914,21 +7175,26 @@
       </p:sp>
       <p:sp>
         <p:nvSpPr>
-          <p:cNvPr id="136" name="Google Shape;86;p16"/>
+          <p:cNvPr id="127" name="Google Shape;70;p15"/>
           <p:cNvSpPr/>
           <p:nvPr/>
         </p:nvSpPr>
         <p:spPr>
-          <a:xfrm rot="600">
-            <a:off x="5361120" y="861840"/>
-            <a:ext cx="1538640" cy="396360"/>
-          </a:xfrm>
-          <a:prstGeom prst="rect">
-            <a:avLst/>
-          </a:prstGeom>
-          <a:noFill/>
-          <a:ln w="0">
-            <a:noFill/>
+          <a:xfrm>
+            <a:off x="5119200" y="1537560"/>
+            <a:ext cx="3350520" cy="3070800"/>
+          </a:xfrm>
+          <a:prstGeom prst="ellipse">
+            <a:avLst/>
+          </a:prstGeom>
+          <a:solidFill>
+            <a:srgbClr val="ffffff"/>
+          </a:solidFill>
+          <a:ln w="9525">
+            <a:solidFill>
+              <a:srgbClr val="595959"/>
+            </a:solidFill>
+            <a:round/>
           </a:ln>
         </p:spPr>
         <p:style>
@@ -7937,8 +7203,268 @@
           <a:effectRef idx="0"/>
           <a:fontRef idx="minor"/>
         </p:style>
-        <p:txBody>
-          <a:bodyPr tIns="91440" bIns="91440" anchor="t">
+      </p:sp>
+      <p:sp>
+        <p:nvSpPr>
+          <p:cNvPr id="128" name="Google Shape;71;p15"/>
+          <p:cNvSpPr/>
+          <p:nvPr/>
+        </p:nvSpPr>
+        <p:spPr>
+          <a:xfrm>
+            <a:off x="6317280" y="3185280"/>
+            <a:ext cx="1717560" cy="1181520"/>
+          </a:xfrm>
+          <a:prstGeom prst="ellipse">
+            <a:avLst/>
+          </a:prstGeom>
+          <a:solidFill>
+            <a:srgbClr val="ffffff"/>
+          </a:solidFill>
+          <a:ln w="9525">
+            <a:solidFill>
+              <a:srgbClr val="595959"/>
+            </a:solidFill>
+            <a:round/>
+          </a:ln>
+        </p:spPr>
+        <p:style>
+          <a:lnRef idx="0"/>
+          <a:fillRef idx="0"/>
+          <a:effectRef idx="0"/>
+          <a:fontRef idx="minor"/>
+        </p:style>
+      </p:sp>
+      <p:sp>
+        <p:nvSpPr>
+          <p:cNvPr id="129" name="Google Shape;72;p15"/>
+          <p:cNvSpPr/>
+          <p:nvPr/>
+        </p:nvSpPr>
+        <p:spPr>
+          <a:xfrm>
+            <a:off x="6729480" y="3230640"/>
+            <a:ext cx="892800" cy="609120"/>
+          </a:xfrm>
+          <a:prstGeom prst="rect">
+            <a:avLst/>
+          </a:prstGeom>
+          <a:noFill/>
+          <a:ln w="0">
+            <a:noFill/>
+          </a:ln>
+        </p:spPr>
+        <p:style>
+          <a:lnRef idx="0"/>
+          <a:fillRef idx="0"/>
+          <a:effectRef idx="0"/>
+          <a:fontRef idx="minor"/>
+        </p:style>
+        <p:txBody>
+          <a:bodyPr lIns="90000" rIns="90000" tIns="91440" bIns="91440" anchor="t">
+            <a:spAutoFit/>
+          </a:bodyPr>
+          <a:p>
+            <a:pPr algn="ctr">
+              <a:lnSpc>
+                <a:spcPct val="100000"/>
+              </a:lnSpc>
+              <a:buNone/>
+              <a:tabLst>
+                <a:tab algn="l" pos="0"/>
+              </a:tabLst>
+            </a:pPr>
+            <a:r>
+              <a:rPr b="1" lang="en" sz="1400" spc="-1" strike="noStrike">
+                <a:solidFill>
+                  <a:srgbClr val="000000"/>
+                </a:solidFill>
+                <a:latin typeface="Arial"/>
+                <a:ea typeface="Arial"/>
+              </a:rPr>
+              <a:t>Binary</a:t>
+            </a:r>
+            <a:endParaRPr b="0" lang="en-US" sz="1400" spc="-1" strike="noStrike">
+              <a:latin typeface="Arial"/>
+            </a:endParaRPr>
+          </a:p>
+          <a:p>
+            <a:pPr algn="ctr">
+              <a:lnSpc>
+                <a:spcPct val="100000"/>
+              </a:lnSpc>
+              <a:buNone/>
+              <a:tabLst>
+                <a:tab algn="l" pos="0"/>
+              </a:tabLst>
+            </a:pPr>
+            <a:r>
+              <a:rPr b="1" lang="en" sz="1400" spc="-1" strike="noStrike">
+                <a:solidFill>
+                  <a:srgbClr val="000000"/>
+                </a:solidFill>
+                <a:latin typeface="Arial"/>
+                <a:ea typeface="Arial"/>
+              </a:rPr>
+              <a:t>Vectors</a:t>
+            </a:r>
+            <a:endParaRPr b="0" lang="en-US" sz="1400" spc="-1" strike="noStrike">
+              <a:latin typeface="Arial"/>
+            </a:endParaRPr>
+          </a:p>
+        </p:txBody>
+      </p:sp>
+      <p:sp>
+        <p:nvSpPr>
+          <p:cNvPr id="130" name="Google Shape;73;p15"/>
+          <p:cNvSpPr/>
+          <p:nvPr/>
+        </p:nvSpPr>
+        <p:spPr>
+          <a:xfrm rot="20238600">
+            <a:off x="3627720" y="1873440"/>
+            <a:ext cx="2106720" cy="396000"/>
+          </a:xfrm>
+          <a:prstGeom prst="rect">
+            <a:avLst/>
+          </a:prstGeom>
+          <a:noFill/>
+          <a:ln w="0">
+            <a:noFill/>
+          </a:ln>
+        </p:spPr>
+        <p:style>
+          <a:lnRef idx="0"/>
+          <a:fillRef idx="0"/>
+          <a:effectRef idx="0"/>
+          <a:fontRef idx="minor"/>
+        </p:style>
+        <p:txBody>
+          <a:bodyPr lIns="90000" rIns="90000" tIns="91440" bIns="91440" anchor="t">
+            <a:spAutoFit/>
+          </a:bodyPr>
+          <a:p>
+            <a:pPr>
+              <a:lnSpc>
+                <a:spcPct val="100000"/>
+              </a:lnSpc>
+              <a:buNone/>
+              <a:tabLst>
+                <a:tab algn="l" pos="0"/>
+              </a:tabLst>
+            </a:pPr>
+            <a:r>
+              <a:rPr b="0" lang="en" sz="1400" spc="-1" strike="noStrike">
+                <a:solidFill>
+                  <a:srgbClr val="000000"/>
+                </a:solidFill>
+                <a:latin typeface="Arial"/>
+                <a:ea typeface="Arial"/>
+              </a:rPr>
+              <a:t>(Strings, Edit Distance)</a:t>
+            </a:r>
+            <a:endParaRPr b="0" lang="en-US" sz="1400" spc="-1" strike="noStrike">
+              <a:latin typeface="Arial"/>
+            </a:endParaRPr>
+          </a:p>
+        </p:txBody>
+      </p:sp>
+      <p:pic>
+        <p:nvPicPr>
+          <p:cNvPr id="131" name="Google Shape;74;p15" descr=""/>
+          <p:cNvPicPr/>
+          <p:nvPr/>
+        </p:nvPicPr>
+        <p:blipFill>
+          <a:blip r:embed="rId1"/>
+          <a:stretch/>
+        </p:blipFill>
+        <p:spPr>
+          <a:xfrm>
+            <a:off x="5934600" y="2345040"/>
+            <a:ext cx="794880" cy="251280"/>
+          </a:xfrm>
+          <a:prstGeom prst="rect">
+            <a:avLst/>
+          </a:prstGeom>
+          <a:ln w="0">
+            <a:noFill/>
+          </a:ln>
+        </p:spPr>
+      </p:pic>
+      <p:pic>
+        <p:nvPicPr>
+          <p:cNvPr id="132" name="Google Shape;75;p15" descr=""/>
+          <p:cNvPicPr/>
+          <p:nvPr/>
+        </p:nvPicPr>
+        <p:blipFill>
+          <a:blip r:embed="rId2"/>
+          <a:stretch/>
+        </p:blipFill>
+        <p:spPr>
+          <a:xfrm>
+            <a:off x="5423760" y="3013200"/>
+            <a:ext cx="892800" cy="258480"/>
+          </a:xfrm>
+          <a:prstGeom prst="rect">
+            <a:avLst/>
+          </a:prstGeom>
+          <a:ln w="0">
+            <a:noFill/>
+          </a:ln>
+        </p:spPr>
+      </p:pic>
+      <p:pic>
+        <p:nvPicPr>
+          <p:cNvPr id="133" name="Google Shape;76;p15" descr=""/>
+          <p:cNvPicPr/>
+          <p:nvPr/>
+        </p:nvPicPr>
+        <p:blipFill>
+          <a:blip r:embed="rId3"/>
+          <a:stretch/>
+        </p:blipFill>
+        <p:spPr>
+          <a:xfrm>
+            <a:off x="6577920" y="3881160"/>
+            <a:ext cx="1324800" cy="176400"/>
+          </a:xfrm>
+          <a:prstGeom prst="rect">
+            <a:avLst/>
+          </a:prstGeom>
+          <a:ln w="0">
+            <a:noFill/>
+          </a:ln>
+        </p:spPr>
+      </p:pic>
+      <p:sp>
+        <p:nvSpPr>
+          <p:cNvPr id="134" name="Google Shape;77;p15"/>
+          <p:cNvSpPr/>
+          <p:nvPr/>
+        </p:nvSpPr>
+        <p:spPr>
+          <a:xfrm rot="600">
+            <a:off x="5360760" y="861840"/>
+            <a:ext cx="1538280" cy="396000"/>
+          </a:xfrm>
+          <a:prstGeom prst="rect">
+            <a:avLst/>
+          </a:prstGeom>
+          <a:noFill/>
+          <a:ln w="0">
+            <a:noFill/>
+          </a:ln>
+        </p:spPr>
+        <p:style>
+          <a:lnRef idx="0"/>
+          <a:fillRef idx="0"/>
+          <a:effectRef idx="0"/>
+          <a:fontRef idx="minor"/>
+        </p:style>
+        <p:txBody>
+          <a:bodyPr lIns="90000" rIns="90000" tIns="91440" bIns="91440" anchor="t">
             <a:spAutoFit/>
           </a:bodyPr>
           <a:p>
@@ -7969,26 +7495,21 @@
       </p:sp>
       <p:sp>
         <p:nvSpPr>
-          <p:cNvPr id="137" name="Google Shape;87;p16"/>
+          <p:cNvPr id="135" name="Google Shape;78;p15"/>
           <p:cNvSpPr/>
           <p:nvPr/>
         </p:nvSpPr>
         <p:spPr>
           <a:xfrm>
-            <a:off x="5119200" y="1537560"/>
-            <a:ext cx="3350880" cy="3071160"/>
-          </a:xfrm>
-          <a:prstGeom prst="ellipse">
-            <a:avLst/>
-          </a:prstGeom>
-          <a:solidFill>
-            <a:srgbClr val="ffffff"/>
-          </a:solidFill>
-          <a:ln w="9525">
-            <a:solidFill>
-              <a:srgbClr val="595959"/>
-            </a:solidFill>
-            <a:round/>
+            <a:off x="5735880" y="1777320"/>
+            <a:ext cx="2146320" cy="396000"/>
+          </a:xfrm>
+          <a:prstGeom prst="rect">
+            <a:avLst/>
+          </a:prstGeom>
+          <a:noFill/>
+          <a:ln w="0">
+            <a:noFill/>
           </a:ln>
         </p:spPr>
         <p:style>
@@ -7997,34 +7518,8 @@
           <a:effectRef idx="0"/>
           <a:fontRef idx="minor"/>
         </p:style>
-      </p:sp>
-      <p:sp>
-        <p:nvSpPr>
-          <p:cNvPr id="138" name="Google Shape;88;p16"/>
-          <p:cNvSpPr/>
-          <p:nvPr/>
-        </p:nvSpPr>
-        <p:spPr>
-          <a:xfrm>
-            <a:off x="5735880" y="1777320"/>
-            <a:ext cx="2146680" cy="396360"/>
-          </a:xfrm>
-          <a:prstGeom prst="rect">
-            <a:avLst/>
-          </a:prstGeom>
-          <a:noFill/>
-          <a:ln w="0">
-            <a:noFill/>
-          </a:ln>
-        </p:spPr>
-        <p:style>
-          <a:lnRef idx="0"/>
-          <a:fillRef idx="0"/>
-          <a:effectRef idx="0"/>
-          <a:fontRef idx="minor"/>
-        </p:style>
-        <p:txBody>
-          <a:bodyPr tIns="91440" bIns="91440" anchor="t">
+        <p:txBody>
+          <a:bodyPr lIns="90000" rIns="90000" tIns="91440" bIns="91440" anchor="t">
             <a:spAutoFit/>
           </a:bodyPr>
           <a:p>
@@ -8053,240 +7548,6 @@
           </a:p>
         </p:txBody>
       </p:sp>
-      <p:sp>
-        <p:nvSpPr>
-          <p:cNvPr id="139" name="Google Shape;89;p16"/>
-          <p:cNvSpPr/>
-          <p:nvPr/>
-        </p:nvSpPr>
-        <p:spPr>
-          <a:xfrm>
-            <a:off x="6317280" y="3185280"/>
-            <a:ext cx="1717920" cy="1181880"/>
-          </a:xfrm>
-          <a:prstGeom prst="ellipse">
-            <a:avLst/>
-          </a:prstGeom>
-          <a:solidFill>
-            <a:srgbClr val="fff2cc"/>
-          </a:solidFill>
-          <a:ln w="9525">
-            <a:solidFill>
-              <a:srgbClr val="595959"/>
-            </a:solidFill>
-            <a:round/>
-          </a:ln>
-        </p:spPr>
-        <p:style>
-          <a:lnRef idx="0"/>
-          <a:fillRef idx="0"/>
-          <a:effectRef idx="0"/>
-          <a:fontRef idx="minor"/>
-        </p:style>
-      </p:sp>
-      <p:sp>
-        <p:nvSpPr>
-          <p:cNvPr id="140" name="Google Shape;90;p16"/>
-          <p:cNvSpPr/>
-          <p:nvPr/>
-        </p:nvSpPr>
-        <p:spPr>
-          <a:xfrm>
-            <a:off x="6729480" y="3230640"/>
-            <a:ext cx="893160" cy="609480"/>
-          </a:xfrm>
-          <a:prstGeom prst="rect">
-            <a:avLst/>
-          </a:prstGeom>
-          <a:noFill/>
-          <a:ln w="0">
-            <a:noFill/>
-          </a:ln>
-        </p:spPr>
-        <p:style>
-          <a:lnRef idx="0"/>
-          <a:fillRef idx="0"/>
-          <a:effectRef idx="0"/>
-          <a:fontRef idx="minor"/>
-        </p:style>
-        <p:txBody>
-          <a:bodyPr tIns="91440" bIns="91440" anchor="t">
-            <a:spAutoFit/>
-          </a:bodyPr>
-          <a:p>
-            <a:pPr algn="ctr">
-              <a:lnSpc>
-                <a:spcPct val="100000"/>
-              </a:lnSpc>
-              <a:buNone/>
-              <a:tabLst>
-                <a:tab algn="l" pos="0"/>
-              </a:tabLst>
-            </a:pPr>
-            <a:r>
-              <a:rPr b="1" lang="en" sz="1400" spc="-1" strike="noStrike">
-                <a:solidFill>
-                  <a:srgbClr val="000000"/>
-                </a:solidFill>
-                <a:latin typeface="Arial"/>
-                <a:ea typeface="Arial"/>
-              </a:rPr>
-              <a:t>Binary</a:t>
-            </a:r>
-            <a:endParaRPr b="0" lang="en-US" sz="1400" spc="-1" strike="noStrike">
-              <a:latin typeface="Arial"/>
-            </a:endParaRPr>
-          </a:p>
-          <a:p>
-            <a:pPr algn="ctr">
-              <a:lnSpc>
-                <a:spcPct val="100000"/>
-              </a:lnSpc>
-              <a:buNone/>
-              <a:tabLst>
-                <a:tab algn="l" pos="0"/>
-              </a:tabLst>
-            </a:pPr>
-            <a:r>
-              <a:rPr b="1" lang="en" sz="1400" spc="-1" strike="noStrike">
-                <a:solidFill>
-                  <a:srgbClr val="000000"/>
-                </a:solidFill>
-                <a:latin typeface="Arial"/>
-                <a:ea typeface="Arial"/>
-              </a:rPr>
-              <a:t>Vectors</a:t>
-            </a:r>
-            <a:endParaRPr b="0" lang="en-US" sz="1400" spc="-1" strike="noStrike">
-              <a:latin typeface="Arial"/>
-            </a:endParaRPr>
-          </a:p>
-        </p:txBody>
-      </p:sp>
-      <p:sp>
-        <p:nvSpPr>
-          <p:cNvPr id="141" name="Google Shape;91;p16"/>
-          <p:cNvSpPr/>
-          <p:nvPr/>
-        </p:nvSpPr>
-        <p:spPr>
-          <a:xfrm rot="20238600">
-            <a:off x="3628080" y="1873800"/>
-            <a:ext cx="2107080" cy="396360"/>
-          </a:xfrm>
-          <a:prstGeom prst="rect">
-            <a:avLst/>
-          </a:prstGeom>
-          <a:noFill/>
-          <a:ln w="0">
-            <a:noFill/>
-          </a:ln>
-        </p:spPr>
-        <p:style>
-          <a:lnRef idx="0"/>
-          <a:fillRef idx="0"/>
-          <a:effectRef idx="0"/>
-          <a:fontRef idx="minor"/>
-        </p:style>
-        <p:txBody>
-          <a:bodyPr tIns="91440" bIns="91440" anchor="t">
-            <a:spAutoFit/>
-          </a:bodyPr>
-          <a:p>
-            <a:pPr>
-              <a:lnSpc>
-                <a:spcPct val="100000"/>
-              </a:lnSpc>
-              <a:buNone/>
-              <a:tabLst>
-                <a:tab algn="l" pos="0"/>
-              </a:tabLst>
-            </a:pPr>
-            <a:r>
-              <a:rPr b="0" lang="en" sz="1400" spc="-1" strike="noStrike">
-                <a:solidFill>
-                  <a:srgbClr val="000000"/>
-                </a:solidFill>
-                <a:latin typeface="Arial"/>
-                <a:ea typeface="Arial"/>
-              </a:rPr>
-              <a:t>(Strings, Edit Distance)</a:t>
-            </a:r>
-            <a:endParaRPr b="0" lang="en-US" sz="1400" spc="-1" strike="noStrike">
-              <a:latin typeface="Arial"/>
-            </a:endParaRPr>
-          </a:p>
-        </p:txBody>
-      </p:sp>
-      <p:pic>
-        <p:nvPicPr>
-          <p:cNvPr id="142" name="Google Shape;92;p16" descr=""/>
-          <p:cNvPicPr/>
-          <p:nvPr/>
-        </p:nvPicPr>
-        <p:blipFill>
-          <a:blip r:embed="rId1"/>
-          <a:stretch/>
-        </p:blipFill>
-        <p:spPr>
-          <a:xfrm>
-            <a:off x="5934600" y="2345040"/>
-            <a:ext cx="795240" cy="251640"/>
-          </a:xfrm>
-          <a:prstGeom prst="rect">
-            <a:avLst/>
-          </a:prstGeom>
-          <a:ln w="0">
-            <a:noFill/>
-          </a:ln>
-        </p:spPr>
-      </p:pic>
-      <p:pic>
-        <p:nvPicPr>
-          <p:cNvPr id="143" name="Google Shape;93;p16" descr=""/>
-          <p:cNvPicPr/>
-          <p:nvPr/>
-        </p:nvPicPr>
-        <p:blipFill>
-          <a:blip r:embed="rId2"/>
-          <a:stretch/>
-        </p:blipFill>
-        <p:spPr>
-          <a:xfrm>
-            <a:off x="5423760" y="3013200"/>
-            <a:ext cx="893160" cy="258840"/>
-          </a:xfrm>
-          <a:prstGeom prst="rect">
-            <a:avLst/>
-          </a:prstGeom>
-          <a:ln w="0">
-            <a:noFill/>
-          </a:ln>
-        </p:spPr>
-      </p:pic>
-      <p:pic>
-        <p:nvPicPr>
-          <p:cNvPr id="144" name="Google Shape;94;p16" descr=""/>
-          <p:cNvPicPr/>
-          <p:nvPr/>
-        </p:nvPicPr>
-        <p:blipFill>
-          <a:blip r:embed="rId3"/>
-          <a:stretch/>
-        </p:blipFill>
-        <p:spPr>
-          <a:xfrm>
-            <a:off x="6577920" y="3881160"/>
-            <a:ext cx="1325160" cy="176760"/>
-          </a:xfrm>
-          <a:prstGeom prst="rect">
-            <a:avLst/>
-          </a:prstGeom>
-          <a:ln w="0">
-            <a:noFill/>
-          </a:ln>
-        </p:spPr>
-      </p:pic>
     </p:spTree>
   </p:cSld>
   <mc:AlternateContent>
@@ -8319,7 +7580,7 @@
       </p:grpSpPr>
       <p:sp>
         <p:nvSpPr>
-          <p:cNvPr id="145" name="PlaceHolder 1"/>
+          <p:cNvPr id="136" name="PlaceHolder 1"/>
           <p:cNvSpPr>
             <a:spLocks noGrp="1"/>
           </p:cNvSpPr>
@@ -8330,18 +7591,18 @@
         <p:spPr>
           <a:xfrm>
             <a:off x="311760" y="444960"/>
-            <a:ext cx="8520120" cy="1041840"/>
-          </a:xfrm>
-          <a:prstGeom prst="rect">
-            <a:avLst/>
-          </a:prstGeom>
-          <a:noFill/>
-          <a:ln w="0">
-            <a:noFill/>
-          </a:ln>
-        </p:spPr>
-        <p:txBody>
-          <a:bodyPr tIns="91440" bIns="91440" anchor="t">
+            <a:ext cx="8519760" cy="1041480"/>
+          </a:xfrm>
+          <a:prstGeom prst="rect">
+            <a:avLst/>
+          </a:prstGeom>
+          <a:noFill/>
+          <a:ln w="0">
+            <a:noFill/>
+          </a:ln>
+        </p:spPr>
+        <p:txBody>
+          <a:bodyPr lIns="0" rIns="0" tIns="91440" bIns="91440" anchor="t">
             <a:noAutofit/>
           </a:bodyPr>
           <a:p>
@@ -8365,17 +7626,14 @@
               <a:t>What we will do today</a:t>
             </a:r>
             <a:endParaRPr b="0" lang="en-US" sz="2800" spc="-1" strike="noStrike">
-              <a:solidFill>
-                <a:srgbClr val="000000"/>
-              </a:solidFill>
-              <a:latin typeface="Arial"/>
-            </a:endParaRPr>
-          </a:p>
-        </p:txBody>
-      </p:sp>
-      <p:sp>
-        <p:nvSpPr>
-          <p:cNvPr id="146" name="PlaceHolder 2"/>
+              <a:latin typeface="Arial"/>
+            </a:endParaRPr>
+          </a:p>
+        </p:txBody>
+      </p:sp>
+      <p:sp>
+        <p:nvSpPr>
+          <p:cNvPr id="137" name="PlaceHolder 2"/>
           <p:cNvSpPr>
             <a:spLocks noGrp="1"/>
           </p:cNvSpPr>
@@ -8386,18 +7644,572 @@
         <p:spPr>
           <a:xfrm>
             <a:off x="311760" y="1305000"/>
-            <a:ext cx="3255480" cy="3075840"/>
-          </a:xfrm>
-          <a:prstGeom prst="rect">
-            <a:avLst/>
-          </a:prstGeom>
-          <a:noFill/>
-          <a:ln w="0">
-            <a:noFill/>
-          </a:ln>
-        </p:spPr>
-        <p:txBody>
-          <a:bodyPr tIns="91440" bIns="91440" anchor="t">
+            <a:ext cx="3281760" cy="3075480"/>
+          </a:xfrm>
+          <a:prstGeom prst="rect">
+            <a:avLst/>
+          </a:prstGeom>
+          <a:noFill/>
+          <a:ln w="0">
+            <a:noFill/>
+          </a:ln>
+        </p:spPr>
+        <p:txBody>
+          <a:bodyPr lIns="0" rIns="0" tIns="91440" bIns="91440" anchor="t">
+            <a:noAutofit/>
+          </a:bodyPr>
+          <a:p>
+            <a:pPr marL="457200" indent="-343080">
+              <a:lnSpc>
+                <a:spcPct val="115000"/>
+              </a:lnSpc>
+              <a:buClr>
+                <a:srgbClr val="595959"/>
+              </a:buClr>
+              <a:buFont typeface="Arial"/>
+              <a:buChar char="●"/>
+            </a:pPr>
+            <a:r>
+              <a:rPr b="1" lang="en" sz="1800" spc="-1" strike="noStrike">
+                <a:solidFill>
+                  <a:srgbClr val="595959"/>
+                </a:solidFill>
+                <a:latin typeface="Arial"/>
+                <a:ea typeface="Arial"/>
+              </a:rPr>
+              <a:t>Index Binary Vectors</a:t>
+            </a:r>
+            <a:br>
+              <a:rPr sz="1800"/>
+            </a:br>
+            <a:r>
+              <a:rPr b="0" lang="en" sz="1800" spc="-1" strike="noStrike">
+                <a:solidFill>
+                  <a:srgbClr val="595959"/>
+                </a:solidFill>
+                <a:latin typeface="Arial"/>
+                <a:ea typeface="Arial"/>
+              </a:rPr>
+              <a:t>(Hamming distance)</a:t>
+            </a:r>
+            <a:endParaRPr b="0" lang="en-US" sz="1800" spc="-1" strike="noStrike">
+              <a:latin typeface="Arial"/>
+            </a:endParaRPr>
+          </a:p>
+        </p:txBody>
+      </p:sp>
+      <p:sp>
+        <p:nvSpPr>
+          <p:cNvPr id="138" name="Google Shape;85;p16"/>
+          <p:cNvSpPr/>
+          <p:nvPr/>
+        </p:nvSpPr>
+        <p:spPr>
+          <a:xfrm>
+            <a:off x="3460320" y="719280"/>
+            <a:ext cx="5340960" cy="4197240"/>
+          </a:xfrm>
+          <a:prstGeom prst="ellipse">
+            <a:avLst/>
+          </a:prstGeom>
+          <a:noFill/>
+          <a:ln w="9525">
+            <a:solidFill>
+              <a:srgbClr val="595959"/>
+            </a:solidFill>
+            <a:round/>
+          </a:ln>
+        </p:spPr>
+        <p:style>
+          <a:lnRef idx="0"/>
+          <a:fillRef idx="0"/>
+          <a:effectRef idx="0"/>
+          <a:fontRef idx="minor"/>
+        </p:style>
+      </p:sp>
+      <p:sp>
+        <p:nvSpPr>
+          <p:cNvPr id="139" name="Google Shape;86;p16"/>
+          <p:cNvSpPr/>
+          <p:nvPr/>
+        </p:nvSpPr>
+        <p:spPr>
+          <a:xfrm rot="600">
+            <a:off x="5360760" y="861840"/>
+            <a:ext cx="1538280" cy="396000"/>
+          </a:xfrm>
+          <a:prstGeom prst="rect">
+            <a:avLst/>
+          </a:prstGeom>
+          <a:noFill/>
+          <a:ln w="0">
+            <a:noFill/>
+          </a:ln>
+        </p:spPr>
+        <p:style>
+          <a:lnRef idx="0"/>
+          <a:fillRef idx="0"/>
+          <a:effectRef idx="0"/>
+          <a:fontRef idx="minor"/>
+        </p:style>
+        <p:txBody>
+          <a:bodyPr lIns="90000" rIns="90000" tIns="91440" bIns="91440" anchor="t">
+            <a:spAutoFit/>
+          </a:bodyPr>
+          <a:p>
+            <a:pPr algn="ctr">
+              <a:lnSpc>
+                <a:spcPct val="100000"/>
+              </a:lnSpc>
+              <a:buNone/>
+              <a:tabLst>
+                <a:tab algn="l" pos="0"/>
+              </a:tabLst>
+            </a:pPr>
+            <a:r>
+              <a:rPr b="1" lang="en" sz="1400" spc="-1" strike="noStrike">
+                <a:solidFill>
+                  <a:srgbClr val="000000"/>
+                </a:solidFill>
+                <a:latin typeface="Arial"/>
+                <a:ea typeface="Arial"/>
+              </a:rPr>
+              <a:t>Metric Objects</a:t>
+            </a:r>
+            <a:endParaRPr b="0" lang="en-US" sz="1400" spc="-1" strike="noStrike">
+              <a:latin typeface="Arial"/>
+            </a:endParaRPr>
+          </a:p>
+        </p:txBody>
+      </p:sp>
+      <p:sp>
+        <p:nvSpPr>
+          <p:cNvPr id="140" name="Google Shape;87;p16"/>
+          <p:cNvSpPr/>
+          <p:nvPr/>
+        </p:nvSpPr>
+        <p:spPr>
+          <a:xfrm>
+            <a:off x="5119200" y="1537560"/>
+            <a:ext cx="3350520" cy="3070800"/>
+          </a:xfrm>
+          <a:prstGeom prst="ellipse">
+            <a:avLst/>
+          </a:prstGeom>
+          <a:solidFill>
+            <a:srgbClr val="ffffff"/>
+          </a:solidFill>
+          <a:ln w="9525">
+            <a:solidFill>
+              <a:srgbClr val="595959"/>
+            </a:solidFill>
+            <a:round/>
+          </a:ln>
+        </p:spPr>
+        <p:style>
+          <a:lnRef idx="0"/>
+          <a:fillRef idx="0"/>
+          <a:effectRef idx="0"/>
+          <a:fontRef idx="minor"/>
+        </p:style>
+      </p:sp>
+      <p:sp>
+        <p:nvSpPr>
+          <p:cNvPr id="141" name="Google Shape;88;p16"/>
+          <p:cNvSpPr/>
+          <p:nvPr/>
+        </p:nvSpPr>
+        <p:spPr>
+          <a:xfrm>
+            <a:off x="5735880" y="1777320"/>
+            <a:ext cx="2146320" cy="396000"/>
+          </a:xfrm>
+          <a:prstGeom prst="rect">
+            <a:avLst/>
+          </a:prstGeom>
+          <a:noFill/>
+          <a:ln w="0">
+            <a:noFill/>
+          </a:ln>
+        </p:spPr>
+        <p:style>
+          <a:lnRef idx="0"/>
+          <a:fillRef idx="0"/>
+          <a:effectRef idx="0"/>
+          <a:fontRef idx="minor"/>
+        </p:style>
+        <p:txBody>
+          <a:bodyPr lIns="90000" rIns="90000" tIns="91440" bIns="91440" anchor="t">
+            <a:spAutoFit/>
+          </a:bodyPr>
+          <a:p>
+            <a:pPr algn="ctr">
+              <a:lnSpc>
+                <a:spcPct val="100000"/>
+              </a:lnSpc>
+              <a:buNone/>
+              <a:tabLst>
+                <a:tab algn="l" pos="0"/>
+              </a:tabLst>
+            </a:pPr>
+            <a:r>
+              <a:rPr b="1" lang="en" sz="1400" spc="-1" strike="noStrike">
+                <a:solidFill>
+                  <a:srgbClr val="000000"/>
+                </a:solidFill>
+                <a:latin typeface="Arial"/>
+                <a:ea typeface="Arial"/>
+              </a:rPr>
+              <a:t>Euclidean Vectors</a:t>
+            </a:r>
+            <a:endParaRPr b="0" lang="en-US" sz="1400" spc="-1" strike="noStrike">
+              <a:latin typeface="Arial"/>
+            </a:endParaRPr>
+          </a:p>
+        </p:txBody>
+      </p:sp>
+      <p:sp>
+        <p:nvSpPr>
+          <p:cNvPr id="142" name="Google Shape;89;p16"/>
+          <p:cNvSpPr/>
+          <p:nvPr/>
+        </p:nvSpPr>
+        <p:spPr>
+          <a:xfrm>
+            <a:off x="6317280" y="3185280"/>
+            <a:ext cx="1717560" cy="1181520"/>
+          </a:xfrm>
+          <a:prstGeom prst="ellipse">
+            <a:avLst/>
+          </a:prstGeom>
+          <a:solidFill>
+            <a:srgbClr val="fff2cc"/>
+          </a:solidFill>
+          <a:ln w="9525">
+            <a:solidFill>
+              <a:srgbClr val="595959"/>
+            </a:solidFill>
+            <a:round/>
+          </a:ln>
+        </p:spPr>
+        <p:style>
+          <a:lnRef idx="0"/>
+          <a:fillRef idx="0"/>
+          <a:effectRef idx="0"/>
+          <a:fontRef idx="minor"/>
+        </p:style>
+      </p:sp>
+      <p:sp>
+        <p:nvSpPr>
+          <p:cNvPr id="143" name="Google Shape;90;p16"/>
+          <p:cNvSpPr/>
+          <p:nvPr/>
+        </p:nvSpPr>
+        <p:spPr>
+          <a:xfrm>
+            <a:off x="6729480" y="3230640"/>
+            <a:ext cx="892800" cy="609120"/>
+          </a:xfrm>
+          <a:prstGeom prst="rect">
+            <a:avLst/>
+          </a:prstGeom>
+          <a:noFill/>
+          <a:ln w="0">
+            <a:noFill/>
+          </a:ln>
+        </p:spPr>
+        <p:style>
+          <a:lnRef idx="0"/>
+          <a:fillRef idx="0"/>
+          <a:effectRef idx="0"/>
+          <a:fontRef idx="minor"/>
+        </p:style>
+        <p:txBody>
+          <a:bodyPr lIns="90000" rIns="90000" tIns="91440" bIns="91440" anchor="t">
+            <a:spAutoFit/>
+          </a:bodyPr>
+          <a:p>
+            <a:pPr algn="ctr">
+              <a:lnSpc>
+                <a:spcPct val="100000"/>
+              </a:lnSpc>
+              <a:buNone/>
+              <a:tabLst>
+                <a:tab algn="l" pos="0"/>
+              </a:tabLst>
+            </a:pPr>
+            <a:r>
+              <a:rPr b="1" lang="en" sz="1400" spc="-1" strike="noStrike">
+                <a:solidFill>
+                  <a:srgbClr val="000000"/>
+                </a:solidFill>
+                <a:latin typeface="Arial"/>
+                <a:ea typeface="Arial"/>
+              </a:rPr>
+              <a:t>Binary</a:t>
+            </a:r>
+            <a:endParaRPr b="0" lang="en-US" sz="1400" spc="-1" strike="noStrike">
+              <a:latin typeface="Arial"/>
+            </a:endParaRPr>
+          </a:p>
+          <a:p>
+            <a:pPr algn="ctr">
+              <a:lnSpc>
+                <a:spcPct val="100000"/>
+              </a:lnSpc>
+              <a:buNone/>
+              <a:tabLst>
+                <a:tab algn="l" pos="0"/>
+              </a:tabLst>
+            </a:pPr>
+            <a:r>
+              <a:rPr b="1" lang="en" sz="1400" spc="-1" strike="noStrike">
+                <a:solidFill>
+                  <a:srgbClr val="000000"/>
+                </a:solidFill>
+                <a:latin typeface="Arial"/>
+                <a:ea typeface="Arial"/>
+              </a:rPr>
+              <a:t>Vectors</a:t>
+            </a:r>
+            <a:endParaRPr b="0" lang="en-US" sz="1400" spc="-1" strike="noStrike">
+              <a:latin typeface="Arial"/>
+            </a:endParaRPr>
+          </a:p>
+        </p:txBody>
+      </p:sp>
+      <p:sp>
+        <p:nvSpPr>
+          <p:cNvPr id="144" name="Google Shape;91;p16"/>
+          <p:cNvSpPr/>
+          <p:nvPr/>
+        </p:nvSpPr>
+        <p:spPr>
+          <a:xfrm rot="20238600">
+            <a:off x="3627720" y="1873440"/>
+            <a:ext cx="2106720" cy="396000"/>
+          </a:xfrm>
+          <a:prstGeom prst="rect">
+            <a:avLst/>
+          </a:prstGeom>
+          <a:noFill/>
+          <a:ln w="0">
+            <a:noFill/>
+          </a:ln>
+        </p:spPr>
+        <p:style>
+          <a:lnRef idx="0"/>
+          <a:fillRef idx="0"/>
+          <a:effectRef idx="0"/>
+          <a:fontRef idx="minor"/>
+        </p:style>
+        <p:txBody>
+          <a:bodyPr lIns="90000" rIns="90000" tIns="91440" bIns="91440" anchor="t">
+            <a:spAutoFit/>
+          </a:bodyPr>
+          <a:p>
+            <a:pPr>
+              <a:lnSpc>
+                <a:spcPct val="100000"/>
+              </a:lnSpc>
+              <a:buNone/>
+              <a:tabLst>
+                <a:tab algn="l" pos="0"/>
+              </a:tabLst>
+            </a:pPr>
+            <a:r>
+              <a:rPr b="0" lang="en" sz="1400" spc="-1" strike="noStrike">
+                <a:solidFill>
+                  <a:srgbClr val="000000"/>
+                </a:solidFill>
+                <a:latin typeface="Arial"/>
+                <a:ea typeface="Arial"/>
+              </a:rPr>
+              <a:t>(Strings, Edit Distance)</a:t>
+            </a:r>
+            <a:endParaRPr b="0" lang="en-US" sz="1400" spc="-1" strike="noStrike">
+              <a:latin typeface="Arial"/>
+            </a:endParaRPr>
+          </a:p>
+        </p:txBody>
+      </p:sp>
+      <p:pic>
+        <p:nvPicPr>
+          <p:cNvPr id="145" name="Google Shape;92;p16" descr=""/>
+          <p:cNvPicPr/>
+          <p:nvPr/>
+        </p:nvPicPr>
+        <p:blipFill>
+          <a:blip r:embed="rId1"/>
+          <a:stretch/>
+        </p:blipFill>
+        <p:spPr>
+          <a:xfrm>
+            <a:off x="5934600" y="2345040"/>
+            <a:ext cx="794880" cy="251280"/>
+          </a:xfrm>
+          <a:prstGeom prst="rect">
+            <a:avLst/>
+          </a:prstGeom>
+          <a:ln w="0">
+            <a:noFill/>
+          </a:ln>
+        </p:spPr>
+      </p:pic>
+      <p:pic>
+        <p:nvPicPr>
+          <p:cNvPr id="146" name="Google Shape;93;p16" descr=""/>
+          <p:cNvPicPr/>
+          <p:nvPr/>
+        </p:nvPicPr>
+        <p:blipFill>
+          <a:blip r:embed="rId2"/>
+          <a:stretch/>
+        </p:blipFill>
+        <p:spPr>
+          <a:xfrm>
+            <a:off x="5423760" y="3013200"/>
+            <a:ext cx="892800" cy="258480"/>
+          </a:xfrm>
+          <a:prstGeom prst="rect">
+            <a:avLst/>
+          </a:prstGeom>
+          <a:ln w="0">
+            <a:noFill/>
+          </a:ln>
+        </p:spPr>
+      </p:pic>
+      <p:pic>
+        <p:nvPicPr>
+          <p:cNvPr id="147" name="Google Shape;94;p16" descr=""/>
+          <p:cNvPicPr/>
+          <p:nvPr/>
+        </p:nvPicPr>
+        <p:blipFill>
+          <a:blip r:embed="rId3"/>
+          <a:stretch/>
+        </p:blipFill>
+        <p:spPr>
+          <a:xfrm>
+            <a:off x="6577920" y="3881160"/>
+            <a:ext cx="1324800" cy="176400"/>
+          </a:xfrm>
+          <a:prstGeom prst="rect">
+            <a:avLst/>
+          </a:prstGeom>
+          <a:ln w="0">
+            <a:noFill/>
+          </a:ln>
+        </p:spPr>
+      </p:pic>
+    </p:spTree>
+  </p:cSld>
+  <mc:AlternateContent>
+    <mc:Choice Requires="p14">
+      <p:transition spd="slow" p14:dur="2000"/>
+    </mc:Choice>
+    <mc:Fallback>
+      <p:transition spd="slow"/>
+    </mc:Fallback>
+  </mc:AlternateContent>
+</p:sld>
+</file>
+
+<file path=ppt/slides/slide6.xml><?xml version="1.0" encoding="utf-8"?>
+<p:sld xmlns:a="http://schemas.openxmlformats.org/drawingml/2006/main" xmlns:p="http://schemas.openxmlformats.org/presentationml/2006/main" xmlns:r="http://schemas.openxmlformats.org/officeDocument/2006/relationships" xmlns:p14="http://schemas.microsoft.com/office/powerpoint/2010/main" xmlns:p15="http://schemas.microsoft.com/office/powerpoint/2012/main" xmlns:mc="http://schemas.openxmlformats.org/markup-compatibility/2006">
+  <p:cSld>
+    <p:spTree>
+      <p:nvGrpSpPr>
+        <p:cNvPr id="1" name=""/>
+        <p:cNvGrpSpPr/>
+        <p:nvPr/>
+      </p:nvGrpSpPr>
+      <p:grpSpPr>
+        <a:xfrm>
+          <a:off x="0" y="0"/>
+          <a:ext cx="0" cy="0"/>
+          <a:chOff x="0" y="0"/>
+          <a:chExt cx="0" cy="0"/>
+        </a:xfrm>
+      </p:grpSpPr>
+      <p:sp>
+        <p:nvSpPr>
+          <p:cNvPr id="148" name="PlaceHolder 1"/>
+          <p:cNvSpPr>
+            <a:spLocks noGrp="1"/>
+          </p:cNvSpPr>
+          <p:nvPr>
+            <p:ph type="title"/>
+          </p:nvPr>
+        </p:nvSpPr>
+        <p:spPr>
+          <a:xfrm>
+            <a:off x="311760" y="444960"/>
+            <a:ext cx="8519760" cy="1041480"/>
+          </a:xfrm>
+          <a:prstGeom prst="rect">
+            <a:avLst/>
+          </a:prstGeom>
+          <a:noFill/>
+          <a:ln w="0">
+            <a:noFill/>
+          </a:ln>
+        </p:spPr>
+        <p:txBody>
+          <a:bodyPr lIns="0" rIns="0" tIns="91440" bIns="91440" anchor="t">
+            <a:noAutofit/>
+          </a:bodyPr>
+          <a:p>
+            <a:pPr>
+              <a:lnSpc>
+                <a:spcPct val="100000"/>
+              </a:lnSpc>
+              <a:buNone/>
+              <a:tabLst>
+                <a:tab algn="l" pos="0"/>
+              </a:tabLst>
+            </a:pPr>
+            <a:r>
+              <a:rPr b="0" lang="en" sz="2800" spc="-1" strike="noStrike">
+                <a:solidFill>
+                  <a:srgbClr val="000000"/>
+                </a:solidFill>
+                <a:latin typeface="Arial"/>
+                <a:ea typeface="Arial"/>
+              </a:rPr>
+              <a:t>What we will do today</a:t>
+            </a:r>
+            <a:endParaRPr b="0" lang="en-US" sz="2800" spc="-1" strike="noStrike">
+              <a:latin typeface="Arial"/>
+            </a:endParaRPr>
+          </a:p>
+        </p:txBody>
+      </p:sp>
+      <p:sp>
+        <p:nvSpPr>
+          <p:cNvPr id="149" name="PlaceHolder 2"/>
+          <p:cNvSpPr>
+            <a:spLocks noGrp="1"/>
+          </p:cNvSpPr>
+          <p:nvPr>
+            <p:ph/>
+          </p:nvPr>
+        </p:nvSpPr>
+        <p:spPr>
+          <a:xfrm>
+            <a:off x="311760" y="1305000"/>
+            <a:ext cx="3255120" cy="3075480"/>
+          </a:xfrm>
+          <a:prstGeom prst="rect">
+            <a:avLst/>
+          </a:prstGeom>
+          <a:noFill/>
+          <a:ln w="0">
+            <a:noFill/>
+          </a:ln>
+        </p:spPr>
+        <p:txBody>
+          <a:bodyPr lIns="0" rIns="0" tIns="91440" bIns="91440" anchor="t">
             <a:noAutofit/>
           </a:bodyPr>
           <a:p>
@@ -8446,13 +8258,11 @@
                   <a:srgbClr val="595959"/>
                 </a:solidFill>
                 <a:latin typeface="Arial"/>
+                <a:ea typeface="Arial"/>
               </a:rPr>
               <a:t> </a:t>
             </a:r>
             <a:endParaRPr b="0" lang="en-US" sz="1800" spc="-1" strike="noStrike">
-              <a:solidFill>
-                <a:srgbClr val="000000"/>
-              </a:solidFill>
               <a:latin typeface="Arial"/>
             </a:endParaRPr>
           </a:p>
@@ -8491,24 +8301,21 @@
               <a:t>(strings compared with edit distance)</a:t>
             </a:r>
             <a:endParaRPr b="0" lang="en-US" sz="1800" spc="-1" strike="noStrike">
-              <a:solidFill>
-                <a:srgbClr val="000000"/>
-              </a:solidFill>
-              <a:latin typeface="Arial"/>
-            </a:endParaRPr>
-          </a:p>
-        </p:txBody>
-      </p:sp>
-      <p:sp>
-        <p:nvSpPr>
-          <p:cNvPr id="147" name="Google Shape;101;p17"/>
+              <a:latin typeface="Arial"/>
+            </a:endParaRPr>
+          </a:p>
+        </p:txBody>
+      </p:sp>
+      <p:sp>
+        <p:nvSpPr>
+          <p:cNvPr id="150" name="Google Shape;101;p17"/>
           <p:cNvSpPr/>
           <p:nvPr/>
         </p:nvSpPr>
         <p:spPr>
           <a:xfrm>
             <a:off x="3460320" y="719280"/>
-            <a:ext cx="5341320" cy="4197600"/>
+            <a:ext cx="5340960" cy="4197240"/>
           </a:xfrm>
           <a:prstGeom prst="ellipse">
             <a:avLst/>
@@ -8532,14 +8339,14 @@
       </p:sp>
       <p:sp>
         <p:nvSpPr>
-          <p:cNvPr id="148" name="Google Shape;102;p17"/>
+          <p:cNvPr id="151" name="Google Shape;102;p17"/>
           <p:cNvSpPr/>
           <p:nvPr/>
         </p:nvSpPr>
         <p:spPr>
           <a:xfrm>
             <a:off x="5119200" y="1537560"/>
-            <a:ext cx="3350880" cy="3071160"/>
+            <a:ext cx="3350520" cy="3070800"/>
           </a:xfrm>
           <a:prstGeom prst="ellipse">
             <a:avLst/>
@@ -8563,14 +8370,14 @@
       </p:sp>
       <p:sp>
         <p:nvSpPr>
-          <p:cNvPr id="149" name="Google Shape;103;p17"/>
+          <p:cNvPr id="152" name="Google Shape;103;p17"/>
           <p:cNvSpPr/>
           <p:nvPr/>
         </p:nvSpPr>
         <p:spPr>
           <a:xfrm>
             <a:off x="6317280" y="3185280"/>
-            <a:ext cx="1717920" cy="1181880"/>
+            <a:ext cx="1717560" cy="1181520"/>
           </a:xfrm>
           <a:prstGeom prst="ellipse">
             <a:avLst/>
@@ -8594,14 +8401,14 @@
       </p:sp>
       <p:sp>
         <p:nvSpPr>
-          <p:cNvPr id="150" name="Google Shape;104;p17"/>
+          <p:cNvPr id="153" name="Google Shape;104;p17"/>
           <p:cNvSpPr/>
           <p:nvPr/>
         </p:nvSpPr>
         <p:spPr>
           <a:xfrm>
             <a:off x="6729480" y="3230640"/>
-            <a:ext cx="893160" cy="609480"/>
+            <a:ext cx="892800" cy="609120"/>
           </a:xfrm>
           <a:prstGeom prst="rect">
             <a:avLst/>
@@ -8618,7 +8425,7 @@
           <a:fontRef idx="minor"/>
         </p:style>
         <p:txBody>
-          <a:bodyPr tIns="91440" bIns="91440" anchor="t">
+          <a:bodyPr lIns="90000" rIns="90000" tIns="91440" bIns="91440" anchor="t">
             <a:spAutoFit/>
           </a:bodyPr>
           <a:p>
@@ -8673,14 +8480,14 @@
       </p:sp>
       <p:sp>
         <p:nvSpPr>
-          <p:cNvPr id="151" name="Google Shape;105;p17"/>
+          <p:cNvPr id="154" name="Google Shape;105;p17"/>
           <p:cNvSpPr/>
           <p:nvPr/>
         </p:nvSpPr>
         <p:spPr>
           <a:xfrm rot="20238600">
-            <a:off x="3628080" y="1873800"/>
-            <a:ext cx="2107080" cy="396360"/>
+            <a:off x="3627720" y="1873440"/>
+            <a:ext cx="2106720" cy="396000"/>
           </a:xfrm>
           <a:prstGeom prst="rect">
             <a:avLst/>
@@ -8697,7 +8504,7 @@
           <a:fontRef idx="minor"/>
         </p:style>
         <p:txBody>
-          <a:bodyPr tIns="91440" bIns="91440" anchor="t">
+          <a:bodyPr lIns="90000" rIns="90000" tIns="91440" bIns="91440" anchor="t">
             <a:spAutoFit/>
           </a:bodyPr>
           <a:p>
@@ -8728,7 +8535,7 @@
       </p:sp>
       <p:pic>
         <p:nvPicPr>
-          <p:cNvPr id="152" name="Google Shape;106;p17" descr=""/>
+          <p:cNvPr id="155" name="Google Shape;106;p17" descr=""/>
           <p:cNvPicPr/>
           <p:nvPr/>
         </p:nvPicPr>
@@ -8739,7 +8546,7 @@
         <p:spPr>
           <a:xfrm>
             <a:off x="5934600" y="2345040"/>
-            <a:ext cx="795240" cy="251640"/>
+            <a:ext cx="794880" cy="251280"/>
           </a:xfrm>
           <a:prstGeom prst="rect">
             <a:avLst/>
@@ -8751,7 +8558,7 @@
       </p:pic>
       <p:pic>
         <p:nvPicPr>
-          <p:cNvPr id="153" name="Google Shape;107;p17" descr=""/>
+          <p:cNvPr id="156" name="Google Shape;107;p17" descr=""/>
           <p:cNvPicPr/>
           <p:nvPr/>
         </p:nvPicPr>
@@ -8762,7 +8569,7 @@
         <p:spPr>
           <a:xfrm>
             <a:off x="5423760" y="3013200"/>
-            <a:ext cx="893160" cy="258840"/>
+            <a:ext cx="892800" cy="258480"/>
           </a:xfrm>
           <a:prstGeom prst="rect">
             <a:avLst/>
@@ -8774,7 +8581,7 @@
       </p:pic>
       <p:pic>
         <p:nvPicPr>
-          <p:cNvPr id="154" name="Google Shape;108;p17" descr=""/>
+          <p:cNvPr id="157" name="Google Shape;108;p17" descr=""/>
           <p:cNvPicPr/>
           <p:nvPr/>
         </p:nvPicPr>
@@ -8785,7 +8592,7 @@
         <p:spPr>
           <a:xfrm>
             <a:off x="6577920" y="3881160"/>
-            <a:ext cx="1325160" cy="176760"/>
+            <a:ext cx="1324800" cy="176400"/>
           </a:xfrm>
           <a:prstGeom prst="rect">
             <a:avLst/>
@@ -8797,14 +8604,14 @@
       </p:pic>
       <p:sp>
         <p:nvSpPr>
-          <p:cNvPr id="155" name="Google Shape;109;p17"/>
+          <p:cNvPr id="158" name="Google Shape;109;p17"/>
           <p:cNvSpPr/>
           <p:nvPr/>
         </p:nvSpPr>
         <p:spPr>
           <a:xfrm rot="600">
-            <a:off x="5361120" y="861840"/>
-            <a:ext cx="1538640" cy="396360"/>
+            <a:off x="5360760" y="861840"/>
+            <a:ext cx="1538280" cy="396000"/>
           </a:xfrm>
           <a:prstGeom prst="rect">
             <a:avLst/>
@@ -8821,7 +8628,7 @@
           <a:fontRef idx="minor"/>
         </p:style>
         <p:txBody>
-          <a:bodyPr tIns="91440" bIns="91440" anchor="t">
+          <a:bodyPr lIns="90000" rIns="90000" tIns="91440" bIns="91440" anchor="t">
             <a:spAutoFit/>
           </a:bodyPr>
           <a:p>
@@ -8852,14 +8659,14 @@
       </p:sp>
       <p:sp>
         <p:nvSpPr>
-          <p:cNvPr id="156" name="Google Shape;110;p17"/>
+          <p:cNvPr id="159" name="Google Shape;110;p17"/>
           <p:cNvSpPr/>
           <p:nvPr/>
         </p:nvSpPr>
         <p:spPr>
           <a:xfrm>
             <a:off x="5735880" y="1777320"/>
-            <a:ext cx="2146680" cy="396360"/>
+            <a:ext cx="2146320" cy="396000"/>
           </a:xfrm>
           <a:prstGeom prst="rect">
             <a:avLst/>
@@ -8876,7 +8683,7 @@
           <a:fontRef idx="minor"/>
         </p:style>
         <p:txBody>
-          <a:bodyPr tIns="91440" bIns="91440" anchor="t">
+          <a:bodyPr lIns="90000" rIns="90000" tIns="91440" bIns="91440" anchor="t">
             <a:spAutoFit/>
           </a:bodyPr>
           <a:p>
@@ -8918,7 +8725,7 @@
 </p:sld>
 </file>
 
-<file path=ppt/slides/slide6.xml><?xml version="1.0" encoding="utf-8"?>
+<file path=ppt/slides/slide7.xml><?xml version="1.0" encoding="utf-8"?>
 <p:sld xmlns:a="http://schemas.openxmlformats.org/drawingml/2006/main" xmlns:p="http://schemas.openxmlformats.org/presentationml/2006/main" xmlns:r="http://schemas.openxmlformats.org/officeDocument/2006/relationships" xmlns:p14="http://schemas.microsoft.com/office/powerpoint/2010/main" xmlns:p15="http://schemas.microsoft.com/office/powerpoint/2012/main" xmlns:mc="http://schemas.openxmlformats.org/markup-compatibility/2006">
   <p:cSld>
     <p:spTree>
@@ -8937,7 +8744,7 @@
       </p:grpSpPr>
       <p:sp>
         <p:nvSpPr>
-          <p:cNvPr id="157" name="PlaceHolder 1"/>
+          <p:cNvPr id="160" name="PlaceHolder 1"/>
           <p:cNvSpPr>
             <a:spLocks noGrp="1"/>
           </p:cNvSpPr>
@@ -8948,18 +8755,18 @@
         <p:spPr>
           <a:xfrm>
             <a:off x="311760" y="444960"/>
-            <a:ext cx="8520120" cy="1041840"/>
-          </a:xfrm>
-          <a:prstGeom prst="rect">
-            <a:avLst/>
-          </a:prstGeom>
-          <a:noFill/>
-          <a:ln w="0">
-            <a:noFill/>
-          </a:ln>
-        </p:spPr>
-        <p:txBody>
-          <a:bodyPr tIns="91440" bIns="91440" anchor="t">
+            <a:ext cx="8519760" cy="1041480"/>
+          </a:xfrm>
+          <a:prstGeom prst="rect">
+            <a:avLst/>
+          </a:prstGeom>
+          <a:noFill/>
+          <a:ln w="0">
+            <a:noFill/>
+          </a:ln>
+        </p:spPr>
+        <p:txBody>
+          <a:bodyPr lIns="0" rIns="0" tIns="91440" bIns="91440" anchor="t">
             <a:noAutofit/>
           </a:bodyPr>
           <a:p>
@@ -8983,17 +8790,14 @@
               <a:t>Libraries &amp; Technologies</a:t>
             </a:r>
             <a:endParaRPr b="0" lang="en-US" sz="2800" spc="-1" strike="noStrike">
-              <a:solidFill>
-                <a:srgbClr val="000000"/>
-              </a:solidFill>
-              <a:latin typeface="Arial"/>
-            </a:endParaRPr>
-          </a:p>
-        </p:txBody>
-      </p:sp>
-      <p:sp>
-        <p:nvSpPr>
-          <p:cNvPr id="158" name="PlaceHolder 2"/>
+              <a:latin typeface="Arial"/>
+            </a:endParaRPr>
+          </a:p>
+        </p:txBody>
+      </p:sp>
+      <p:sp>
+        <p:nvSpPr>
+          <p:cNvPr id="161" name="PlaceHolder 2"/>
           <p:cNvSpPr>
             <a:spLocks noGrp="1"/>
           </p:cNvSpPr>
@@ -9004,18 +8808,18 @@
         <p:spPr>
           <a:xfrm>
             <a:off x="311760" y="1152360"/>
-            <a:ext cx="8520120" cy="3075840"/>
-          </a:xfrm>
-          <a:prstGeom prst="rect">
-            <a:avLst/>
-          </a:prstGeom>
-          <a:noFill/>
-          <a:ln w="0">
-            <a:noFill/>
-          </a:ln>
-        </p:spPr>
-        <p:txBody>
-          <a:bodyPr tIns="91440" bIns="91440" anchor="t">
+            <a:ext cx="8519760" cy="3075480"/>
+          </a:xfrm>
+          <a:prstGeom prst="rect">
+            <a:avLst/>
+          </a:prstGeom>
+          <a:noFill/>
+          <a:ln w="0">
+            <a:noFill/>
+          </a:ln>
+        </p:spPr>
+        <p:txBody>
+          <a:bodyPr lIns="0" rIns="0" tIns="91440" bIns="91440" anchor="t">
             <a:noAutofit/>
           </a:bodyPr>
           <a:p>
@@ -9050,9 +8854,6 @@
               <a:t>(multi-dimensional arrays)</a:t>
             </a:r>
             <a:endParaRPr b="0" lang="en-US" sz="1800" spc="-1" strike="noStrike">
-              <a:solidFill>
-                <a:srgbClr val="000000"/>
-              </a:solidFill>
               <a:latin typeface="Arial"/>
             </a:endParaRPr>
           </a:p>
@@ -9090,9 +8891,6 @@
               <a:t> (approximate nearest neighbor library)</a:t>
             </a:r>
             <a:endParaRPr b="0" lang="en-US" sz="1800" spc="-1" strike="noStrike">
-              <a:solidFill>
-                <a:srgbClr val="000000"/>
-              </a:solidFill>
               <a:latin typeface="Arial"/>
             </a:endParaRPr>
           </a:p>
@@ -9126,13 +8924,11 @@
                   <a:srgbClr val="595959"/>
                 </a:solidFill>
                 <a:latin typeface="Arial"/>
+                <a:ea typeface="Arial"/>
               </a:rPr>
               <a:t> </a:t>
             </a:r>
             <a:endParaRPr b="0" lang="en-US" sz="1800" spc="-1" strike="noStrike">
-              <a:solidFill>
-                <a:srgbClr val="000000"/>
-              </a:solidFill>
               <a:latin typeface="Arial"/>
             </a:endParaRPr>
           </a:p>
@@ -9181,9 +8977,6 @@
               <a:t>):</a:t>
             </a:r>
             <a:endParaRPr b="0" lang="en-US" sz="1800" spc="-1" strike="noStrike">
-              <a:solidFill>
-                <a:srgbClr val="000000"/>
-              </a:solidFill>
               <a:latin typeface="Arial"/>
             </a:endParaRPr>
           </a:p>
@@ -9237,95 +9030,6 @@
               <a:t>(for a pre-installed environment and speed via GPUs)</a:t>
             </a:r>
             <a:endParaRPr b="0" lang="en-US" sz="1800" spc="-1" strike="noStrike">
-              <a:solidFill>
-                <a:srgbClr val="000000"/>
-              </a:solidFill>
-              <a:latin typeface="Arial"/>
-            </a:endParaRPr>
-          </a:p>
-        </p:txBody>
-      </p:sp>
-    </p:spTree>
-  </p:cSld>
-  <mc:AlternateContent>
-    <mc:Choice Requires="p14">
-      <p:transition spd="slow" p14:dur="2000"/>
-    </mc:Choice>
-    <mc:Fallback>
-      <p:transition spd="slow"/>
-    </mc:Fallback>
-  </mc:AlternateContent>
-</p:sld>
-</file>
-
-<file path=ppt/slides/slide7.xml><?xml version="1.0" encoding="utf-8"?>
-<p:sld xmlns:a="http://schemas.openxmlformats.org/drawingml/2006/main" xmlns:p="http://schemas.openxmlformats.org/presentationml/2006/main" xmlns:r="http://schemas.openxmlformats.org/officeDocument/2006/relationships" xmlns:p14="http://schemas.microsoft.com/office/powerpoint/2010/main" xmlns:p15="http://schemas.microsoft.com/office/powerpoint/2012/main" xmlns:mc="http://schemas.openxmlformats.org/markup-compatibility/2006">
-  <p:cSld>
-    <p:spTree>
-      <p:nvGrpSpPr>
-        <p:cNvPr id="1" name=""/>
-        <p:cNvGrpSpPr/>
-        <p:nvPr/>
-      </p:nvGrpSpPr>
-      <p:grpSpPr>
-        <a:xfrm>
-          <a:off x="0" y="0"/>
-          <a:ext cx="0" cy="0"/>
-          <a:chOff x="0" y="0"/>
-          <a:chExt cx="0" cy="0"/>
-        </a:xfrm>
-      </p:grpSpPr>
-      <p:sp>
-        <p:nvSpPr>
-          <p:cNvPr id="159" name="PlaceHolder 1"/>
-          <p:cNvSpPr>
-            <a:spLocks noGrp="1"/>
-          </p:cNvSpPr>
-          <p:nvPr>
-            <p:ph type="title"/>
-          </p:nvPr>
-        </p:nvSpPr>
-        <p:spPr>
-          <a:xfrm>
-            <a:off x="235440" y="1730520"/>
-            <a:ext cx="8520120" cy="1554840"/>
-          </a:xfrm>
-          <a:prstGeom prst="rect">
-            <a:avLst/>
-          </a:prstGeom>
-          <a:noFill/>
-          <a:ln w="0">
-            <a:noFill/>
-          </a:ln>
-        </p:spPr>
-        <p:txBody>
-          <a:bodyPr tIns="91440" bIns="91440" anchor="b">
-            <a:noAutofit/>
-          </a:bodyPr>
-          <a:p>
-            <a:pPr algn="ctr">
-              <a:lnSpc>
-                <a:spcPct val="100000"/>
-              </a:lnSpc>
-              <a:buNone/>
-              <a:tabLst>
-                <a:tab algn="l" pos="0"/>
-              </a:tabLst>
-            </a:pPr>
-            <a:r>
-              <a:rPr b="0" lang="en" sz="9000" spc="-1" strike="noStrike">
-                <a:solidFill>
-                  <a:srgbClr val="000000"/>
-                </a:solidFill>
-                <a:latin typeface="Arial"/>
-                <a:ea typeface="Arial"/>
-              </a:rPr>
-              <a:t>To Colab</a:t>
-            </a:r>
-            <a:endParaRPr b="0" lang="en-US" sz="9000" spc="-1" strike="noStrike">
-              <a:solidFill>
-                <a:srgbClr val="000000"/>
-              </a:solidFill>
               <a:latin typeface="Arial"/>
             </a:endParaRPr>
           </a:p>
@@ -9361,9 +9065,92 @@
           <a:chExt cx="0" cy="0"/>
         </a:xfrm>
       </p:grpSpPr>
+      <p:sp>
+        <p:nvSpPr>
+          <p:cNvPr id="162" name="PlaceHolder 1"/>
+          <p:cNvSpPr>
+            <a:spLocks noGrp="1"/>
+          </p:cNvSpPr>
+          <p:nvPr>
+            <p:ph type="title"/>
+          </p:nvPr>
+        </p:nvSpPr>
+        <p:spPr>
+          <a:xfrm>
+            <a:off x="235440" y="1730520"/>
+            <a:ext cx="8519760" cy="1554480"/>
+          </a:xfrm>
+          <a:prstGeom prst="rect">
+            <a:avLst/>
+          </a:prstGeom>
+          <a:noFill/>
+          <a:ln w="0">
+            <a:noFill/>
+          </a:ln>
+        </p:spPr>
+        <p:txBody>
+          <a:bodyPr lIns="90000" rIns="90000" tIns="91440" bIns="91440" anchor="b">
+            <a:noAutofit/>
+          </a:bodyPr>
+          <a:p>
+            <a:pPr algn="ctr">
+              <a:lnSpc>
+                <a:spcPct val="100000"/>
+              </a:lnSpc>
+              <a:buNone/>
+              <a:tabLst>
+                <a:tab algn="l" pos="0"/>
+              </a:tabLst>
+            </a:pPr>
+            <a:r>
+              <a:rPr b="0" lang="en" sz="9000" spc="-1" strike="noStrike">
+                <a:solidFill>
+                  <a:srgbClr val="000000"/>
+                </a:solidFill>
+                <a:latin typeface="Arial"/>
+                <a:ea typeface="Arial"/>
+              </a:rPr>
+              <a:t>To Colab</a:t>
+            </a:r>
+            <a:endParaRPr b="0" lang="en-US" sz="9000" spc="-1" strike="noStrike">
+              <a:latin typeface="Arial"/>
+            </a:endParaRPr>
+          </a:p>
+        </p:txBody>
+      </p:sp>
+    </p:spTree>
+  </p:cSld>
+  <mc:AlternateContent>
+    <mc:Choice Requires="p14">
+      <p:transition spd="slow" p14:dur="2000"/>
+    </mc:Choice>
+    <mc:Fallback>
+      <p:transition spd="slow"/>
+    </mc:Fallback>
+  </mc:AlternateContent>
+</p:sld>
+</file>
+
+<file path=ppt/slides/slide9.xml><?xml version="1.0" encoding="utf-8"?>
+<p:sld xmlns:a="http://schemas.openxmlformats.org/drawingml/2006/main" xmlns:p="http://schemas.openxmlformats.org/presentationml/2006/main" xmlns:r="http://schemas.openxmlformats.org/officeDocument/2006/relationships" xmlns:p14="http://schemas.microsoft.com/office/powerpoint/2010/main" xmlns:p15="http://schemas.microsoft.com/office/powerpoint/2012/main" xmlns:mc="http://schemas.openxmlformats.org/markup-compatibility/2006">
+  <p:cSld>
+    <p:spTree>
+      <p:nvGrpSpPr>
+        <p:cNvPr id="1" name=""/>
+        <p:cNvGrpSpPr/>
+        <p:nvPr/>
+      </p:nvGrpSpPr>
+      <p:grpSpPr>
+        <a:xfrm>
+          <a:off x="0" y="0"/>
+          <a:ext cx="0" cy="0"/>
+          <a:chOff x="0" y="0"/>
+          <a:chExt cx="0" cy="0"/>
+        </a:xfrm>
+      </p:grpSpPr>
       <p:pic>
         <p:nvPicPr>
-          <p:cNvPr id="160" name="Google Shape;126;p20" descr=""/>
+          <p:cNvPr id="163" name="Google Shape;126;p20" descr=""/>
           <p:cNvPicPr/>
           <p:nvPr/>
         </p:nvPicPr>
@@ -9374,7 +9161,7 @@
         <p:spPr>
           <a:xfrm>
             <a:off x="1174320" y="2457000"/>
-            <a:ext cx="3657960" cy="2524320"/>
+            <a:ext cx="3657600" cy="2523960"/>
           </a:xfrm>
           <a:prstGeom prst="rect">
             <a:avLst/>
@@ -9386,7 +9173,7 @@
       </p:pic>
       <p:pic>
         <p:nvPicPr>
-          <p:cNvPr id="161" name="Google Shape;127;p20" descr=""/>
+          <p:cNvPr id="164" name="Google Shape;127;p20" descr=""/>
           <p:cNvPicPr/>
           <p:nvPr/>
         </p:nvPicPr>
@@ -9397,7 +9184,7 @@
         <p:spPr>
           <a:xfrm>
             <a:off x="7473600" y="61920"/>
-            <a:ext cx="984240" cy="2318760"/>
+            <a:ext cx="983880" cy="2318400"/>
           </a:xfrm>
           <a:prstGeom prst="rect">
             <a:avLst/>
@@ -9409,7 +9196,7 @@
       </p:pic>
       <p:pic>
         <p:nvPicPr>
-          <p:cNvPr id="162" name="Google Shape;128;p20" descr=""/>
+          <p:cNvPr id="165" name="Google Shape;128;p20" descr=""/>
           <p:cNvPicPr/>
           <p:nvPr/>
         </p:nvPicPr>
@@ -9421,7 +9208,7 @@
         <p:spPr>
           <a:xfrm>
             <a:off x="6498000" y="2662920"/>
-            <a:ext cx="2551320" cy="2318760"/>
+            <a:ext cx="2550960" cy="2318400"/>
           </a:xfrm>
           <a:prstGeom prst="rect">
             <a:avLst/>
@@ -9433,7 +9220,7 @@
       </p:pic>
       <p:pic>
         <p:nvPicPr>
-          <p:cNvPr id="163" name="Google Shape;129;p20" descr=""/>
+          <p:cNvPr id="166" name="Google Shape;129;p20" descr=""/>
           <p:cNvPicPr/>
           <p:nvPr/>
         </p:nvPicPr>
@@ -9444,7 +9231,7 @@
         <p:spPr>
           <a:xfrm>
             <a:off x="1183680" y="63000"/>
-            <a:ext cx="3835080" cy="2215440"/>
+            <a:ext cx="3834720" cy="2215080"/>
           </a:xfrm>
           <a:prstGeom prst="rect">
             <a:avLst/>
@@ -9456,14 +9243,14 @@
       </p:pic>
       <p:sp>
         <p:nvSpPr>
-          <p:cNvPr id="164" name="Google Shape;130;p20"/>
+          <p:cNvPr id="167" name="Google Shape;130;p20"/>
           <p:cNvSpPr/>
           <p:nvPr/>
         </p:nvSpPr>
         <p:spPr>
           <a:xfrm>
             <a:off x="74160" y="63000"/>
-            <a:ext cx="1080720" cy="1218600"/>
+            <a:ext cx="1080360" cy="1218240"/>
           </a:xfrm>
           <a:prstGeom prst="rect">
             <a:avLst/>
@@ -9480,7 +9267,7 @@
           <a:fontRef idx="minor"/>
         </p:style>
         <p:txBody>
-          <a:bodyPr tIns="91440" bIns="91440" anchor="t">
+          <a:bodyPr lIns="90000" rIns="90000" tIns="91440" bIns="91440" anchor="t">
             <a:spAutoFit/>
           </a:bodyPr>
           <a:p>
@@ -9538,14 +9325,14 @@
       </p:sp>
       <p:sp>
         <p:nvSpPr>
-          <p:cNvPr id="165" name="Google Shape;131;p20"/>
+          <p:cNvPr id="168" name="Google Shape;131;p20"/>
           <p:cNvSpPr/>
           <p:nvPr/>
         </p:nvSpPr>
         <p:spPr>
           <a:xfrm>
             <a:off x="74160" y="2501280"/>
-            <a:ext cx="1080720" cy="1827720"/>
+            <a:ext cx="1080360" cy="1827360"/>
           </a:xfrm>
           <a:prstGeom prst="rect">
             <a:avLst/>
@@ -9562,7 +9349,7 @@
           <a:fontRef idx="minor"/>
         </p:style>
         <p:txBody>
-          <a:bodyPr tIns="91440" bIns="91440" anchor="t">
+          <a:bodyPr lIns="90000" rIns="90000" tIns="91440" bIns="91440" anchor="t">
             <a:spAutoFit/>
           </a:bodyPr>
           <a:p>
@@ -9630,27 +9417,7 @@
                 <a:latin typeface="Roboto Mono"/>
                 <a:ea typeface="Roboto Mono"/>
               </a:rPr>
-              <a:t> </a:t>
-            </a:r>
-            <a:r>
-              <a:rPr b="0" lang="en" sz="1000" spc="-1" strike="noStrike">
-                <a:solidFill>
-                  <a:srgbClr val="000000"/>
-                </a:solidFill>
-                <a:latin typeface="Roboto Mono"/>
-                <a:ea typeface="Roboto Mono"/>
-              </a:rPr>
-              <a:t>pivots</a:t>
-            </a:r>
-            <a:r>
-              <a:rPr b="0" lang="en" sz="1000" spc="-1" strike="noStrike">
-                <a:solidFill>
-                  <a:srgbClr val="000000"/>
-                </a:solidFill>
-                <a:latin typeface="Roboto Mono"/>
-                <a:ea typeface="Roboto Mono"/>
-              </a:rPr>
-              <a:t> nearest to the query.</a:t>
+              <a:t> pivots nearest to the query.</a:t>
             </a:r>
             <a:endParaRPr b="0" lang="en-US" sz="1000" spc="-1" strike="noStrike">
               <a:latin typeface="Arial"/>
@@ -9660,14 +9427,14 @@
       </p:sp>
       <p:sp>
         <p:nvSpPr>
-          <p:cNvPr id="166" name="Google Shape;132;p20"/>
+          <p:cNvPr id="169" name="Google Shape;132;p20"/>
           <p:cNvSpPr/>
           <p:nvPr/>
         </p:nvSpPr>
         <p:spPr>
           <a:xfrm>
             <a:off x="6095520" y="73800"/>
-            <a:ext cx="1340280" cy="1675440"/>
+            <a:ext cx="1339920" cy="1675080"/>
           </a:xfrm>
           <a:prstGeom prst="rect">
             <a:avLst/>
@@ -9684,7 +9451,7 @@
           <a:fontRef idx="minor"/>
         </p:style>
         <p:txBody>
-          <a:bodyPr tIns="91440" bIns="91440" anchor="t">
+          <a:bodyPr lIns="90000" rIns="90000" tIns="91440" bIns="91440" anchor="t">
             <a:spAutoFit/>
           </a:bodyPr>
           <a:p>
@@ -9762,14 +9529,14 @@
       </p:sp>
       <p:sp>
         <p:nvSpPr>
-          <p:cNvPr id="167" name="Google Shape;133;p20"/>
+          <p:cNvPr id="170" name="Google Shape;133;p20"/>
           <p:cNvSpPr/>
           <p:nvPr/>
         </p:nvSpPr>
         <p:spPr>
           <a:xfrm>
             <a:off x="5160600" y="2653560"/>
-            <a:ext cx="1453320" cy="2132280"/>
+            <a:ext cx="1452960" cy="2131920"/>
           </a:xfrm>
           <a:prstGeom prst="rect">
             <a:avLst/>
@@ -9786,7 +9553,7 @@
           <a:fontRef idx="minor"/>
         </p:style>
         <p:txBody>
-          <a:bodyPr tIns="91440" bIns="91440" anchor="t">
+          <a:bodyPr lIns="90000" rIns="90000" tIns="91440" bIns="91440" anchor="t">
             <a:spAutoFit/>
           </a:bodyPr>
           <a:p>
